--- a/papers/车底检测/车底爆炸物检测.pptx
+++ b/papers/车底检测/车底爆炸物检测.pptx
@@ -20,6 +20,8 @@
     <p:sldId id="269" r:id="rId14"/>
     <p:sldId id="268" r:id="rId15"/>
     <p:sldId id="270" r:id="rId16"/>
+    <p:sldId id="271" r:id="rId17"/>
+    <p:sldId id="272" r:id="rId18"/>
   </p:sldIdLst>
   <p:sldSz cx="12192000" cy="6858000"/>
   <p:notesSz cx="6858000" cy="9144000"/>
@@ -142,6 +144,8 @@
             <p14:sldId id="269"/>
             <p14:sldId id="268"/>
             <p14:sldId id="270"/>
+            <p14:sldId id="271"/>
+            <p14:sldId id="272"/>
           </p14:sldIdLst>
         </p14:section>
       </p14:sectionLst>
@@ -17610,7 +17614,7 @@
             </a:r>
             <a:r>
               <a:rPr lang="en-US" altLang="zh-CN" dirty="0"/>
-              <a:t>0</a:t>
+              <a:t>1</a:t>
             </a:r>
             <a:endParaRPr lang="zh-CN" altLang="en-US" dirty="0"/>
           </a:p>
@@ -18562,6 +18566,1043 @@
         <p:spPr>
           <a:xfrm>
             <a:off x="8656339" y="1620290"/>
+            <a:ext cx="1684020" cy="575183"/>
+          </a:xfrm>
+          <a:prstGeom prst="rect">
+            <a:avLst/>
+          </a:prstGeom>
+        </p:spPr>
+        <p:style>
+          <a:lnRef idx="2">
+            <a:schemeClr val="accent1">
+              <a:shade val="15000"/>
+            </a:schemeClr>
+          </a:lnRef>
+          <a:fillRef idx="1">
+            <a:schemeClr val="accent1"/>
+          </a:fillRef>
+          <a:effectRef idx="0">
+            <a:schemeClr val="accent1"/>
+          </a:effectRef>
+          <a:fontRef idx="minor">
+            <a:schemeClr val="lt1"/>
+          </a:fontRef>
+        </p:style>
+        <p:txBody>
+          <a:bodyPr rtlCol="0" anchor="ctr"/>
+          <a:lstStyle/>
+          <a:p>
+            <a:pPr algn="ctr"/>
+            <a:r>
+              <a:rPr lang="zh-CN" altLang="en-US" dirty="0"/>
+              <a:t>分类模块</a:t>
+            </a:r>
+            <a:br>
+              <a:rPr lang="en-US" altLang="zh-CN" dirty="0"/>
+            </a:br>
+            <a:r>
+              <a:rPr lang="zh-CN" altLang="en-US" dirty="0"/>
+              <a:t>标签为</a:t>
+            </a:r>
+            <a:r>
+              <a:rPr lang="en-US" altLang="zh-CN" dirty="0"/>
+              <a:t>0</a:t>
+            </a:r>
+            <a:endParaRPr lang="zh-CN" altLang="en-US" dirty="0"/>
+          </a:p>
+        </p:txBody>
+      </p:sp>
+      <p:cxnSp>
+        <p:nvCxnSpPr>
+          <p:cNvPr id="88" name="连接符: 肘形 87">
+            <a:extLst>
+              <a:ext uri="{FF2B5EF4-FFF2-40B4-BE49-F238E27FC236}">
+                <a16:creationId xmlns:a16="http://schemas.microsoft.com/office/drawing/2014/main" id="{E96A5495-9815-D459-B423-9A770B305670}"/>
+              </a:ext>
+            </a:extLst>
+          </p:cNvPr>
+          <p:cNvCxnSpPr>
+            <a:cxnSpLocks/>
+            <a:stCxn id="84" idx="3"/>
+            <a:endCxn id="87" idx="1"/>
+          </p:cNvCxnSpPr>
+          <p:nvPr/>
+        </p:nvCxnSpPr>
+        <p:spPr>
+          <a:xfrm flipV="1">
+            <a:off x="5397376" y="1907882"/>
+            <a:ext cx="3258963" cy="1"/>
+          </a:xfrm>
+          <a:prstGeom prst="bentConnector3">
+            <a:avLst>
+              <a:gd name="adj1" fmla="val 50000"/>
+            </a:avLst>
+          </a:prstGeom>
+          <a:ln>
+            <a:tailEnd type="triangle"/>
+          </a:ln>
+        </p:spPr>
+        <p:style>
+          <a:lnRef idx="1">
+            <a:schemeClr val="accent1"/>
+          </a:lnRef>
+          <a:fillRef idx="0">
+            <a:schemeClr val="accent1"/>
+          </a:fillRef>
+          <a:effectRef idx="0">
+            <a:schemeClr val="accent1"/>
+          </a:effectRef>
+          <a:fontRef idx="minor">
+            <a:schemeClr val="tx1"/>
+          </a:fontRef>
+        </p:style>
+      </p:cxnSp>
+      <p:sp>
+        <p:nvSpPr>
+          <p:cNvPr id="91" name="矩形 90">
+            <a:extLst>
+              <a:ext uri="{FF2B5EF4-FFF2-40B4-BE49-F238E27FC236}">
+                <a16:creationId xmlns:a16="http://schemas.microsoft.com/office/drawing/2014/main" id="{5C5661EF-ABD9-43D1-28CD-84C3C0CA8386}"/>
+              </a:ext>
+            </a:extLst>
+          </p:cNvPr>
+          <p:cNvSpPr/>
+          <p:nvPr/>
+        </p:nvSpPr>
+        <p:spPr>
+          <a:xfrm>
+            <a:off x="1282367" y="5332900"/>
+            <a:ext cx="1306285" cy="870857"/>
+          </a:xfrm>
+          <a:prstGeom prst="rect">
+            <a:avLst/>
+          </a:prstGeom>
+        </p:spPr>
+        <p:style>
+          <a:lnRef idx="2">
+            <a:schemeClr val="accent1">
+              <a:shade val="15000"/>
+            </a:schemeClr>
+          </a:lnRef>
+          <a:fillRef idx="1">
+            <a:schemeClr val="accent1"/>
+          </a:fillRef>
+          <a:effectRef idx="0">
+            <a:schemeClr val="accent1"/>
+          </a:effectRef>
+          <a:fontRef idx="minor">
+            <a:schemeClr val="lt1"/>
+          </a:fontRef>
+        </p:style>
+        <p:txBody>
+          <a:bodyPr rtlCol="0" anchor="ctr"/>
+          <a:lstStyle/>
+          <a:p>
+            <a:pPr algn="ctr"/>
+            <a:r>
+              <a:rPr lang="zh-CN" altLang="en-US" dirty="0"/>
+              <a:t>异常图像</a:t>
+            </a:r>
+          </a:p>
+        </p:txBody>
+      </p:sp>
+      <p:sp>
+        <p:nvSpPr>
+          <p:cNvPr id="92" name="矩形: 圆角 91">
+            <a:extLst>
+              <a:ext uri="{FF2B5EF4-FFF2-40B4-BE49-F238E27FC236}">
+                <a16:creationId xmlns:a16="http://schemas.microsoft.com/office/drawing/2014/main" id="{66150867-E577-8CB2-551D-8D44562E40C3}"/>
+              </a:ext>
+            </a:extLst>
+          </p:cNvPr>
+          <p:cNvSpPr/>
+          <p:nvPr/>
+        </p:nvSpPr>
+        <p:spPr>
+          <a:xfrm>
+            <a:off x="2889552" y="5566642"/>
+            <a:ext cx="1031286" cy="403375"/>
+          </a:xfrm>
+          <a:prstGeom prst="roundRect">
+            <a:avLst>
+              <a:gd name="adj" fmla="val 50000"/>
+            </a:avLst>
+          </a:prstGeom>
+        </p:spPr>
+        <p:style>
+          <a:lnRef idx="2">
+            <a:schemeClr val="accent1">
+              <a:shade val="15000"/>
+            </a:schemeClr>
+          </a:lnRef>
+          <a:fillRef idx="1">
+            <a:schemeClr val="accent1"/>
+          </a:fillRef>
+          <a:effectRef idx="0">
+            <a:schemeClr val="accent1"/>
+          </a:effectRef>
+          <a:fontRef idx="minor">
+            <a:schemeClr val="lt1"/>
+          </a:fontRef>
+        </p:style>
+        <p:txBody>
+          <a:bodyPr rtlCol="0" anchor="ctr"/>
+          <a:lstStyle/>
+          <a:p>
+            <a:pPr algn="ctr"/>
+            <a:r>
+              <a:rPr lang="zh-CN" altLang="en-US" sz="1000" dirty="0"/>
+              <a:t>预训练特征提取器</a:t>
+            </a:r>
+          </a:p>
+        </p:txBody>
+      </p:sp>
+      <p:cxnSp>
+        <p:nvCxnSpPr>
+          <p:cNvPr id="93" name="连接符: 肘形 92">
+            <a:extLst>
+              <a:ext uri="{FF2B5EF4-FFF2-40B4-BE49-F238E27FC236}">
+                <a16:creationId xmlns:a16="http://schemas.microsoft.com/office/drawing/2014/main" id="{7AD643AC-6E74-9617-195B-BA52C8958CF8}"/>
+              </a:ext>
+            </a:extLst>
+          </p:cNvPr>
+          <p:cNvCxnSpPr>
+            <a:stCxn id="91" idx="3"/>
+            <a:endCxn id="92" idx="1"/>
+          </p:cNvCxnSpPr>
+          <p:nvPr/>
+        </p:nvCxnSpPr>
+        <p:spPr>
+          <a:xfrm>
+            <a:off x="2588652" y="5768329"/>
+            <a:ext cx="300900" cy="1"/>
+          </a:xfrm>
+          <a:prstGeom prst="bentConnector3">
+            <a:avLst/>
+          </a:prstGeom>
+          <a:ln>
+            <a:tailEnd type="triangle"/>
+          </a:ln>
+        </p:spPr>
+        <p:style>
+          <a:lnRef idx="1">
+            <a:schemeClr val="accent1"/>
+          </a:lnRef>
+          <a:fillRef idx="0">
+            <a:schemeClr val="accent1"/>
+          </a:fillRef>
+          <a:effectRef idx="0">
+            <a:schemeClr val="accent1"/>
+          </a:effectRef>
+          <a:fontRef idx="minor">
+            <a:schemeClr val="tx1"/>
+          </a:fontRef>
+        </p:style>
+      </p:cxnSp>
+      <p:cxnSp>
+        <p:nvCxnSpPr>
+          <p:cNvPr id="94" name="直接箭头连接符 93">
+            <a:extLst>
+              <a:ext uri="{FF2B5EF4-FFF2-40B4-BE49-F238E27FC236}">
+                <a16:creationId xmlns:a16="http://schemas.microsoft.com/office/drawing/2014/main" id="{82EB1CCB-06AB-1919-E8DE-11C06D26BE42}"/>
+              </a:ext>
+            </a:extLst>
+          </p:cNvPr>
+          <p:cNvCxnSpPr>
+            <a:cxnSpLocks/>
+            <a:stCxn id="92" idx="3"/>
+            <a:endCxn id="100" idx="1"/>
+          </p:cNvCxnSpPr>
+          <p:nvPr/>
+        </p:nvCxnSpPr>
+        <p:spPr>
+          <a:xfrm>
+            <a:off x="3920838" y="5768330"/>
+            <a:ext cx="338029" cy="0"/>
+          </a:xfrm>
+          <a:prstGeom prst="straightConnector1">
+            <a:avLst/>
+          </a:prstGeom>
+          <a:ln>
+            <a:tailEnd type="triangle"/>
+          </a:ln>
+        </p:spPr>
+        <p:style>
+          <a:lnRef idx="1">
+            <a:schemeClr val="accent1"/>
+          </a:lnRef>
+          <a:fillRef idx="0">
+            <a:schemeClr val="accent1"/>
+          </a:fillRef>
+          <a:effectRef idx="0">
+            <a:schemeClr val="accent1"/>
+          </a:effectRef>
+          <a:fontRef idx="minor">
+            <a:schemeClr val="tx1"/>
+          </a:fontRef>
+        </p:style>
+      </p:cxnSp>
+      <p:grpSp>
+        <p:nvGrpSpPr>
+          <p:cNvPr id="95" name="组合 94">
+            <a:extLst>
+              <a:ext uri="{FF2B5EF4-FFF2-40B4-BE49-F238E27FC236}">
+                <a16:creationId xmlns:a16="http://schemas.microsoft.com/office/drawing/2014/main" id="{038ECD3B-1E66-F06B-FEFD-786FB2B1C517}"/>
+              </a:ext>
+            </a:extLst>
+          </p:cNvPr>
+          <p:cNvGrpSpPr/>
+          <p:nvPr/>
+        </p:nvGrpSpPr>
+        <p:grpSpPr>
+          <a:xfrm>
+            <a:off x="4258867" y="5408328"/>
+            <a:ext cx="1138509" cy="720000"/>
+            <a:chOff x="4249837" y="1909791"/>
+            <a:chExt cx="1138509" cy="720000"/>
+          </a:xfrm>
+        </p:grpSpPr>
+        <p:sp>
+          <p:nvSpPr>
+            <p:cNvPr id="96" name="矩形 95">
+              <a:extLst>
+                <a:ext uri="{FF2B5EF4-FFF2-40B4-BE49-F238E27FC236}">
+                  <a16:creationId xmlns:a16="http://schemas.microsoft.com/office/drawing/2014/main" id="{034C57D1-E86D-9E85-7C48-677CCB44104D}"/>
+                </a:ext>
+              </a:extLst>
+            </p:cNvPr>
+            <p:cNvSpPr/>
+            <p:nvPr/>
+          </p:nvSpPr>
+          <p:spPr>
+            <a:xfrm>
+              <a:off x="4249837" y="1909793"/>
+              <a:ext cx="184467" cy="198239"/>
+            </a:xfrm>
+            <a:prstGeom prst="rect">
+              <a:avLst/>
+            </a:prstGeom>
+          </p:spPr>
+          <p:style>
+            <a:lnRef idx="2">
+              <a:schemeClr val="accent1">
+                <a:shade val="15000"/>
+              </a:schemeClr>
+            </a:lnRef>
+            <a:fillRef idx="1">
+              <a:schemeClr val="accent1"/>
+            </a:fillRef>
+            <a:effectRef idx="0">
+              <a:schemeClr val="accent1"/>
+            </a:effectRef>
+            <a:fontRef idx="minor">
+              <a:schemeClr val="lt1"/>
+            </a:fontRef>
+          </p:style>
+          <p:txBody>
+            <a:bodyPr rtlCol="0" anchor="ctr"/>
+            <a:lstStyle/>
+            <a:p>
+              <a:pPr algn="ctr"/>
+              <a:endParaRPr lang="zh-CN" altLang="en-US"/>
+            </a:p>
+          </p:txBody>
+        </p:sp>
+        <p:sp>
+          <p:nvSpPr>
+            <p:cNvPr id="97" name="矩形 96">
+              <a:extLst>
+                <a:ext uri="{FF2B5EF4-FFF2-40B4-BE49-F238E27FC236}">
+                  <a16:creationId xmlns:a16="http://schemas.microsoft.com/office/drawing/2014/main" id="{B23E4E1C-5540-7A41-96A5-5F64EC8797FE}"/>
+                </a:ext>
+              </a:extLst>
+            </p:cNvPr>
+            <p:cNvSpPr/>
+            <p:nvPr/>
+          </p:nvSpPr>
+          <p:spPr>
+            <a:xfrm>
+              <a:off x="4488348" y="1909792"/>
+              <a:ext cx="184467" cy="198239"/>
+            </a:xfrm>
+            <a:prstGeom prst="rect">
+              <a:avLst/>
+            </a:prstGeom>
+          </p:spPr>
+          <p:style>
+            <a:lnRef idx="2">
+              <a:schemeClr val="accent1">
+                <a:shade val="15000"/>
+              </a:schemeClr>
+            </a:lnRef>
+            <a:fillRef idx="1">
+              <a:schemeClr val="accent1"/>
+            </a:fillRef>
+            <a:effectRef idx="0">
+              <a:schemeClr val="accent1"/>
+            </a:effectRef>
+            <a:fontRef idx="minor">
+              <a:schemeClr val="lt1"/>
+            </a:fontRef>
+          </p:style>
+          <p:txBody>
+            <a:bodyPr rtlCol="0" anchor="ctr"/>
+            <a:lstStyle/>
+            <a:p>
+              <a:pPr algn="ctr"/>
+              <a:endParaRPr lang="zh-CN" altLang="en-US"/>
+            </a:p>
+          </p:txBody>
+        </p:sp>
+        <p:sp>
+          <p:nvSpPr>
+            <p:cNvPr id="98" name="矩形 97">
+              <a:extLst>
+                <a:ext uri="{FF2B5EF4-FFF2-40B4-BE49-F238E27FC236}">
+                  <a16:creationId xmlns:a16="http://schemas.microsoft.com/office/drawing/2014/main" id="{A6131692-9A13-5987-CE6C-E7E09B75BD9F}"/>
+                </a:ext>
+              </a:extLst>
+            </p:cNvPr>
+            <p:cNvSpPr/>
+            <p:nvPr/>
+          </p:nvSpPr>
+          <p:spPr>
+            <a:xfrm>
+              <a:off x="4726859" y="1909791"/>
+              <a:ext cx="184467" cy="198239"/>
+            </a:xfrm>
+            <a:prstGeom prst="rect">
+              <a:avLst/>
+            </a:prstGeom>
+          </p:spPr>
+          <p:style>
+            <a:lnRef idx="2">
+              <a:schemeClr val="accent1">
+                <a:shade val="15000"/>
+              </a:schemeClr>
+            </a:lnRef>
+            <a:fillRef idx="1">
+              <a:schemeClr val="accent1"/>
+            </a:fillRef>
+            <a:effectRef idx="0">
+              <a:schemeClr val="accent1"/>
+            </a:effectRef>
+            <a:fontRef idx="minor">
+              <a:schemeClr val="lt1"/>
+            </a:fontRef>
+          </p:style>
+          <p:txBody>
+            <a:bodyPr rtlCol="0" anchor="ctr"/>
+            <a:lstStyle/>
+            <a:p>
+              <a:pPr algn="ctr"/>
+              <a:endParaRPr lang="zh-CN" altLang="en-US"/>
+            </a:p>
+          </p:txBody>
+        </p:sp>
+        <p:sp>
+          <p:nvSpPr>
+            <p:cNvPr id="99" name="矩形 98">
+              <a:extLst>
+                <a:ext uri="{FF2B5EF4-FFF2-40B4-BE49-F238E27FC236}">
+                  <a16:creationId xmlns:a16="http://schemas.microsoft.com/office/drawing/2014/main" id="{7C432C0D-9415-9BFB-6FD7-14E3DE5A3A62}"/>
+                </a:ext>
+              </a:extLst>
+            </p:cNvPr>
+            <p:cNvSpPr/>
+            <p:nvPr/>
+          </p:nvSpPr>
+          <p:spPr>
+            <a:xfrm>
+              <a:off x="4965370" y="1909793"/>
+              <a:ext cx="184467" cy="198239"/>
+            </a:xfrm>
+            <a:prstGeom prst="rect">
+              <a:avLst/>
+            </a:prstGeom>
+          </p:spPr>
+          <p:style>
+            <a:lnRef idx="2">
+              <a:schemeClr val="accent1">
+                <a:shade val="15000"/>
+              </a:schemeClr>
+            </a:lnRef>
+            <a:fillRef idx="1">
+              <a:schemeClr val="accent1"/>
+            </a:fillRef>
+            <a:effectRef idx="0">
+              <a:schemeClr val="accent1"/>
+            </a:effectRef>
+            <a:fontRef idx="minor">
+              <a:schemeClr val="lt1"/>
+            </a:fontRef>
+          </p:style>
+          <p:txBody>
+            <a:bodyPr rtlCol="0" anchor="ctr"/>
+            <a:lstStyle/>
+            <a:p>
+              <a:pPr algn="ctr"/>
+              <a:endParaRPr lang="zh-CN" altLang="en-US"/>
+            </a:p>
+          </p:txBody>
+        </p:sp>
+        <p:sp>
+          <p:nvSpPr>
+            <p:cNvPr id="100" name="矩形 99">
+              <a:extLst>
+                <a:ext uri="{FF2B5EF4-FFF2-40B4-BE49-F238E27FC236}">
+                  <a16:creationId xmlns:a16="http://schemas.microsoft.com/office/drawing/2014/main" id="{3F961ED9-B1AC-B9AA-B348-06740D8DDCCA}"/>
+                </a:ext>
+              </a:extLst>
+            </p:cNvPr>
+            <p:cNvSpPr/>
+            <p:nvPr/>
+          </p:nvSpPr>
+          <p:spPr>
+            <a:xfrm>
+              <a:off x="4249837" y="2170673"/>
+              <a:ext cx="184467" cy="198239"/>
+            </a:xfrm>
+            <a:prstGeom prst="rect">
+              <a:avLst/>
+            </a:prstGeom>
+          </p:spPr>
+          <p:style>
+            <a:lnRef idx="2">
+              <a:schemeClr val="accent1">
+                <a:shade val="15000"/>
+              </a:schemeClr>
+            </a:lnRef>
+            <a:fillRef idx="1">
+              <a:schemeClr val="accent1"/>
+            </a:fillRef>
+            <a:effectRef idx="0">
+              <a:schemeClr val="accent1"/>
+            </a:effectRef>
+            <a:fontRef idx="minor">
+              <a:schemeClr val="lt1"/>
+            </a:fontRef>
+          </p:style>
+          <p:txBody>
+            <a:bodyPr rtlCol="0" anchor="ctr"/>
+            <a:lstStyle/>
+            <a:p>
+              <a:pPr algn="ctr"/>
+              <a:endParaRPr lang="zh-CN" altLang="en-US"/>
+            </a:p>
+          </p:txBody>
+        </p:sp>
+        <p:sp>
+          <p:nvSpPr>
+            <p:cNvPr id="101" name="矩形 100">
+              <a:extLst>
+                <a:ext uri="{FF2B5EF4-FFF2-40B4-BE49-F238E27FC236}">
+                  <a16:creationId xmlns:a16="http://schemas.microsoft.com/office/drawing/2014/main" id="{00F25933-C0E5-F3A5-0D1C-719EF4C8F959}"/>
+                </a:ext>
+              </a:extLst>
+            </p:cNvPr>
+            <p:cNvSpPr/>
+            <p:nvPr/>
+          </p:nvSpPr>
+          <p:spPr>
+            <a:xfrm>
+              <a:off x="4488347" y="2170673"/>
+              <a:ext cx="184467" cy="198239"/>
+            </a:xfrm>
+            <a:prstGeom prst="rect">
+              <a:avLst/>
+            </a:prstGeom>
+          </p:spPr>
+          <p:style>
+            <a:lnRef idx="2">
+              <a:schemeClr val="accent1">
+                <a:shade val="15000"/>
+              </a:schemeClr>
+            </a:lnRef>
+            <a:fillRef idx="1">
+              <a:schemeClr val="accent1"/>
+            </a:fillRef>
+            <a:effectRef idx="0">
+              <a:schemeClr val="accent1"/>
+            </a:effectRef>
+            <a:fontRef idx="minor">
+              <a:schemeClr val="lt1"/>
+            </a:fontRef>
+          </p:style>
+          <p:txBody>
+            <a:bodyPr rtlCol="0" anchor="ctr"/>
+            <a:lstStyle/>
+            <a:p>
+              <a:pPr algn="ctr"/>
+              <a:endParaRPr lang="zh-CN" altLang="en-US"/>
+            </a:p>
+          </p:txBody>
+        </p:sp>
+        <p:sp>
+          <p:nvSpPr>
+            <p:cNvPr id="102" name="矩形 101">
+              <a:extLst>
+                <a:ext uri="{FF2B5EF4-FFF2-40B4-BE49-F238E27FC236}">
+                  <a16:creationId xmlns:a16="http://schemas.microsoft.com/office/drawing/2014/main" id="{619717F5-BEF1-2170-8472-697E2442A3C1}"/>
+                </a:ext>
+              </a:extLst>
+            </p:cNvPr>
+            <p:cNvSpPr/>
+            <p:nvPr/>
+          </p:nvSpPr>
+          <p:spPr>
+            <a:xfrm>
+              <a:off x="4726858" y="2170672"/>
+              <a:ext cx="184467" cy="198239"/>
+            </a:xfrm>
+            <a:prstGeom prst="rect">
+              <a:avLst/>
+            </a:prstGeom>
+          </p:spPr>
+          <p:style>
+            <a:lnRef idx="2">
+              <a:schemeClr val="accent1">
+                <a:shade val="15000"/>
+              </a:schemeClr>
+            </a:lnRef>
+            <a:fillRef idx="1">
+              <a:schemeClr val="accent1"/>
+            </a:fillRef>
+            <a:effectRef idx="0">
+              <a:schemeClr val="accent1"/>
+            </a:effectRef>
+            <a:fontRef idx="minor">
+              <a:schemeClr val="lt1"/>
+            </a:fontRef>
+          </p:style>
+          <p:txBody>
+            <a:bodyPr rtlCol="0" anchor="ctr"/>
+            <a:lstStyle/>
+            <a:p>
+              <a:pPr algn="ctr"/>
+              <a:endParaRPr lang="zh-CN" altLang="en-US"/>
+            </a:p>
+          </p:txBody>
+        </p:sp>
+        <p:sp>
+          <p:nvSpPr>
+            <p:cNvPr id="103" name="矩形 102">
+              <a:extLst>
+                <a:ext uri="{FF2B5EF4-FFF2-40B4-BE49-F238E27FC236}">
+                  <a16:creationId xmlns:a16="http://schemas.microsoft.com/office/drawing/2014/main" id="{C3675E83-8AB1-360E-AB30-AC829FE4C9F7}"/>
+                </a:ext>
+              </a:extLst>
+            </p:cNvPr>
+            <p:cNvSpPr/>
+            <p:nvPr/>
+          </p:nvSpPr>
+          <p:spPr>
+            <a:xfrm>
+              <a:off x="4965369" y="2170674"/>
+              <a:ext cx="184467" cy="198239"/>
+            </a:xfrm>
+            <a:prstGeom prst="rect">
+              <a:avLst/>
+            </a:prstGeom>
+          </p:spPr>
+          <p:style>
+            <a:lnRef idx="2">
+              <a:schemeClr val="accent1">
+                <a:shade val="15000"/>
+              </a:schemeClr>
+            </a:lnRef>
+            <a:fillRef idx="1">
+              <a:schemeClr val="accent1"/>
+            </a:fillRef>
+            <a:effectRef idx="0">
+              <a:schemeClr val="accent1"/>
+            </a:effectRef>
+            <a:fontRef idx="minor">
+              <a:schemeClr val="lt1"/>
+            </a:fontRef>
+          </p:style>
+          <p:txBody>
+            <a:bodyPr rtlCol="0" anchor="ctr"/>
+            <a:lstStyle/>
+            <a:p>
+              <a:pPr algn="ctr"/>
+              <a:endParaRPr lang="zh-CN" altLang="en-US"/>
+            </a:p>
+          </p:txBody>
+        </p:sp>
+        <p:sp>
+          <p:nvSpPr>
+            <p:cNvPr id="104" name="矩形 103">
+              <a:extLst>
+                <a:ext uri="{FF2B5EF4-FFF2-40B4-BE49-F238E27FC236}">
+                  <a16:creationId xmlns:a16="http://schemas.microsoft.com/office/drawing/2014/main" id="{32BCC274-A667-CACB-57D8-4F32EAABCDA1}"/>
+                </a:ext>
+              </a:extLst>
+            </p:cNvPr>
+            <p:cNvSpPr/>
+            <p:nvPr/>
+          </p:nvSpPr>
+          <p:spPr>
+            <a:xfrm>
+              <a:off x="4249837" y="2431552"/>
+              <a:ext cx="184467" cy="198239"/>
+            </a:xfrm>
+            <a:prstGeom prst="rect">
+              <a:avLst/>
+            </a:prstGeom>
+          </p:spPr>
+          <p:style>
+            <a:lnRef idx="2">
+              <a:schemeClr val="accent1">
+                <a:shade val="15000"/>
+              </a:schemeClr>
+            </a:lnRef>
+            <a:fillRef idx="1">
+              <a:schemeClr val="accent1"/>
+            </a:fillRef>
+            <a:effectRef idx="0">
+              <a:schemeClr val="accent1"/>
+            </a:effectRef>
+            <a:fontRef idx="minor">
+              <a:schemeClr val="lt1"/>
+            </a:fontRef>
+          </p:style>
+          <p:txBody>
+            <a:bodyPr rtlCol="0" anchor="ctr"/>
+            <a:lstStyle/>
+            <a:p>
+              <a:pPr algn="ctr"/>
+              <a:endParaRPr lang="zh-CN" altLang="en-US"/>
+            </a:p>
+          </p:txBody>
+        </p:sp>
+        <p:sp>
+          <p:nvSpPr>
+            <p:cNvPr id="105" name="矩形 104">
+              <a:extLst>
+                <a:ext uri="{FF2B5EF4-FFF2-40B4-BE49-F238E27FC236}">
+                  <a16:creationId xmlns:a16="http://schemas.microsoft.com/office/drawing/2014/main" id="{2DF83F03-1BB2-B5DE-2DB3-98202FA2DEDF}"/>
+                </a:ext>
+              </a:extLst>
+            </p:cNvPr>
+            <p:cNvSpPr/>
+            <p:nvPr/>
+          </p:nvSpPr>
+          <p:spPr>
+            <a:xfrm>
+              <a:off x="4488348" y="2431550"/>
+              <a:ext cx="184467" cy="198239"/>
+            </a:xfrm>
+            <a:prstGeom prst="rect">
+              <a:avLst/>
+            </a:prstGeom>
+          </p:spPr>
+          <p:style>
+            <a:lnRef idx="2">
+              <a:schemeClr val="accent1">
+                <a:shade val="15000"/>
+              </a:schemeClr>
+            </a:lnRef>
+            <a:fillRef idx="1">
+              <a:schemeClr val="accent1"/>
+            </a:fillRef>
+            <a:effectRef idx="0">
+              <a:schemeClr val="accent1"/>
+            </a:effectRef>
+            <a:fontRef idx="minor">
+              <a:schemeClr val="lt1"/>
+            </a:fontRef>
+          </p:style>
+          <p:txBody>
+            <a:bodyPr rtlCol="0" anchor="ctr"/>
+            <a:lstStyle/>
+            <a:p>
+              <a:pPr algn="ctr"/>
+              <a:endParaRPr lang="zh-CN" altLang="en-US"/>
+            </a:p>
+          </p:txBody>
+        </p:sp>
+        <p:sp>
+          <p:nvSpPr>
+            <p:cNvPr id="106" name="矩形 105">
+              <a:extLst>
+                <a:ext uri="{FF2B5EF4-FFF2-40B4-BE49-F238E27FC236}">
+                  <a16:creationId xmlns:a16="http://schemas.microsoft.com/office/drawing/2014/main" id="{01BD7E04-9059-CFC2-1E93-684C16A605D4}"/>
+                </a:ext>
+              </a:extLst>
+            </p:cNvPr>
+            <p:cNvSpPr/>
+            <p:nvPr/>
+          </p:nvSpPr>
+          <p:spPr>
+            <a:xfrm>
+              <a:off x="4726859" y="2431549"/>
+              <a:ext cx="184467" cy="198239"/>
+            </a:xfrm>
+            <a:prstGeom prst="rect">
+              <a:avLst/>
+            </a:prstGeom>
+          </p:spPr>
+          <p:style>
+            <a:lnRef idx="2">
+              <a:schemeClr val="accent1">
+                <a:shade val="15000"/>
+              </a:schemeClr>
+            </a:lnRef>
+            <a:fillRef idx="1">
+              <a:schemeClr val="accent1"/>
+            </a:fillRef>
+            <a:effectRef idx="0">
+              <a:schemeClr val="accent1"/>
+            </a:effectRef>
+            <a:fontRef idx="minor">
+              <a:schemeClr val="lt1"/>
+            </a:fontRef>
+          </p:style>
+          <p:txBody>
+            <a:bodyPr rtlCol="0" anchor="ctr"/>
+            <a:lstStyle/>
+            <a:p>
+              <a:pPr algn="ctr"/>
+              <a:endParaRPr lang="zh-CN" altLang="en-US"/>
+            </a:p>
+          </p:txBody>
+        </p:sp>
+        <p:sp>
+          <p:nvSpPr>
+            <p:cNvPr id="107" name="矩形 106">
+              <a:extLst>
+                <a:ext uri="{FF2B5EF4-FFF2-40B4-BE49-F238E27FC236}">
+                  <a16:creationId xmlns:a16="http://schemas.microsoft.com/office/drawing/2014/main" id="{17AC15AE-D3CB-6989-5F02-F61E1B62B2F6}"/>
+                </a:ext>
+              </a:extLst>
+            </p:cNvPr>
+            <p:cNvSpPr/>
+            <p:nvPr/>
+          </p:nvSpPr>
+          <p:spPr>
+            <a:xfrm>
+              <a:off x="4965370" y="2431552"/>
+              <a:ext cx="184467" cy="198239"/>
+            </a:xfrm>
+            <a:prstGeom prst="rect">
+              <a:avLst/>
+            </a:prstGeom>
+          </p:spPr>
+          <p:style>
+            <a:lnRef idx="2">
+              <a:schemeClr val="accent1">
+                <a:shade val="15000"/>
+              </a:schemeClr>
+            </a:lnRef>
+            <a:fillRef idx="1">
+              <a:schemeClr val="accent1"/>
+            </a:fillRef>
+            <a:effectRef idx="0">
+              <a:schemeClr val="accent1"/>
+            </a:effectRef>
+            <a:fontRef idx="minor">
+              <a:schemeClr val="lt1"/>
+            </a:fontRef>
+          </p:style>
+          <p:txBody>
+            <a:bodyPr rtlCol="0" anchor="ctr"/>
+            <a:lstStyle/>
+            <a:p>
+              <a:pPr algn="ctr"/>
+              <a:endParaRPr lang="zh-CN" altLang="en-US"/>
+            </a:p>
+          </p:txBody>
+        </p:sp>
+        <p:sp>
+          <p:nvSpPr>
+            <p:cNvPr id="108" name="矩形 107">
+              <a:extLst>
+                <a:ext uri="{FF2B5EF4-FFF2-40B4-BE49-F238E27FC236}">
+                  <a16:creationId xmlns:a16="http://schemas.microsoft.com/office/drawing/2014/main" id="{BD3DC4EF-BA52-7F27-C200-A1F0FF7B383C}"/>
+                </a:ext>
+              </a:extLst>
+            </p:cNvPr>
+            <p:cNvSpPr/>
+            <p:nvPr/>
+          </p:nvSpPr>
+          <p:spPr>
+            <a:xfrm>
+              <a:off x="5203879" y="1909791"/>
+              <a:ext cx="184467" cy="198239"/>
+            </a:xfrm>
+            <a:prstGeom prst="rect">
+              <a:avLst/>
+            </a:prstGeom>
+          </p:spPr>
+          <p:style>
+            <a:lnRef idx="2">
+              <a:schemeClr val="accent1">
+                <a:shade val="15000"/>
+              </a:schemeClr>
+            </a:lnRef>
+            <a:fillRef idx="1">
+              <a:schemeClr val="accent1"/>
+            </a:fillRef>
+            <a:effectRef idx="0">
+              <a:schemeClr val="accent1"/>
+            </a:effectRef>
+            <a:fontRef idx="minor">
+              <a:schemeClr val="lt1"/>
+            </a:fontRef>
+          </p:style>
+          <p:txBody>
+            <a:bodyPr rtlCol="0" anchor="ctr"/>
+            <a:lstStyle/>
+            <a:p>
+              <a:pPr algn="ctr"/>
+              <a:endParaRPr lang="zh-CN" altLang="en-US"/>
+            </a:p>
+          </p:txBody>
+        </p:sp>
+        <p:sp>
+          <p:nvSpPr>
+            <p:cNvPr id="109" name="矩形 108">
+              <a:extLst>
+                <a:ext uri="{FF2B5EF4-FFF2-40B4-BE49-F238E27FC236}">
+                  <a16:creationId xmlns:a16="http://schemas.microsoft.com/office/drawing/2014/main" id="{2C4F28D4-B090-BC8F-7667-610F5A9D7F27}"/>
+                </a:ext>
+              </a:extLst>
+            </p:cNvPr>
+            <p:cNvSpPr/>
+            <p:nvPr/>
+          </p:nvSpPr>
+          <p:spPr>
+            <a:xfrm>
+              <a:off x="5203878" y="2170672"/>
+              <a:ext cx="184467" cy="198239"/>
+            </a:xfrm>
+            <a:prstGeom prst="rect">
+              <a:avLst/>
+            </a:prstGeom>
+          </p:spPr>
+          <p:style>
+            <a:lnRef idx="2">
+              <a:schemeClr val="accent1">
+                <a:shade val="15000"/>
+              </a:schemeClr>
+            </a:lnRef>
+            <a:fillRef idx="1">
+              <a:schemeClr val="accent1"/>
+            </a:fillRef>
+            <a:effectRef idx="0">
+              <a:schemeClr val="accent1"/>
+            </a:effectRef>
+            <a:fontRef idx="minor">
+              <a:schemeClr val="lt1"/>
+            </a:fontRef>
+          </p:style>
+          <p:txBody>
+            <a:bodyPr rtlCol="0" anchor="ctr"/>
+            <a:lstStyle/>
+            <a:p>
+              <a:pPr algn="ctr"/>
+              <a:endParaRPr lang="zh-CN" altLang="en-US"/>
+            </a:p>
+          </p:txBody>
+        </p:sp>
+        <p:sp>
+          <p:nvSpPr>
+            <p:cNvPr id="110" name="矩形 109">
+              <a:extLst>
+                <a:ext uri="{FF2B5EF4-FFF2-40B4-BE49-F238E27FC236}">
+                  <a16:creationId xmlns:a16="http://schemas.microsoft.com/office/drawing/2014/main" id="{14B45191-1594-5183-4859-5C873D7C30F4}"/>
+                </a:ext>
+              </a:extLst>
+            </p:cNvPr>
+            <p:cNvSpPr/>
+            <p:nvPr/>
+          </p:nvSpPr>
+          <p:spPr>
+            <a:xfrm>
+              <a:off x="5203879" y="2431550"/>
+              <a:ext cx="184467" cy="198239"/>
+            </a:xfrm>
+            <a:prstGeom prst="rect">
+              <a:avLst/>
+            </a:prstGeom>
+          </p:spPr>
+          <p:style>
+            <a:lnRef idx="2">
+              <a:schemeClr val="accent1">
+                <a:shade val="15000"/>
+              </a:schemeClr>
+            </a:lnRef>
+            <a:fillRef idx="1">
+              <a:schemeClr val="accent1"/>
+            </a:fillRef>
+            <a:effectRef idx="0">
+              <a:schemeClr val="accent1"/>
+            </a:effectRef>
+            <a:fontRef idx="minor">
+              <a:schemeClr val="lt1"/>
+            </a:fontRef>
+          </p:style>
+          <p:txBody>
+            <a:bodyPr rtlCol="0" anchor="ctr"/>
+            <a:lstStyle/>
+            <a:p>
+              <a:pPr algn="ctr"/>
+              <a:endParaRPr lang="zh-CN" altLang="en-US"/>
+            </a:p>
+          </p:txBody>
+        </p:sp>
+      </p:grpSp>
+      <p:sp>
+        <p:nvSpPr>
+          <p:cNvPr id="111" name="文本框 110">
+            <a:extLst>
+              <a:ext uri="{FF2B5EF4-FFF2-40B4-BE49-F238E27FC236}">
+                <a16:creationId xmlns:a16="http://schemas.microsoft.com/office/drawing/2014/main" id="{E5262346-C24B-AC04-AC03-BCF7536D6A45}"/>
+              </a:ext>
+            </a:extLst>
+          </p:cNvPr>
+          <p:cNvSpPr txBox="1"/>
+          <p:nvPr/>
+        </p:nvSpPr>
+        <p:spPr>
+          <a:xfrm>
+            <a:off x="4436965" y="5146528"/>
+            <a:ext cx="748923" cy="261610"/>
+          </a:xfrm>
+          <a:prstGeom prst="rect">
+            <a:avLst/>
+          </a:prstGeom>
+          <a:noFill/>
+        </p:spPr>
+        <p:txBody>
+          <a:bodyPr wrap="none" rtlCol="0">
+            <a:spAutoFit/>
+          </a:bodyPr>
+          <a:lstStyle/>
+          <a:p>
+            <a:r>
+              <a:rPr lang="zh-CN" altLang="en-US" sz="1100" dirty="0"/>
+              <a:t>异常特征</a:t>
+            </a:r>
+          </a:p>
+        </p:txBody>
+      </p:sp>
+      <p:sp>
+        <p:nvSpPr>
+          <p:cNvPr id="112" name="矩形 111">
+            <a:extLst>
+              <a:ext uri="{FF2B5EF4-FFF2-40B4-BE49-F238E27FC236}">
+                <a16:creationId xmlns:a16="http://schemas.microsoft.com/office/drawing/2014/main" id="{A7040A97-B245-695A-C4EE-6B4AE857480E}"/>
+              </a:ext>
+            </a:extLst>
+          </p:cNvPr>
+          <p:cNvSpPr/>
+          <p:nvPr/>
+        </p:nvSpPr>
+        <p:spPr>
+          <a:xfrm>
+            <a:off x="8656338" y="5480736"/>
             <a:ext cx="1684020" cy="575183"/>
           </a:xfrm>
           <a:prstGeom prst="rect">
@@ -18610,23 +19651,23 @@
       </p:sp>
       <p:cxnSp>
         <p:nvCxnSpPr>
-          <p:cNvPr id="88" name="连接符: 肘形 87">
-            <a:extLst>
-              <a:ext uri="{FF2B5EF4-FFF2-40B4-BE49-F238E27FC236}">
-                <a16:creationId xmlns:a16="http://schemas.microsoft.com/office/drawing/2014/main" id="{E96A5495-9815-D459-B423-9A770B305670}"/>
+          <p:cNvPr id="113" name="连接符: 肘形 112">
+            <a:extLst>
+              <a:ext uri="{FF2B5EF4-FFF2-40B4-BE49-F238E27FC236}">
+                <a16:creationId xmlns:a16="http://schemas.microsoft.com/office/drawing/2014/main" id="{D1F43DAA-6187-A164-7567-0CC311068A26}"/>
               </a:ext>
             </a:extLst>
           </p:cNvPr>
           <p:cNvCxnSpPr>
             <a:cxnSpLocks/>
-            <a:stCxn id="84" idx="3"/>
-            <a:endCxn id="87" idx="1"/>
+            <a:stCxn id="109" idx="3"/>
+            <a:endCxn id="112" idx="1"/>
           </p:cNvCxnSpPr>
           <p:nvPr/>
         </p:nvCxnSpPr>
         <p:spPr>
           <a:xfrm flipV="1">
-            <a:off x="5397376" y="1907882"/>
+            <a:off x="5397375" y="5768328"/>
             <a:ext cx="3258963" cy="1"/>
           </a:xfrm>
           <a:prstGeom prst="bentConnector3">
@@ -18653,12 +19694,75 @@
           </a:fontRef>
         </p:style>
       </p:cxnSp>
+    </p:spTree>
+    <p:extLst>
+      <p:ext uri="{BB962C8B-B14F-4D97-AF65-F5344CB8AC3E}">
+        <p14:creationId xmlns:p14="http://schemas.microsoft.com/office/powerpoint/2010/main" val="1231908530"/>
+      </p:ext>
+    </p:extLst>
+  </p:cSld>
+  <p:clrMapOvr>
+    <a:masterClrMapping/>
+  </p:clrMapOvr>
+</p:sld>
+</file>
+
+<file path=ppt/slides/slide16.xml><?xml version="1.0" encoding="utf-8"?>
+<p:sld xmlns:a="http://schemas.openxmlformats.org/drawingml/2006/main" xmlns:r="http://schemas.openxmlformats.org/officeDocument/2006/relationships" xmlns:p="http://schemas.openxmlformats.org/presentationml/2006/main">
+  <p:cSld>
+    <p:spTree>
+      <p:nvGrpSpPr>
+        <p:cNvPr id="1" name=""/>
+        <p:cNvGrpSpPr/>
+        <p:nvPr/>
+      </p:nvGrpSpPr>
+      <p:grpSpPr>
+        <a:xfrm>
+          <a:off x="0" y="0"/>
+          <a:ext cx="0" cy="0"/>
+          <a:chOff x="0" y="0"/>
+          <a:chExt cx="0" cy="0"/>
+        </a:xfrm>
+      </p:grpSpPr>
       <p:sp>
         <p:nvSpPr>
-          <p:cNvPr id="91" name="矩形 90">
-            <a:extLst>
-              <a:ext uri="{FF2B5EF4-FFF2-40B4-BE49-F238E27FC236}">
-                <a16:creationId xmlns:a16="http://schemas.microsoft.com/office/drawing/2014/main" id="{5C5661EF-ABD9-43D1-28CD-84C3C0CA8386}"/>
+          <p:cNvPr id="2" name="标题 1">
+            <a:extLst>
+              <a:ext uri="{FF2B5EF4-FFF2-40B4-BE49-F238E27FC236}">
+                <a16:creationId xmlns:a16="http://schemas.microsoft.com/office/drawing/2014/main" id="{848C67E5-15AA-368B-5778-9D41FCAB6E85}"/>
+              </a:ext>
+            </a:extLst>
+          </p:cNvPr>
+          <p:cNvSpPr>
+            <a:spLocks noGrp="1"/>
+          </p:cNvSpPr>
+          <p:nvPr>
+            <p:ph type="title"/>
+          </p:nvPr>
+        </p:nvSpPr>
+        <p:spPr/>
+        <p:txBody>
+          <a:bodyPr/>
+          <a:lstStyle/>
+          <a:p>
+            <a:r>
+              <a:rPr lang="en-US" altLang="zh-CN" dirty="0" err="1"/>
+              <a:t>InCTRL</a:t>
+            </a:r>
+            <a:r>
+              <a:rPr lang="en-US" altLang="zh-CN" dirty="0"/>
+              <a:t>, CVPR2024</a:t>
+            </a:r>
+            <a:endParaRPr lang="zh-CN" altLang="en-US" dirty="0"/>
+          </a:p>
+        </p:txBody>
+      </p:sp>
+      <p:sp>
+        <p:nvSpPr>
+          <p:cNvPr id="4" name="矩形 3">
+            <a:extLst>
+              <a:ext uri="{FF2B5EF4-FFF2-40B4-BE49-F238E27FC236}">
+                <a16:creationId xmlns:a16="http://schemas.microsoft.com/office/drawing/2014/main" id="{D031F50A-ADA8-9D06-D581-C2441318E3BC}"/>
               </a:ext>
             </a:extLst>
           </p:cNvPr>
@@ -18667,7 +19771,7 @@
         </p:nvSpPr>
         <p:spPr>
           <a:xfrm>
-            <a:off x="1282367" y="5332900"/>
+            <a:off x="129716" y="1723589"/>
             <a:ext cx="1306285" cy="870857"/>
           </a:xfrm>
           <a:prstGeom prst="rect">
@@ -18697,17 +19801,17 @@
             <a:pPr algn="ctr"/>
             <a:r>
               <a:rPr lang="zh-CN" altLang="en-US" dirty="0"/>
-              <a:t>异常图像</a:t>
+              <a:t>正常训练图像</a:t>
             </a:r>
           </a:p>
         </p:txBody>
       </p:sp>
       <p:sp>
         <p:nvSpPr>
-          <p:cNvPr id="92" name="矩形: 圆角 91">
-            <a:extLst>
-              <a:ext uri="{FF2B5EF4-FFF2-40B4-BE49-F238E27FC236}">
-                <a16:creationId xmlns:a16="http://schemas.microsoft.com/office/drawing/2014/main" id="{66150867-E577-8CB2-551D-8D44562E40C3}"/>
+          <p:cNvPr id="5" name="矩形: 圆角 4">
+            <a:extLst>
+              <a:ext uri="{FF2B5EF4-FFF2-40B4-BE49-F238E27FC236}">
+                <a16:creationId xmlns:a16="http://schemas.microsoft.com/office/drawing/2014/main" id="{C86B14FA-84B9-35CD-DA6C-B4BAF7B6361D}"/>
               </a:ext>
             </a:extLst>
           </p:cNvPr>
@@ -18716,7 +19820,7 @@
         </p:nvSpPr>
         <p:spPr>
           <a:xfrm>
-            <a:off x="2889552" y="5566642"/>
+            <a:off x="1736901" y="1957331"/>
             <a:ext cx="1031286" cy="403375"/>
           </a:xfrm>
           <a:prstGeom prst="roundRect">
@@ -18755,22 +19859,22 @@
       </p:sp>
       <p:cxnSp>
         <p:nvCxnSpPr>
-          <p:cNvPr id="93" name="连接符: 肘形 92">
-            <a:extLst>
-              <a:ext uri="{FF2B5EF4-FFF2-40B4-BE49-F238E27FC236}">
-                <a16:creationId xmlns:a16="http://schemas.microsoft.com/office/drawing/2014/main" id="{7AD643AC-6E74-9617-195B-BA52C8958CF8}"/>
+          <p:cNvPr id="6" name="连接符: 肘形 5">
+            <a:extLst>
+              <a:ext uri="{FF2B5EF4-FFF2-40B4-BE49-F238E27FC236}">
+                <a16:creationId xmlns:a16="http://schemas.microsoft.com/office/drawing/2014/main" id="{ECB3718C-8CA1-EBE7-4C39-75881ACEC8AA}"/>
               </a:ext>
             </a:extLst>
           </p:cNvPr>
           <p:cNvCxnSpPr>
-            <a:stCxn id="91" idx="3"/>
-            <a:endCxn id="92" idx="1"/>
+            <a:stCxn id="4" idx="3"/>
+            <a:endCxn id="5" idx="1"/>
           </p:cNvCxnSpPr>
           <p:nvPr/>
         </p:nvCxnSpPr>
         <p:spPr>
           <a:xfrm>
-            <a:off x="2588652" y="5768329"/>
+            <a:off x="1436001" y="2159018"/>
             <a:ext cx="300900" cy="1"/>
           </a:xfrm>
           <a:prstGeom prst="bentConnector3">
@@ -18797,23 +19901,23 @@
       </p:cxnSp>
       <p:cxnSp>
         <p:nvCxnSpPr>
-          <p:cNvPr id="94" name="直接箭头连接符 93">
-            <a:extLst>
-              <a:ext uri="{FF2B5EF4-FFF2-40B4-BE49-F238E27FC236}">
-                <a16:creationId xmlns:a16="http://schemas.microsoft.com/office/drawing/2014/main" id="{82EB1CCB-06AB-1919-E8DE-11C06D26BE42}"/>
+          <p:cNvPr id="7" name="直接箭头连接符 6">
+            <a:extLst>
+              <a:ext uri="{FF2B5EF4-FFF2-40B4-BE49-F238E27FC236}">
+                <a16:creationId xmlns:a16="http://schemas.microsoft.com/office/drawing/2014/main" id="{11E27DCE-4DC1-B84B-839A-FF57430CF3E9}"/>
               </a:ext>
             </a:extLst>
           </p:cNvPr>
           <p:cNvCxnSpPr>
             <a:cxnSpLocks/>
-            <a:stCxn id="92" idx="3"/>
-            <a:endCxn id="100" idx="1"/>
+            <a:stCxn id="5" idx="3"/>
+            <a:endCxn id="13" idx="1"/>
           </p:cNvCxnSpPr>
           <p:nvPr/>
         </p:nvCxnSpPr>
         <p:spPr>
           <a:xfrm>
-            <a:off x="3920838" y="5768330"/>
+            <a:off x="2768187" y="2159019"/>
             <a:ext cx="338029" cy="0"/>
           </a:xfrm>
           <a:prstGeom prst="straightConnector1">
@@ -18840,10 +19944,10 @@
       </p:cxnSp>
       <p:grpSp>
         <p:nvGrpSpPr>
-          <p:cNvPr id="95" name="组合 94">
-            <a:extLst>
-              <a:ext uri="{FF2B5EF4-FFF2-40B4-BE49-F238E27FC236}">
-                <a16:creationId xmlns:a16="http://schemas.microsoft.com/office/drawing/2014/main" id="{038ECD3B-1E66-F06B-FEFD-786FB2B1C517}"/>
+          <p:cNvPr id="8" name="组合 7">
+            <a:extLst>
+              <a:ext uri="{FF2B5EF4-FFF2-40B4-BE49-F238E27FC236}">
+                <a16:creationId xmlns:a16="http://schemas.microsoft.com/office/drawing/2014/main" id="{BA7C831C-1150-81E6-9463-59EFDF5FD044}"/>
               </a:ext>
             </a:extLst>
           </p:cNvPr>
@@ -18852,7 +19956,7 @@
         </p:nvGrpSpPr>
         <p:grpSpPr>
           <a:xfrm>
-            <a:off x="4258867" y="5408328"/>
+            <a:off x="3106216" y="1799017"/>
             <a:ext cx="1138509" cy="720000"/>
             <a:chOff x="4249837" y="1909791"/>
             <a:chExt cx="1138509" cy="720000"/>
@@ -18860,10 +19964,10 @@
         </p:grpSpPr>
         <p:sp>
           <p:nvSpPr>
-            <p:cNvPr id="96" name="矩形 95">
-              <a:extLst>
-                <a:ext uri="{FF2B5EF4-FFF2-40B4-BE49-F238E27FC236}">
-                  <a16:creationId xmlns:a16="http://schemas.microsoft.com/office/drawing/2014/main" id="{034C57D1-E86D-9E85-7C48-677CCB44104D}"/>
+            <p:cNvPr id="9" name="矩形 8">
+              <a:extLst>
+                <a:ext uri="{FF2B5EF4-FFF2-40B4-BE49-F238E27FC236}">
+                  <a16:creationId xmlns:a16="http://schemas.microsoft.com/office/drawing/2014/main" id="{DF42C4BA-B1AF-D81A-D22F-519D7A6392C3}"/>
                 </a:ext>
               </a:extLst>
             </p:cNvPr>
@@ -18906,10 +20010,10 @@
         </p:sp>
         <p:sp>
           <p:nvSpPr>
-            <p:cNvPr id="97" name="矩形 96">
-              <a:extLst>
-                <a:ext uri="{FF2B5EF4-FFF2-40B4-BE49-F238E27FC236}">
-                  <a16:creationId xmlns:a16="http://schemas.microsoft.com/office/drawing/2014/main" id="{B23E4E1C-5540-7A41-96A5-5F64EC8797FE}"/>
+            <p:cNvPr id="10" name="矩形 9">
+              <a:extLst>
+                <a:ext uri="{FF2B5EF4-FFF2-40B4-BE49-F238E27FC236}">
+                  <a16:creationId xmlns:a16="http://schemas.microsoft.com/office/drawing/2014/main" id="{AAA5B532-4065-CE99-FE4E-13C9B321A0E7}"/>
                 </a:ext>
               </a:extLst>
             </p:cNvPr>
@@ -18952,10 +20056,10 @@
         </p:sp>
         <p:sp>
           <p:nvSpPr>
-            <p:cNvPr id="98" name="矩形 97">
-              <a:extLst>
-                <a:ext uri="{FF2B5EF4-FFF2-40B4-BE49-F238E27FC236}">
-                  <a16:creationId xmlns:a16="http://schemas.microsoft.com/office/drawing/2014/main" id="{A6131692-9A13-5987-CE6C-E7E09B75BD9F}"/>
+            <p:cNvPr id="11" name="矩形 10">
+              <a:extLst>
+                <a:ext uri="{FF2B5EF4-FFF2-40B4-BE49-F238E27FC236}">
+                  <a16:creationId xmlns:a16="http://schemas.microsoft.com/office/drawing/2014/main" id="{6C6D414C-D68F-2988-8112-44541AA02279}"/>
                 </a:ext>
               </a:extLst>
             </p:cNvPr>
@@ -18998,10 +20102,10 @@
         </p:sp>
         <p:sp>
           <p:nvSpPr>
-            <p:cNvPr id="99" name="矩形 98">
-              <a:extLst>
-                <a:ext uri="{FF2B5EF4-FFF2-40B4-BE49-F238E27FC236}">
-                  <a16:creationId xmlns:a16="http://schemas.microsoft.com/office/drawing/2014/main" id="{7C432C0D-9415-9BFB-6FD7-14E3DE5A3A62}"/>
+            <p:cNvPr id="12" name="矩形 11">
+              <a:extLst>
+                <a:ext uri="{FF2B5EF4-FFF2-40B4-BE49-F238E27FC236}">
+                  <a16:creationId xmlns:a16="http://schemas.microsoft.com/office/drawing/2014/main" id="{90B75D9C-44C4-DA5C-3EDC-33715DA95B07}"/>
                 </a:ext>
               </a:extLst>
             </p:cNvPr>
@@ -19044,10 +20148,10 @@
         </p:sp>
         <p:sp>
           <p:nvSpPr>
-            <p:cNvPr id="100" name="矩形 99">
-              <a:extLst>
-                <a:ext uri="{FF2B5EF4-FFF2-40B4-BE49-F238E27FC236}">
-                  <a16:creationId xmlns:a16="http://schemas.microsoft.com/office/drawing/2014/main" id="{3F961ED9-B1AC-B9AA-B348-06740D8DDCCA}"/>
+            <p:cNvPr id="13" name="矩形 12">
+              <a:extLst>
+                <a:ext uri="{FF2B5EF4-FFF2-40B4-BE49-F238E27FC236}">
+                  <a16:creationId xmlns:a16="http://schemas.microsoft.com/office/drawing/2014/main" id="{85C3F122-F13A-4B7F-1644-6A1079090BAE}"/>
                 </a:ext>
               </a:extLst>
             </p:cNvPr>
@@ -19090,10 +20194,10 @@
         </p:sp>
         <p:sp>
           <p:nvSpPr>
-            <p:cNvPr id="101" name="矩形 100">
-              <a:extLst>
-                <a:ext uri="{FF2B5EF4-FFF2-40B4-BE49-F238E27FC236}">
-                  <a16:creationId xmlns:a16="http://schemas.microsoft.com/office/drawing/2014/main" id="{00F25933-C0E5-F3A5-0D1C-719EF4C8F959}"/>
+            <p:cNvPr id="14" name="矩形 13">
+              <a:extLst>
+                <a:ext uri="{FF2B5EF4-FFF2-40B4-BE49-F238E27FC236}">
+                  <a16:creationId xmlns:a16="http://schemas.microsoft.com/office/drawing/2014/main" id="{261ECCEA-0807-3DDE-1A60-5B3EF71C044C}"/>
                 </a:ext>
               </a:extLst>
             </p:cNvPr>
@@ -19136,10 +20240,10 @@
         </p:sp>
         <p:sp>
           <p:nvSpPr>
-            <p:cNvPr id="102" name="矩形 101">
-              <a:extLst>
-                <a:ext uri="{FF2B5EF4-FFF2-40B4-BE49-F238E27FC236}">
-                  <a16:creationId xmlns:a16="http://schemas.microsoft.com/office/drawing/2014/main" id="{619717F5-BEF1-2170-8472-697E2442A3C1}"/>
+            <p:cNvPr id="15" name="矩形 14">
+              <a:extLst>
+                <a:ext uri="{FF2B5EF4-FFF2-40B4-BE49-F238E27FC236}">
+                  <a16:creationId xmlns:a16="http://schemas.microsoft.com/office/drawing/2014/main" id="{E1547F9D-2E3E-F645-8D4D-EE186B5ADB0B}"/>
                 </a:ext>
               </a:extLst>
             </p:cNvPr>
@@ -19182,10 +20286,10 @@
         </p:sp>
         <p:sp>
           <p:nvSpPr>
-            <p:cNvPr id="103" name="矩形 102">
-              <a:extLst>
-                <a:ext uri="{FF2B5EF4-FFF2-40B4-BE49-F238E27FC236}">
-                  <a16:creationId xmlns:a16="http://schemas.microsoft.com/office/drawing/2014/main" id="{C3675E83-8AB1-360E-AB30-AC829FE4C9F7}"/>
+            <p:cNvPr id="16" name="矩形 15">
+              <a:extLst>
+                <a:ext uri="{FF2B5EF4-FFF2-40B4-BE49-F238E27FC236}">
+                  <a16:creationId xmlns:a16="http://schemas.microsoft.com/office/drawing/2014/main" id="{7E26DD45-BFC7-1F37-55F5-5F178C346942}"/>
                 </a:ext>
               </a:extLst>
             </p:cNvPr>
@@ -19228,10 +20332,10 @@
         </p:sp>
         <p:sp>
           <p:nvSpPr>
-            <p:cNvPr id="104" name="矩形 103">
-              <a:extLst>
-                <a:ext uri="{FF2B5EF4-FFF2-40B4-BE49-F238E27FC236}">
-                  <a16:creationId xmlns:a16="http://schemas.microsoft.com/office/drawing/2014/main" id="{32BCC274-A667-CACB-57D8-4F32EAABCDA1}"/>
+            <p:cNvPr id="17" name="矩形 16">
+              <a:extLst>
+                <a:ext uri="{FF2B5EF4-FFF2-40B4-BE49-F238E27FC236}">
+                  <a16:creationId xmlns:a16="http://schemas.microsoft.com/office/drawing/2014/main" id="{67A3765E-62D4-36E0-6B99-E990A3B154D3}"/>
                 </a:ext>
               </a:extLst>
             </p:cNvPr>
@@ -19274,10 +20378,10 @@
         </p:sp>
         <p:sp>
           <p:nvSpPr>
-            <p:cNvPr id="105" name="矩形 104">
-              <a:extLst>
-                <a:ext uri="{FF2B5EF4-FFF2-40B4-BE49-F238E27FC236}">
-                  <a16:creationId xmlns:a16="http://schemas.microsoft.com/office/drawing/2014/main" id="{2DF83F03-1BB2-B5DE-2DB3-98202FA2DEDF}"/>
+            <p:cNvPr id="18" name="矩形 17">
+              <a:extLst>
+                <a:ext uri="{FF2B5EF4-FFF2-40B4-BE49-F238E27FC236}">
+                  <a16:creationId xmlns:a16="http://schemas.microsoft.com/office/drawing/2014/main" id="{CDE517CC-CCBF-AA05-2F2E-BF140EEEE593}"/>
                 </a:ext>
               </a:extLst>
             </p:cNvPr>
@@ -19320,10 +20424,10 @@
         </p:sp>
         <p:sp>
           <p:nvSpPr>
-            <p:cNvPr id="106" name="矩形 105">
-              <a:extLst>
-                <a:ext uri="{FF2B5EF4-FFF2-40B4-BE49-F238E27FC236}">
-                  <a16:creationId xmlns:a16="http://schemas.microsoft.com/office/drawing/2014/main" id="{01BD7E04-9059-CFC2-1E93-684C16A605D4}"/>
+            <p:cNvPr id="19" name="矩形 18">
+              <a:extLst>
+                <a:ext uri="{FF2B5EF4-FFF2-40B4-BE49-F238E27FC236}">
+                  <a16:creationId xmlns:a16="http://schemas.microsoft.com/office/drawing/2014/main" id="{44C3942A-6501-62E4-2C9D-B0EF81FB7D25}"/>
                 </a:ext>
               </a:extLst>
             </p:cNvPr>
@@ -19366,10 +20470,10 @@
         </p:sp>
         <p:sp>
           <p:nvSpPr>
-            <p:cNvPr id="107" name="矩形 106">
-              <a:extLst>
-                <a:ext uri="{FF2B5EF4-FFF2-40B4-BE49-F238E27FC236}">
-                  <a16:creationId xmlns:a16="http://schemas.microsoft.com/office/drawing/2014/main" id="{17AC15AE-D3CB-6989-5F02-F61E1B62B2F6}"/>
+            <p:cNvPr id="20" name="矩形 19">
+              <a:extLst>
+                <a:ext uri="{FF2B5EF4-FFF2-40B4-BE49-F238E27FC236}">
+                  <a16:creationId xmlns:a16="http://schemas.microsoft.com/office/drawing/2014/main" id="{2FF958CB-F463-4382-43B2-F594AC164229}"/>
                 </a:ext>
               </a:extLst>
             </p:cNvPr>
@@ -19412,10 +20516,10 @@
         </p:sp>
         <p:sp>
           <p:nvSpPr>
-            <p:cNvPr id="108" name="矩形 107">
-              <a:extLst>
-                <a:ext uri="{FF2B5EF4-FFF2-40B4-BE49-F238E27FC236}">
-                  <a16:creationId xmlns:a16="http://schemas.microsoft.com/office/drawing/2014/main" id="{BD3DC4EF-BA52-7F27-C200-A1F0FF7B383C}"/>
+            <p:cNvPr id="21" name="矩形 20">
+              <a:extLst>
+                <a:ext uri="{FF2B5EF4-FFF2-40B4-BE49-F238E27FC236}">
+                  <a16:creationId xmlns:a16="http://schemas.microsoft.com/office/drawing/2014/main" id="{6593E96E-8E79-947A-E873-7FBC9E5A8F45}"/>
                 </a:ext>
               </a:extLst>
             </p:cNvPr>
@@ -19458,10 +20562,10 @@
         </p:sp>
         <p:sp>
           <p:nvSpPr>
-            <p:cNvPr id="109" name="矩形 108">
-              <a:extLst>
-                <a:ext uri="{FF2B5EF4-FFF2-40B4-BE49-F238E27FC236}">
-                  <a16:creationId xmlns:a16="http://schemas.microsoft.com/office/drawing/2014/main" id="{2C4F28D4-B090-BC8F-7667-610F5A9D7F27}"/>
+            <p:cNvPr id="22" name="矩形 21">
+              <a:extLst>
+                <a:ext uri="{FF2B5EF4-FFF2-40B4-BE49-F238E27FC236}">
+                  <a16:creationId xmlns:a16="http://schemas.microsoft.com/office/drawing/2014/main" id="{907471FB-99D9-1C0E-D7D4-30DC05C9001D}"/>
                 </a:ext>
               </a:extLst>
             </p:cNvPr>
@@ -19504,10 +20608,10 @@
         </p:sp>
         <p:sp>
           <p:nvSpPr>
-            <p:cNvPr id="110" name="矩形 109">
-              <a:extLst>
-                <a:ext uri="{FF2B5EF4-FFF2-40B4-BE49-F238E27FC236}">
-                  <a16:creationId xmlns:a16="http://schemas.microsoft.com/office/drawing/2014/main" id="{14B45191-1594-5183-4859-5C873D7C30F4}"/>
+            <p:cNvPr id="23" name="矩形 22">
+              <a:extLst>
+                <a:ext uri="{FF2B5EF4-FFF2-40B4-BE49-F238E27FC236}">
+                  <a16:creationId xmlns:a16="http://schemas.microsoft.com/office/drawing/2014/main" id="{0A621772-AE5A-769F-11C4-CB4FA8C5ADB3}"/>
                 </a:ext>
               </a:extLst>
             </p:cNvPr>
@@ -19551,45 +20655,10 @@
       </p:grpSp>
       <p:sp>
         <p:nvSpPr>
-          <p:cNvPr id="111" name="文本框 110">
-            <a:extLst>
-              <a:ext uri="{FF2B5EF4-FFF2-40B4-BE49-F238E27FC236}">
-                <a16:creationId xmlns:a16="http://schemas.microsoft.com/office/drawing/2014/main" id="{E5262346-C24B-AC04-AC03-BCF7536D6A45}"/>
-              </a:ext>
-            </a:extLst>
-          </p:cNvPr>
-          <p:cNvSpPr txBox="1"/>
-          <p:nvPr/>
-        </p:nvSpPr>
-        <p:spPr>
-          <a:xfrm>
-            <a:off x="4436965" y="5146528"/>
-            <a:ext cx="748923" cy="261610"/>
-          </a:xfrm>
-          <a:prstGeom prst="rect">
-            <a:avLst/>
-          </a:prstGeom>
-          <a:noFill/>
-        </p:spPr>
-        <p:txBody>
-          <a:bodyPr wrap="none" rtlCol="0">
-            <a:spAutoFit/>
-          </a:bodyPr>
-          <a:lstStyle/>
-          <a:p>
-            <a:r>
-              <a:rPr lang="zh-CN" altLang="en-US" sz="1100" dirty="0"/>
-              <a:t>异常特征</a:t>
-            </a:r>
-          </a:p>
-        </p:txBody>
-      </p:sp>
-      <p:sp>
-        <p:nvSpPr>
-          <p:cNvPr id="112" name="矩形 111">
-            <a:extLst>
-              <a:ext uri="{FF2B5EF4-FFF2-40B4-BE49-F238E27FC236}">
-                <a16:creationId xmlns:a16="http://schemas.microsoft.com/office/drawing/2014/main" id="{A7040A97-B245-695A-C4EE-6B4AE857480E}"/>
+          <p:cNvPr id="24" name="矩形 23">
+            <a:extLst>
+              <a:ext uri="{FF2B5EF4-FFF2-40B4-BE49-F238E27FC236}">
+                <a16:creationId xmlns:a16="http://schemas.microsoft.com/office/drawing/2014/main" id="{FA988B0C-CBDC-C5E9-76C4-352F07C514B3}"/>
               </a:ext>
             </a:extLst>
           </p:cNvPr>
@@ -19598,8 +20667,8 @@
         </p:nvSpPr>
         <p:spPr>
           <a:xfrm>
-            <a:off x="8656338" y="5480736"/>
-            <a:ext cx="1684020" cy="575183"/>
+            <a:off x="4696905" y="1799016"/>
+            <a:ext cx="1218036" cy="719997"/>
           </a:xfrm>
           <a:prstGeom prst="rect">
             <a:avLst/>
@@ -19647,24 +20716,24 @@
       </p:sp>
       <p:cxnSp>
         <p:nvCxnSpPr>
-          <p:cNvPr id="113" name="连接符: 肘形 112">
-            <a:extLst>
-              <a:ext uri="{FF2B5EF4-FFF2-40B4-BE49-F238E27FC236}">
-                <a16:creationId xmlns:a16="http://schemas.microsoft.com/office/drawing/2014/main" id="{D1F43DAA-6187-A164-7567-0CC311068A26}"/>
+          <p:cNvPr id="25" name="连接符: 肘形 24">
+            <a:extLst>
+              <a:ext uri="{FF2B5EF4-FFF2-40B4-BE49-F238E27FC236}">
+                <a16:creationId xmlns:a16="http://schemas.microsoft.com/office/drawing/2014/main" id="{D50B992B-4D6E-ABE3-846F-73446594A095}"/>
               </a:ext>
             </a:extLst>
           </p:cNvPr>
           <p:cNvCxnSpPr>
             <a:cxnSpLocks/>
-            <a:stCxn id="109" idx="3"/>
-            <a:endCxn id="112" idx="1"/>
+            <a:stCxn id="22" idx="3"/>
+            <a:endCxn id="24" idx="1"/>
           </p:cNvCxnSpPr>
           <p:nvPr/>
         </p:nvCxnSpPr>
         <p:spPr>
           <a:xfrm flipV="1">
-            <a:off x="5397375" y="5768328"/>
-            <a:ext cx="3258963" cy="1"/>
+            <a:off x="4244724" y="2159015"/>
+            <a:ext cx="452181" cy="3"/>
           </a:xfrm>
           <a:prstGeom prst="bentConnector3">
             <a:avLst>
@@ -19690,10 +20759,5226 @@
           </a:fontRef>
         </p:style>
       </p:cxnSp>
+      <p:sp>
+        <p:nvSpPr>
+          <p:cNvPr id="26" name="矩形 25">
+            <a:extLst>
+              <a:ext uri="{FF2B5EF4-FFF2-40B4-BE49-F238E27FC236}">
+                <a16:creationId xmlns:a16="http://schemas.microsoft.com/office/drawing/2014/main" id="{362E1D20-FA8E-DB05-E9B0-AC20EA088EAF}"/>
+              </a:ext>
+            </a:extLst>
+          </p:cNvPr>
+          <p:cNvSpPr/>
+          <p:nvPr/>
+        </p:nvSpPr>
+        <p:spPr>
+          <a:xfrm>
+            <a:off x="129716" y="2828371"/>
+            <a:ext cx="1306285" cy="870857"/>
+          </a:xfrm>
+          <a:prstGeom prst="rect">
+            <a:avLst/>
+          </a:prstGeom>
+        </p:spPr>
+        <p:style>
+          <a:lnRef idx="2">
+            <a:schemeClr val="accent1">
+              <a:shade val="15000"/>
+            </a:schemeClr>
+          </a:lnRef>
+          <a:fillRef idx="1">
+            <a:schemeClr val="accent1"/>
+          </a:fillRef>
+          <a:effectRef idx="0">
+            <a:schemeClr val="accent1"/>
+          </a:effectRef>
+          <a:fontRef idx="minor">
+            <a:schemeClr val="lt1"/>
+          </a:fontRef>
+        </p:style>
+        <p:txBody>
+          <a:bodyPr rtlCol="0" anchor="ctr"/>
+          <a:lstStyle/>
+          <a:p>
+            <a:pPr algn="ctr"/>
+            <a:r>
+              <a:rPr lang="zh-CN" altLang="en-US" dirty="0"/>
+              <a:t>正常训练图像</a:t>
+            </a:r>
+          </a:p>
+        </p:txBody>
+      </p:sp>
+      <p:sp>
+        <p:nvSpPr>
+          <p:cNvPr id="27" name="矩形: 圆角 26">
+            <a:extLst>
+              <a:ext uri="{FF2B5EF4-FFF2-40B4-BE49-F238E27FC236}">
+                <a16:creationId xmlns:a16="http://schemas.microsoft.com/office/drawing/2014/main" id="{76B243A7-F683-4A3C-FA12-EF27BDAD9E46}"/>
+              </a:ext>
+            </a:extLst>
+          </p:cNvPr>
+          <p:cNvSpPr/>
+          <p:nvPr/>
+        </p:nvSpPr>
+        <p:spPr>
+          <a:xfrm>
+            <a:off x="1736901" y="3062113"/>
+            <a:ext cx="1031286" cy="403375"/>
+          </a:xfrm>
+          <a:prstGeom prst="roundRect">
+            <a:avLst>
+              <a:gd name="adj" fmla="val 50000"/>
+            </a:avLst>
+          </a:prstGeom>
+        </p:spPr>
+        <p:style>
+          <a:lnRef idx="2">
+            <a:schemeClr val="accent1">
+              <a:shade val="15000"/>
+            </a:schemeClr>
+          </a:lnRef>
+          <a:fillRef idx="1">
+            <a:schemeClr val="accent1"/>
+          </a:fillRef>
+          <a:effectRef idx="0">
+            <a:schemeClr val="accent1"/>
+          </a:effectRef>
+          <a:fontRef idx="minor">
+            <a:schemeClr val="lt1"/>
+          </a:fontRef>
+        </p:style>
+        <p:txBody>
+          <a:bodyPr rtlCol="0" anchor="ctr"/>
+          <a:lstStyle/>
+          <a:p>
+            <a:pPr algn="ctr"/>
+            <a:r>
+              <a:rPr lang="zh-CN" altLang="en-US" sz="1000" dirty="0"/>
+              <a:t>预训练特征提取器</a:t>
+            </a:r>
+          </a:p>
+        </p:txBody>
+      </p:sp>
+      <p:cxnSp>
+        <p:nvCxnSpPr>
+          <p:cNvPr id="28" name="连接符: 肘形 27">
+            <a:extLst>
+              <a:ext uri="{FF2B5EF4-FFF2-40B4-BE49-F238E27FC236}">
+                <a16:creationId xmlns:a16="http://schemas.microsoft.com/office/drawing/2014/main" id="{9FCFD8C6-DD96-DD86-2540-55A7CE553DAC}"/>
+              </a:ext>
+            </a:extLst>
+          </p:cNvPr>
+          <p:cNvCxnSpPr>
+            <a:stCxn id="26" idx="3"/>
+            <a:endCxn id="27" idx="1"/>
+          </p:cNvCxnSpPr>
+          <p:nvPr/>
+        </p:nvCxnSpPr>
+        <p:spPr>
+          <a:xfrm>
+            <a:off x="1436001" y="3263800"/>
+            <a:ext cx="300900" cy="1"/>
+          </a:xfrm>
+          <a:prstGeom prst="bentConnector3">
+            <a:avLst/>
+          </a:prstGeom>
+          <a:ln>
+            <a:tailEnd type="triangle"/>
+          </a:ln>
+        </p:spPr>
+        <p:style>
+          <a:lnRef idx="1">
+            <a:schemeClr val="accent1"/>
+          </a:lnRef>
+          <a:fillRef idx="0">
+            <a:schemeClr val="accent1"/>
+          </a:fillRef>
+          <a:effectRef idx="0">
+            <a:schemeClr val="accent1"/>
+          </a:effectRef>
+          <a:fontRef idx="minor">
+            <a:schemeClr val="tx1"/>
+          </a:fontRef>
+        </p:style>
+      </p:cxnSp>
+      <p:cxnSp>
+        <p:nvCxnSpPr>
+          <p:cNvPr id="29" name="直接箭头连接符 28">
+            <a:extLst>
+              <a:ext uri="{FF2B5EF4-FFF2-40B4-BE49-F238E27FC236}">
+                <a16:creationId xmlns:a16="http://schemas.microsoft.com/office/drawing/2014/main" id="{C516C8E3-E28B-53A6-2F1C-D4143A1714F0}"/>
+              </a:ext>
+            </a:extLst>
+          </p:cNvPr>
+          <p:cNvCxnSpPr>
+            <a:cxnSpLocks/>
+            <a:stCxn id="27" idx="3"/>
+            <a:endCxn id="35" idx="1"/>
+          </p:cNvCxnSpPr>
+          <p:nvPr/>
+        </p:nvCxnSpPr>
+        <p:spPr>
+          <a:xfrm>
+            <a:off x="2768187" y="3263801"/>
+            <a:ext cx="338029" cy="0"/>
+          </a:xfrm>
+          <a:prstGeom prst="straightConnector1">
+            <a:avLst/>
+          </a:prstGeom>
+          <a:ln>
+            <a:tailEnd type="triangle"/>
+          </a:ln>
+        </p:spPr>
+        <p:style>
+          <a:lnRef idx="1">
+            <a:schemeClr val="accent1"/>
+          </a:lnRef>
+          <a:fillRef idx="0">
+            <a:schemeClr val="accent1"/>
+          </a:fillRef>
+          <a:effectRef idx="0">
+            <a:schemeClr val="accent1"/>
+          </a:effectRef>
+          <a:fontRef idx="minor">
+            <a:schemeClr val="tx1"/>
+          </a:fontRef>
+        </p:style>
+      </p:cxnSp>
+      <p:grpSp>
+        <p:nvGrpSpPr>
+          <p:cNvPr id="30" name="组合 29">
+            <a:extLst>
+              <a:ext uri="{FF2B5EF4-FFF2-40B4-BE49-F238E27FC236}">
+                <a16:creationId xmlns:a16="http://schemas.microsoft.com/office/drawing/2014/main" id="{48A2C675-21D2-3FDB-8901-F9E55C1D6131}"/>
+              </a:ext>
+            </a:extLst>
+          </p:cNvPr>
+          <p:cNvGrpSpPr/>
+          <p:nvPr/>
+        </p:nvGrpSpPr>
+        <p:grpSpPr>
+          <a:xfrm>
+            <a:off x="3106216" y="2903799"/>
+            <a:ext cx="1138509" cy="720000"/>
+            <a:chOff x="4249837" y="1909791"/>
+            <a:chExt cx="1138509" cy="720000"/>
+          </a:xfrm>
+        </p:grpSpPr>
+        <p:sp>
+          <p:nvSpPr>
+            <p:cNvPr id="31" name="矩形 30">
+              <a:extLst>
+                <a:ext uri="{FF2B5EF4-FFF2-40B4-BE49-F238E27FC236}">
+                  <a16:creationId xmlns:a16="http://schemas.microsoft.com/office/drawing/2014/main" id="{5C67E419-0907-1295-1495-E346805A1FC5}"/>
+                </a:ext>
+              </a:extLst>
+            </p:cNvPr>
+            <p:cNvSpPr/>
+            <p:nvPr/>
+          </p:nvSpPr>
+          <p:spPr>
+            <a:xfrm>
+              <a:off x="4249837" y="1909793"/>
+              <a:ext cx="184467" cy="198239"/>
+            </a:xfrm>
+            <a:prstGeom prst="rect">
+              <a:avLst/>
+            </a:prstGeom>
+          </p:spPr>
+          <p:style>
+            <a:lnRef idx="2">
+              <a:schemeClr val="accent1">
+                <a:shade val="15000"/>
+              </a:schemeClr>
+            </a:lnRef>
+            <a:fillRef idx="1">
+              <a:schemeClr val="accent1"/>
+            </a:fillRef>
+            <a:effectRef idx="0">
+              <a:schemeClr val="accent1"/>
+            </a:effectRef>
+            <a:fontRef idx="minor">
+              <a:schemeClr val="lt1"/>
+            </a:fontRef>
+          </p:style>
+          <p:txBody>
+            <a:bodyPr rtlCol="0" anchor="ctr"/>
+            <a:lstStyle/>
+            <a:p>
+              <a:pPr algn="ctr"/>
+              <a:endParaRPr lang="zh-CN" altLang="en-US"/>
+            </a:p>
+          </p:txBody>
+        </p:sp>
+        <p:sp>
+          <p:nvSpPr>
+            <p:cNvPr id="32" name="矩形 31">
+              <a:extLst>
+                <a:ext uri="{FF2B5EF4-FFF2-40B4-BE49-F238E27FC236}">
+                  <a16:creationId xmlns:a16="http://schemas.microsoft.com/office/drawing/2014/main" id="{7536F856-23BD-C3A3-59E9-5D1AC2A46885}"/>
+                </a:ext>
+              </a:extLst>
+            </p:cNvPr>
+            <p:cNvSpPr/>
+            <p:nvPr/>
+          </p:nvSpPr>
+          <p:spPr>
+            <a:xfrm>
+              <a:off x="4488348" y="1909792"/>
+              <a:ext cx="184467" cy="198239"/>
+            </a:xfrm>
+            <a:prstGeom prst="rect">
+              <a:avLst/>
+            </a:prstGeom>
+          </p:spPr>
+          <p:style>
+            <a:lnRef idx="2">
+              <a:schemeClr val="accent1">
+                <a:shade val="15000"/>
+              </a:schemeClr>
+            </a:lnRef>
+            <a:fillRef idx="1">
+              <a:schemeClr val="accent1"/>
+            </a:fillRef>
+            <a:effectRef idx="0">
+              <a:schemeClr val="accent1"/>
+            </a:effectRef>
+            <a:fontRef idx="minor">
+              <a:schemeClr val="lt1"/>
+            </a:fontRef>
+          </p:style>
+          <p:txBody>
+            <a:bodyPr rtlCol="0" anchor="ctr"/>
+            <a:lstStyle/>
+            <a:p>
+              <a:pPr algn="ctr"/>
+              <a:endParaRPr lang="zh-CN" altLang="en-US"/>
+            </a:p>
+          </p:txBody>
+        </p:sp>
+        <p:sp>
+          <p:nvSpPr>
+            <p:cNvPr id="33" name="矩形 32">
+              <a:extLst>
+                <a:ext uri="{FF2B5EF4-FFF2-40B4-BE49-F238E27FC236}">
+                  <a16:creationId xmlns:a16="http://schemas.microsoft.com/office/drawing/2014/main" id="{96C32256-8BBE-FF3F-2E1E-216C8F041F95}"/>
+                </a:ext>
+              </a:extLst>
+            </p:cNvPr>
+            <p:cNvSpPr/>
+            <p:nvPr/>
+          </p:nvSpPr>
+          <p:spPr>
+            <a:xfrm>
+              <a:off x="4726859" y="1909791"/>
+              <a:ext cx="184467" cy="198239"/>
+            </a:xfrm>
+            <a:prstGeom prst="rect">
+              <a:avLst/>
+            </a:prstGeom>
+          </p:spPr>
+          <p:style>
+            <a:lnRef idx="2">
+              <a:schemeClr val="accent1">
+                <a:shade val="15000"/>
+              </a:schemeClr>
+            </a:lnRef>
+            <a:fillRef idx="1">
+              <a:schemeClr val="accent1"/>
+            </a:fillRef>
+            <a:effectRef idx="0">
+              <a:schemeClr val="accent1"/>
+            </a:effectRef>
+            <a:fontRef idx="minor">
+              <a:schemeClr val="lt1"/>
+            </a:fontRef>
+          </p:style>
+          <p:txBody>
+            <a:bodyPr rtlCol="0" anchor="ctr"/>
+            <a:lstStyle/>
+            <a:p>
+              <a:pPr algn="ctr"/>
+              <a:endParaRPr lang="zh-CN" altLang="en-US"/>
+            </a:p>
+          </p:txBody>
+        </p:sp>
+        <p:sp>
+          <p:nvSpPr>
+            <p:cNvPr id="34" name="矩形 33">
+              <a:extLst>
+                <a:ext uri="{FF2B5EF4-FFF2-40B4-BE49-F238E27FC236}">
+                  <a16:creationId xmlns:a16="http://schemas.microsoft.com/office/drawing/2014/main" id="{2678C6C3-9990-F0E4-5F09-BCAFFE3F17A0}"/>
+                </a:ext>
+              </a:extLst>
+            </p:cNvPr>
+            <p:cNvSpPr/>
+            <p:nvPr/>
+          </p:nvSpPr>
+          <p:spPr>
+            <a:xfrm>
+              <a:off x="4965370" y="1909793"/>
+              <a:ext cx="184467" cy="198239"/>
+            </a:xfrm>
+            <a:prstGeom prst="rect">
+              <a:avLst/>
+            </a:prstGeom>
+          </p:spPr>
+          <p:style>
+            <a:lnRef idx="2">
+              <a:schemeClr val="accent1">
+                <a:shade val="15000"/>
+              </a:schemeClr>
+            </a:lnRef>
+            <a:fillRef idx="1">
+              <a:schemeClr val="accent1"/>
+            </a:fillRef>
+            <a:effectRef idx="0">
+              <a:schemeClr val="accent1"/>
+            </a:effectRef>
+            <a:fontRef idx="minor">
+              <a:schemeClr val="lt1"/>
+            </a:fontRef>
+          </p:style>
+          <p:txBody>
+            <a:bodyPr rtlCol="0" anchor="ctr"/>
+            <a:lstStyle/>
+            <a:p>
+              <a:pPr algn="ctr"/>
+              <a:endParaRPr lang="zh-CN" altLang="en-US"/>
+            </a:p>
+          </p:txBody>
+        </p:sp>
+        <p:sp>
+          <p:nvSpPr>
+            <p:cNvPr id="35" name="矩形 34">
+              <a:extLst>
+                <a:ext uri="{FF2B5EF4-FFF2-40B4-BE49-F238E27FC236}">
+                  <a16:creationId xmlns:a16="http://schemas.microsoft.com/office/drawing/2014/main" id="{A2402930-099F-A7CC-0FB5-8A210151DED5}"/>
+                </a:ext>
+              </a:extLst>
+            </p:cNvPr>
+            <p:cNvSpPr/>
+            <p:nvPr/>
+          </p:nvSpPr>
+          <p:spPr>
+            <a:xfrm>
+              <a:off x="4249837" y="2170673"/>
+              <a:ext cx="184467" cy="198239"/>
+            </a:xfrm>
+            <a:prstGeom prst="rect">
+              <a:avLst/>
+            </a:prstGeom>
+          </p:spPr>
+          <p:style>
+            <a:lnRef idx="2">
+              <a:schemeClr val="accent1">
+                <a:shade val="15000"/>
+              </a:schemeClr>
+            </a:lnRef>
+            <a:fillRef idx="1">
+              <a:schemeClr val="accent1"/>
+            </a:fillRef>
+            <a:effectRef idx="0">
+              <a:schemeClr val="accent1"/>
+            </a:effectRef>
+            <a:fontRef idx="minor">
+              <a:schemeClr val="lt1"/>
+            </a:fontRef>
+          </p:style>
+          <p:txBody>
+            <a:bodyPr rtlCol="0" anchor="ctr"/>
+            <a:lstStyle/>
+            <a:p>
+              <a:pPr algn="ctr"/>
+              <a:endParaRPr lang="zh-CN" altLang="en-US"/>
+            </a:p>
+          </p:txBody>
+        </p:sp>
+        <p:sp>
+          <p:nvSpPr>
+            <p:cNvPr id="36" name="矩形 35">
+              <a:extLst>
+                <a:ext uri="{FF2B5EF4-FFF2-40B4-BE49-F238E27FC236}">
+                  <a16:creationId xmlns:a16="http://schemas.microsoft.com/office/drawing/2014/main" id="{1F7C1CEF-5593-6A1F-9CC4-5C322454CB63}"/>
+                </a:ext>
+              </a:extLst>
+            </p:cNvPr>
+            <p:cNvSpPr/>
+            <p:nvPr/>
+          </p:nvSpPr>
+          <p:spPr>
+            <a:xfrm>
+              <a:off x="4488347" y="2170673"/>
+              <a:ext cx="184467" cy="198239"/>
+            </a:xfrm>
+            <a:prstGeom prst="rect">
+              <a:avLst/>
+            </a:prstGeom>
+          </p:spPr>
+          <p:style>
+            <a:lnRef idx="2">
+              <a:schemeClr val="accent1">
+                <a:shade val="15000"/>
+              </a:schemeClr>
+            </a:lnRef>
+            <a:fillRef idx="1">
+              <a:schemeClr val="accent1"/>
+            </a:fillRef>
+            <a:effectRef idx="0">
+              <a:schemeClr val="accent1"/>
+            </a:effectRef>
+            <a:fontRef idx="minor">
+              <a:schemeClr val="lt1"/>
+            </a:fontRef>
+          </p:style>
+          <p:txBody>
+            <a:bodyPr rtlCol="0" anchor="ctr"/>
+            <a:lstStyle/>
+            <a:p>
+              <a:pPr algn="ctr"/>
+              <a:endParaRPr lang="zh-CN" altLang="en-US"/>
+            </a:p>
+          </p:txBody>
+        </p:sp>
+        <p:sp>
+          <p:nvSpPr>
+            <p:cNvPr id="37" name="矩形 36">
+              <a:extLst>
+                <a:ext uri="{FF2B5EF4-FFF2-40B4-BE49-F238E27FC236}">
+                  <a16:creationId xmlns:a16="http://schemas.microsoft.com/office/drawing/2014/main" id="{294E14A1-9ACF-4486-5D8B-E1253370EE5F}"/>
+                </a:ext>
+              </a:extLst>
+            </p:cNvPr>
+            <p:cNvSpPr/>
+            <p:nvPr/>
+          </p:nvSpPr>
+          <p:spPr>
+            <a:xfrm>
+              <a:off x="4726858" y="2170672"/>
+              <a:ext cx="184467" cy="198239"/>
+            </a:xfrm>
+            <a:prstGeom prst="rect">
+              <a:avLst/>
+            </a:prstGeom>
+          </p:spPr>
+          <p:style>
+            <a:lnRef idx="2">
+              <a:schemeClr val="accent1">
+                <a:shade val="15000"/>
+              </a:schemeClr>
+            </a:lnRef>
+            <a:fillRef idx="1">
+              <a:schemeClr val="accent1"/>
+            </a:fillRef>
+            <a:effectRef idx="0">
+              <a:schemeClr val="accent1"/>
+            </a:effectRef>
+            <a:fontRef idx="minor">
+              <a:schemeClr val="lt1"/>
+            </a:fontRef>
+          </p:style>
+          <p:txBody>
+            <a:bodyPr rtlCol="0" anchor="ctr"/>
+            <a:lstStyle/>
+            <a:p>
+              <a:pPr algn="ctr"/>
+              <a:endParaRPr lang="zh-CN" altLang="en-US"/>
+            </a:p>
+          </p:txBody>
+        </p:sp>
+        <p:sp>
+          <p:nvSpPr>
+            <p:cNvPr id="38" name="矩形 37">
+              <a:extLst>
+                <a:ext uri="{FF2B5EF4-FFF2-40B4-BE49-F238E27FC236}">
+                  <a16:creationId xmlns:a16="http://schemas.microsoft.com/office/drawing/2014/main" id="{507606BB-F723-1194-28DA-686A212ACE94}"/>
+                </a:ext>
+              </a:extLst>
+            </p:cNvPr>
+            <p:cNvSpPr/>
+            <p:nvPr/>
+          </p:nvSpPr>
+          <p:spPr>
+            <a:xfrm>
+              <a:off x="4965369" y="2170674"/>
+              <a:ext cx="184467" cy="198239"/>
+            </a:xfrm>
+            <a:prstGeom prst="rect">
+              <a:avLst/>
+            </a:prstGeom>
+          </p:spPr>
+          <p:style>
+            <a:lnRef idx="2">
+              <a:schemeClr val="accent1">
+                <a:shade val="15000"/>
+              </a:schemeClr>
+            </a:lnRef>
+            <a:fillRef idx="1">
+              <a:schemeClr val="accent1"/>
+            </a:fillRef>
+            <a:effectRef idx="0">
+              <a:schemeClr val="accent1"/>
+            </a:effectRef>
+            <a:fontRef idx="minor">
+              <a:schemeClr val="lt1"/>
+            </a:fontRef>
+          </p:style>
+          <p:txBody>
+            <a:bodyPr rtlCol="0" anchor="ctr"/>
+            <a:lstStyle/>
+            <a:p>
+              <a:pPr algn="ctr"/>
+              <a:endParaRPr lang="zh-CN" altLang="en-US"/>
+            </a:p>
+          </p:txBody>
+        </p:sp>
+        <p:sp>
+          <p:nvSpPr>
+            <p:cNvPr id="39" name="矩形 38">
+              <a:extLst>
+                <a:ext uri="{FF2B5EF4-FFF2-40B4-BE49-F238E27FC236}">
+                  <a16:creationId xmlns:a16="http://schemas.microsoft.com/office/drawing/2014/main" id="{A2C4EBDC-2C4D-2A24-5AA9-4A069B7ECE65}"/>
+                </a:ext>
+              </a:extLst>
+            </p:cNvPr>
+            <p:cNvSpPr/>
+            <p:nvPr/>
+          </p:nvSpPr>
+          <p:spPr>
+            <a:xfrm>
+              <a:off x="4249837" y="2431552"/>
+              <a:ext cx="184467" cy="198239"/>
+            </a:xfrm>
+            <a:prstGeom prst="rect">
+              <a:avLst/>
+            </a:prstGeom>
+          </p:spPr>
+          <p:style>
+            <a:lnRef idx="2">
+              <a:schemeClr val="accent1">
+                <a:shade val="15000"/>
+              </a:schemeClr>
+            </a:lnRef>
+            <a:fillRef idx="1">
+              <a:schemeClr val="accent1"/>
+            </a:fillRef>
+            <a:effectRef idx="0">
+              <a:schemeClr val="accent1"/>
+            </a:effectRef>
+            <a:fontRef idx="minor">
+              <a:schemeClr val="lt1"/>
+            </a:fontRef>
+          </p:style>
+          <p:txBody>
+            <a:bodyPr rtlCol="0" anchor="ctr"/>
+            <a:lstStyle/>
+            <a:p>
+              <a:pPr algn="ctr"/>
+              <a:endParaRPr lang="zh-CN" altLang="en-US"/>
+            </a:p>
+          </p:txBody>
+        </p:sp>
+        <p:sp>
+          <p:nvSpPr>
+            <p:cNvPr id="40" name="矩形 39">
+              <a:extLst>
+                <a:ext uri="{FF2B5EF4-FFF2-40B4-BE49-F238E27FC236}">
+                  <a16:creationId xmlns:a16="http://schemas.microsoft.com/office/drawing/2014/main" id="{7384B4C1-6CC0-FCB0-3A49-B7B7747076BF}"/>
+                </a:ext>
+              </a:extLst>
+            </p:cNvPr>
+            <p:cNvSpPr/>
+            <p:nvPr/>
+          </p:nvSpPr>
+          <p:spPr>
+            <a:xfrm>
+              <a:off x="4488348" y="2431550"/>
+              <a:ext cx="184467" cy="198239"/>
+            </a:xfrm>
+            <a:prstGeom prst="rect">
+              <a:avLst/>
+            </a:prstGeom>
+          </p:spPr>
+          <p:style>
+            <a:lnRef idx="2">
+              <a:schemeClr val="accent1">
+                <a:shade val="15000"/>
+              </a:schemeClr>
+            </a:lnRef>
+            <a:fillRef idx="1">
+              <a:schemeClr val="accent1"/>
+            </a:fillRef>
+            <a:effectRef idx="0">
+              <a:schemeClr val="accent1"/>
+            </a:effectRef>
+            <a:fontRef idx="minor">
+              <a:schemeClr val="lt1"/>
+            </a:fontRef>
+          </p:style>
+          <p:txBody>
+            <a:bodyPr rtlCol="0" anchor="ctr"/>
+            <a:lstStyle/>
+            <a:p>
+              <a:pPr algn="ctr"/>
+              <a:endParaRPr lang="zh-CN" altLang="en-US"/>
+            </a:p>
+          </p:txBody>
+        </p:sp>
+        <p:sp>
+          <p:nvSpPr>
+            <p:cNvPr id="41" name="矩形 40">
+              <a:extLst>
+                <a:ext uri="{FF2B5EF4-FFF2-40B4-BE49-F238E27FC236}">
+                  <a16:creationId xmlns:a16="http://schemas.microsoft.com/office/drawing/2014/main" id="{B1112389-42F9-AED5-EDBD-87B33BD2B9BC}"/>
+                </a:ext>
+              </a:extLst>
+            </p:cNvPr>
+            <p:cNvSpPr/>
+            <p:nvPr/>
+          </p:nvSpPr>
+          <p:spPr>
+            <a:xfrm>
+              <a:off x="4726859" y="2431549"/>
+              <a:ext cx="184467" cy="198239"/>
+            </a:xfrm>
+            <a:prstGeom prst="rect">
+              <a:avLst/>
+            </a:prstGeom>
+          </p:spPr>
+          <p:style>
+            <a:lnRef idx="2">
+              <a:schemeClr val="accent1">
+                <a:shade val="15000"/>
+              </a:schemeClr>
+            </a:lnRef>
+            <a:fillRef idx="1">
+              <a:schemeClr val="accent1"/>
+            </a:fillRef>
+            <a:effectRef idx="0">
+              <a:schemeClr val="accent1"/>
+            </a:effectRef>
+            <a:fontRef idx="minor">
+              <a:schemeClr val="lt1"/>
+            </a:fontRef>
+          </p:style>
+          <p:txBody>
+            <a:bodyPr rtlCol="0" anchor="ctr"/>
+            <a:lstStyle/>
+            <a:p>
+              <a:pPr algn="ctr"/>
+              <a:endParaRPr lang="zh-CN" altLang="en-US"/>
+            </a:p>
+          </p:txBody>
+        </p:sp>
+        <p:sp>
+          <p:nvSpPr>
+            <p:cNvPr id="42" name="矩形 41">
+              <a:extLst>
+                <a:ext uri="{FF2B5EF4-FFF2-40B4-BE49-F238E27FC236}">
+                  <a16:creationId xmlns:a16="http://schemas.microsoft.com/office/drawing/2014/main" id="{A7D80684-2754-039F-7BB4-5ECD5773082F}"/>
+                </a:ext>
+              </a:extLst>
+            </p:cNvPr>
+            <p:cNvSpPr/>
+            <p:nvPr/>
+          </p:nvSpPr>
+          <p:spPr>
+            <a:xfrm>
+              <a:off x="4965370" y="2431552"/>
+              <a:ext cx="184467" cy="198239"/>
+            </a:xfrm>
+            <a:prstGeom prst="rect">
+              <a:avLst/>
+            </a:prstGeom>
+          </p:spPr>
+          <p:style>
+            <a:lnRef idx="2">
+              <a:schemeClr val="accent1">
+                <a:shade val="15000"/>
+              </a:schemeClr>
+            </a:lnRef>
+            <a:fillRef idx="1">
+              <a:schemeClr val="accent1"/>
+            </a:fillRef>
+            <a:effectRef idx="0">
+              <a:schemeClr val="accent1"/>
+            </a:effectRef>
+            <a:fontRef idx="minor">
+              <a:schemeClr val="lt1"/>
+            </a:fontRef>
+          </p:style>
+          <p:txBody>
+            <a:bodyPr rtlCol="0" anchor="ctr"/>
+            <a:lstStyle/>
+            <a:p>
+              <a:pPr algn="ctr"/>
+              <a:endParaRPr lang="zh-CN" altLang="en-US"/>
+            </a:p>
+          </p:txBody>
+        </p:sp>
+        <p:sp>
+          <p:nvSpPr>
+            <p:cNvPr id="43" name="矩形 42">
+              <a:extLst>
+                <a:ext uri="{FF2B5EF4-FFF2-40B4-BE49-F238E27FC236}">
+                  <a16:creationId xmlns:a16="http://schemas.microsoft.com/office/drawing/2014/main" id="{F8D624AB-917A-2A0F-F046-C955A11EFE9F}"/>
+                </a:ext>
+              </a:extLst>
+            </p:cNvPr>
+            <p:cNvSpPr/>
+            <p:nvPr/>
+          </p:nvSpPr>
+          <p:spPr>
+            <a:xfrm>
+              <a:off x="5203879" y="1909791"/>
+              <a:ext cx="184467" cy="198239"/>
+            </a:xfrm>
+            <a:prstGeom prst="rect">
+              <a:avLst/>
+            </a:prstGeom>
+          </p:spPr>
+          <p:style>
+            <a:lnRef idx="2">
+              <a:schemeClr val="accent1">
+                <a:shade val="15000"/>
+              </a:schemeClr>
+            </a:lnRef>
+            <a:fillRef idx="1">
+              <a:schemeClr val="accent1"/>
+            </a:fillRef>
+            <a:effectRef idx="0">
+              <a:schemeClr val="accent1"/>
+            </a:effectRef>
+            <a:fontRef idx="minor">
+              <a:schemeClr val="lt1"/>
+            </a:fontRef>
+          </p:style>
+          <p:txBody>
+            <a:bodyPr rtlCol="0" anchor="ctr"/>
+            <a:lstStyle/>
+            <a:p>
+              <a:pPr algn="ctr"/>
+              <a:endParaRPr lang="zh-CN" altLang="en-US"/>
+            </a:p>
+          </p:txBody>
+        </p:sp>
+        <p:sp>
+          <p:nvSpPr>
+            <p:cNvPr id="44" name="矩形 43">
+              <a:extLst>
+                <a:ext uri="{FF2B5EF4-FFF2-40B4-BE49-F238E27FC236}">
+                  <a16:creationId xmlns:a16="http://schemas.microsoft.com/office/drawing/2014/main" id="{0582AED0-F948-7C19-25E1-3D46EAE36FE3}"/>
+                </a:ext>
+              </a:extLst>
+            </p:cNvPr>
+            <p:cNvSpPr/>
+            <p:nvPr/>
+          </p:nvSpPr>
+          <p:spPr>
+            <a:xfrm>
+              <a:off x="5203878" y="2170672"/>
+              <a:ext cx="184467" cy="198239"/>
+            </a:xfrm>
+            <a:prstGeom prst="rect">
+              <a:avLst/>
+            </a:prstGeom>
+          </p:spPr>
+          <p:style>
+            <a:lnRef idx="2">
+              <a:schemeClr val="accent1">
+                <a:shade val="15000"/>
+              </a:schemeClr>
+            </a:lnRef>
+            <a:fillRef idx="1">
+              <a:schemeClr val="accent1"/>
+            </a:fillRef>
+            <a:effectRef idx="0">
+              <a:schemeClr val="accent1"/>
+            </a:effectRef>
+            <a:fontRef idx="minor">
+              <a:schemeClr val="lt1"/>
+            </a:fontRef>
+          </p:style>
+          <p:txBody>
+            <a:bodyPr rtlCol="0" anchor="ctr"/>
+            <a:lstStyle/>
+            <a:p>
+              <a:pPr algn="ctr"/>
+              <a:endParaRPr lang="zh-CN" altLang="en-US"/>
+            </a:p>
+          </p:txBody>
+        </p:sp>
+        <p:sp>
+          <p:nvSpPr>
+            <p:cNvPr id="45" name="矩形 44">
+              <a:extLst>
+                <a:ext uri="{FF2B5EF4-FFF2-40B4-BE49-F238E27FC236}">
+                  <a16:creationId xmlns:a16="http://schemas.microsoft.com/office/drawing/2014/main" id="{BD6DAC16-089E-E97B-7BCB-1792C6099E5D}"/>
+                </a:ext>
+              </a:extLst>
+            </p:cNvPr>
+            <p:cNvSpPr/>
+            <p:nvPr/>
+          </p:nvSpPr>
+          <p:spPr>
+            <a:xfrm>
+              <a:off x="5203879" y="2431550"/>
+              <a:ext cx="184467" cy="198239"/>
+            </a:xfrm>
+            <a:prstGeom prst="rect">
+              <a:avLst/>
+            </a:prstGeom>
+          </p:spPr>
+          <p:style>
+            <a:lnRef idx="2">
+              <a:schemeClr val="accent1">
+                <a:shade val="15000"/>
+              </a:schemeClr>
+            </a:lnRef>
+            <a:fillRef idx="1">
+              <a:schemeClr val="accent1"/>
+            </a:fillRef>
+            <a:effectRef idx="0">
+              <a:schemeClr val="accent1"/>
+            </a:effectRef>
+            <a:fontRef idx="minor">
+              <a:schemeClr val="lt1"/>
+            </a:fontRef>
+          </p:style>
+          <p:txBody>
+            <a:bodyPr rtlCol="0" anchor="ctr"/>
+            <a:lstStyle/>
+            <a:p>
+              <a:pPr algn="ctr"/>
+              <a:endParaRPr lang="zh-CN" altLang="en-US"/>
+            </a:p>
+          </p:txBody>
+        </p:sp>
+      </p:grpSp>
+      <p:cxnSp>
+        <p:nvCxnSpPr>
+          <p:cNvPr id="48" name="连接符: 肘形 47">
+            <a:extLst>
+              <a:ext uri="{FF2B5EF4-FFF2-40B4-BE49-F238E27FC236}">
+                <a16:creationId xmlns:a16="http://schemas.microsoft.com/office/drawing/2014/main" id="{CB9F1628-0B68-9475-EF03-34390AA2C9B6}"/>
+              </a:ext>
+            </a:extLst>
+          </p:cNvPr>
+          <p:cNvCxnSpPr>
+            <a:cxnSpLocks/>
+            <a:stCxn id="44" idx="3"/>
+            <a:endCxn id="24" idx="1"/>
+          </p:cNvCxnSpPr>
+          <p:nvPr/>
+        </p:nvCxnSpPr>
+        <p:spPr>
+          <a:xfrm flipV="1">
+            <a:off x="4244724" y="2159015"/>
+            <a:ext cx="452181" cy="1104785"/>
+          </a:xfrm>
+          <a:prstGeom prst="bentConnector3">
+            <a:avLst/>
+          </a:prstGeom>
+          <a:ln>
+            <a:tailEnd type="triangle"/>
+          </a:ln>
+        </p:spPr>
+        <p:style>
+          <a:lnRef idx="1">
+            <a:schemeClr val="accent1"/>
+          </a:lnRef>
+          <a:fillRef idx="0">
+            <a:schemeClr val="accent1"/>
+          </a:fillRef>
+          <a:effectRef idx="0">
+            <a:schemeClr val="accent1"/>
+          </a:effectRef>
+          <a:fontRef idx="minor">
+            <a:schemeClr val="tx1"/>
+          </a:fontRef>
+        </p:style>
+      </p:cxnSp>
+      <p:sp>
+        <p:nvSpPr>
+          <p:cNvPr id="57" name="矩形 56">
+            <a:extLst>
+              <a:ext uri="{FF2B5EF4-FFF2-40B4-BE49-F238E27FC236}">
+                <a16:creationId xmlns:a16="http://schemas.microsoft.com/office/drawing/2014/main" id="{E25EC3EA-23C3-D6C3-CAFA-C090A4832D68}"/>
+              </a:ext>
+            </a:extLst>
+          </p:cNvPr>
+          <p:cNvSpPr/>
+          <p:nvPr/>
+        </p:nvSpPr>
+        <p:spPr>
+          <a:xfrm>
+            <a:off x="129716" y="4689774"/>
+            <a:ext cx="1306285" cy="870857"/>
+          </a:xfrm>
+          <a:prstGeom prst="rect">
+            <a:avLst/>
+          </a:prstGeom>
+        </p:spPr>
+        <p:style>
+          <a:lnRef idx="2">
+            <a:schemeClr val="accent1">
+              <a:shade val="15000"/>
+            </a:schemeClr>
+          </a:lnRef>
+          <a:fillRef idx="1">
+            <a:schemeClr val="accent1"/>
+          </a:fillRef>
+          <a:effectRef idx="0">
+            <a:schemeClr val="accent1"/>
+          </a:effectRef>
+          <a:fontRef idx="minor">
+            <a:schemeClr val="lt1"/>
+          </a:fontRef>
+        </p:style>
+        <p:txBody>
+          <a:bodyPr rtlCol="0" anchor="ctr"/>
+          <a:lstStyle/>
+          <a:p>
+            <a:pPr algn="ctr"/>
+            <a:r>
+              <a:rPr lang="zh-CN" altLang="en-US" dirty="0"/>
+              <a:t>正常测试图像</a:t>
+            </a:r>
+          </a:p>
+        </p:txBody>
+      </p:sp>
+      <p:sp>
+        <p:nvSpPr>
+          <p:cNvPr id="58" name="矩形: 圆角 57">
+            <a:extLst>
+              <a:ext uri="{FF2B5EF4-FFF2-40B4-BE49-F238E27FC236}">
+                <a16:creationId xmlns:a16="http://schemas.microsoft.com/office/drawing/2014/main" id="{031F8586-CC7D-7A3F-237C-66DC39B23477}"/>
+              </a:ext>
+            </a:extLst>
+          </p:cNvPr>
+          <p:cNvSpPr/>
+          <p:nvPr/>
+        </p:nvSpPr>
+        <p:spPr>
+          <a:xfrm>
+            <a:off x="1736901" y="4923516"/>
+            <a:ext cx="1031286" cy="403375"/>
+          </a:xfrm>
+          <a:prstGeom prst="roundRect">
+            <a:avLst>
+              <a:gd name="adj" fmla="val 50000"/>
+            </a:avLst>
+          </a:prstGeom>
+        </p:spPr>
+        <p:style>
+          <a:lnRef idx="2">
+            <a:schemeClr val="accent1">
+              <a:shade val="15000"/>
+            </a:schemeClr>
+          </a:lnRef>
+          <a:fillRef idx="1">
+            <a:schemeClr val="accent1"/>
+          </a:fillRef>
+          <a:effectRef idx="0">
+            <a:schemeClr val="accent1"/>
+          </a:effectRef>
+          <a:fontRef idx="minor">
+            <a:schemeClr val="lt1"/>
+          </a:fontRef>
+        </p:style>
+        <p:txBody>
+          <a:bodyPr rtlCol="0" anchor="ctr"/>
+          <a:lstStyle/>
+          <a:p>
+            <a:pPr algn="ctr"/>
+            <a:r>
+              <a:rPr lang="zh-CN" altLang="en-US" sz="1000" dirty="0"/>
+              <a:t>预训练特征提取器</a:t>
+            </a:r>
+          </a:p>
+        </p:txBody>
+      </p:sp>
+      <p:cxnSp>
+        <p:nvCxnSpPr>
+          <p:cNvPr id="59" name="连接符: 肘形 58">
+            <a:extLst>
+              <a:ext uri="{FF2B5EF4-FFF2-40B4-BE49-F238E27FC236}">
+                <a16:creationId xmlns:a16="http://schemas.microsoft.com/office/drawing/2014/main" id="{0612BD2E-0BD1-DCF4-4051-451AADC726FF}"/>
+              </a:ext>
+            </a:extLst>
+          </p:cNvPr>
+          <p:cNvCxnSpPr>
+            <a:stCxn id="57" idx="3"/>
+            <a:endCxn id="58" idx="1"/>
+          </p:cNvCxnSpPr>
+          <p:nvPr/>
+        </p:nvCxnSpPr>
+        <p:spPr>
+          <a:xfrm>
+            <a:off x="1436001" y="5125203"/>
+            <a:ext cx="300900" cy="1"/>
+          </a:xfrm>
+          <a:prstGeom prst="bentConnector3">
+            <a:avLst/>
+          </a:prstGeom>
+          <a:ln>
+            <a:tailEnd type="triangle"/>
+          </a:ln>
+        </p:spPr>
+        <p:style>
+          <a:lnRef idx="1">
+            <a:schemeClr val="accent1"/>
+          </a:lnRef>
+          <a:fillRef idx="0">
+            <a:schemeClr val="accent1"/>
+          </a:fillRef>
+          <a:effectRef idx="0">
+            <a:schemeClr val="accent1"/>
+          </a:effectRef>
+          <a:fontRef idx="minor">
+            <a:schemeClr val="tx1"/>
+          </a:fontRef>
+        </p:style>
+      </p:cxnSp>
+      <p:cxnSp>
+        <p:nvCxnSpPr>
+          <p:cNvPr id="60" name="直接箭头连接符 59">
+            <a:extLst>
+              <a:ext uri="{FF2B5EF4-FFF2-40B4-BE49-F238E27FC236}">
+                <a16:creationId xmlns:a16="http://schemas.microsoft.com/office/drawing/2014/main" id="{3BDB7D41-5928-5962-1472-6DA5ED515B5F}"/>
+              </a:ext>
+            </a:extLst>
+          </p:cNvPr>
+          <p:cNvCxnSpPr>
+            <a:cxnSpLocks/>
+            <a:stCxn id="58" idx="3"/>
+            <a:endCxn id="66" idx="1"/>
+          </p:cNvCxnSpPr>
+          <p:nvPr/>
+        </p:nvCxnSpPr>
+        <p:spPr>
+          <a:xfrm>
+            <a:off x="2768187" y="5125204"/>
+            <a:ext cx="338029" cy="0"/>
+          </a:xfrm>
+          <a:prstGeom prst="straightConnector1">
+            <a:avLst/>
+          </a:prstGeom>
+          <a:ln>
+            <a:tailEnd type="triangle"/>
+          </a:ln>
+        </p:spPr>
+        <p:style>
+          <a:lnRef idx="1">
+            <a:schemeClr val="accent1"/>
+          </a:lnRef>
+          <a:fillRef idx="0">
+            <a:schemeClr val="accent1"/>
+          </a:fillRef>
+          <a:effectRef idx="0">
+            <a:schemeClr val="accent1"/>
+          </a:effectRef>
+          <a:fontRef idx="minor">
+            <a:schemeClr val="tx1"/>
+          </a:fontRef>
+        </p:style>
+      </p:cxnSp>
+      <p:grpSp>
+        <p:nvGrpSpPr>
+          <p:cNvPr id="61" name="组合 60">
+            <a:extLst>
+              <a:ext uri="{FF2B5EF4-FFF2-40B4-BE49-F238E27FC236}">
+                <a16:creationId xmlns:a16="http://schemas.microsoft.com/office/drawing/2014/main" id="{C5589222-DC1C-7056-E9D4-24178ED4BA90}"/>
+              </a:ext>
+            </a:extLst>
+          </p:cNvPr>
+          <p:cNvGrpSpPr/>
+          <p:nvPr/>
+        </p:nvGrpSpPr>
+        <p:grpSpPr>
+          <a:xfrm>
+            <a:off x="3106216" y="4765202"/>
+            <a:ext cx="1138509" cy="720000"/>
+            <a:chOff x="4249837" y="1909791"/>
+            <a:chExt cx="1138509" cy="720000"/>
+          </a:xfrm>
+        </p:grpSpPr>
+        <p:sp>
+          <p:nvSpPr>
+            <p:cNvPr id="62" name="矩形 61">
+              <a:extLst>
+                <a:ext uri="{FF2B5EF4-FFF2-40B4-BE49-F238E27FC236}">
+                  <a16:creationId xmlns:a16="http://schemas.microsoft.com/office/drawing/2014/main" id="{18CBDF78-2C17-56FB-70B8-8B7DBFFC7CC2}"/>
+                </a:ext>
+              </a:extLst>
+            </p:cNvPr>
+            <p:cNvSpPr/>
+            <p:nvPr/>
+          </p:nvSpPr>
+          <p:spPr>
+            <a:xfrm>
+              <a:off x="4249837" y="1909793"/>
+              <a:ext cx="184467" cy="198239"/>
+            </a:xfrm>
+            <a:prstGeom prst="rect">
+              <a:avLst/>
+            </a:prstGeom>
+          </p:spPr>
+          <p:style>
+            <a:lnRef idx="2">
+              <a:schemeClr val="accent1">
+                <a:shade val="15000"/>
+              </a:schemeClr>
+            </a:lnRef>
+            <a:fillRef idx="1">
+              <a:schemeClr val="accent1"/>
+            </a:fillRef>
+            <a:effectRef idx="0">
+              <a:schemeClr val="accent1"/>
+            </a:effectRef>
+            <a:fontRef idx="minor">
+              <a:schemeClr val="lt1"/>
+            </a:fontRef>
+          </p:style>
+          <p:txBody>
+            <a:bodyPr rtlCol="0" anchor="ctr"/>
+            <a:lstStyle/>
+            <a:p>
+              <a:pPr algn="ctr"/>
+              <a:endParaRPr lang="zh-CN" altLang="en-US"/>
+            </a:p>
+          </p:txBody>
+        </p:sp>
+        <p:sp>
+          <p:nvSpPr>
+            <p:cNvPr id="63" name="矩形 62">
+              <a:extLst>
+                <a:ext uri="{FF2B5EF4-FFF2-40B4-BE49-F238E27FC236}">
+                  <a16:creationId xmlns:a16="http://schemas.microsoft.com/office/drawing/2014/main" id="{189054C0-CE3A-8962-5963-4F85E19E80FD}"/>
+                </a:ext>
+              </a:extLst>
+            </p:cNvPr>
+            <p:cNvSpPr/>
+            <p:nvPr/>
+          </p:nvSpPr>
+          <p:spPr>
+            <a:xfrm>
+              <a:off x="4488348" y="1909792"/>
+              <a:ext cx="184467" cy="198239"/>
+            </a:xfrm>
+            <a:prstGeom prst="rect">
+              <a:avLst/>
+            </a:prstGeom>
+          </p:spPr>
+          <p:style>
+            <a:lnRef idx="2">
+              <a:schemeClr val="accent1">
+                <a:shade val="15000"/>
+              </a:schemeClr>
+            </a:lnRef>
+            <a:fillRef idx="1">
+              <a:schemeClr val="accent1"/>
+            </a:fillRef>
+            <a:effectRef idx="0">
+              <a:schemeClr val="accent1"/>
+            </a:effectRef>
+            <a:fontRef idx="minor">
+              <a:schemeClr val="lt1"/>
+            </a:fontRef>
+          </p:style>
+          <p:txBody>
+            <a:bodyPr rtlCol="0" anchor="ctr"/>
+            <a:lstStyle/>
+            <a:p>
+              <a:pPr algn="ctr"/>
+              <a:endParaRPr lang="zh-CN" altLang="en-US"/>
+            </a:p>
+          </p:txBody>
+        </p:sp>
+        <p:sp>
+          <p:nvSpPr>
+            <p:cNvPr id="64" name="矩形 63">
+              <a:extLst>
+                <a:ext uri="{FF2B5EF4-FFF2-40B4-BE49-F238E27FC236}">
+                  <a16:creationId xmlns:a16="http://schemas.microsoft.com/office/drawing/2014/main" id="{5D2AA9AA-E6F9-FBED-72BF-2FCB4C821806}"/>
+                </a:ext>
+              </a:extLst>
+            </p:cNvPr>
+            <p:cNvSpPr/>
+            <p:nvPr/>
+          </p:nvSpPr>
+          <p:spPr>
+            <a:xfrm>
+              <a:off x="4726859" y="1909791"/>
+              <a:ext cx="184467" cy="198239"/>
+            </a:xfrm>
+            <a:prstGeom prst="rect">
+              <a:avLst/>
+            </a:prstGeom>
+          </p:spPr>
+          <p:style>
+            <a:lnRef idx="2">
+              <a:schemeClr val="accent1">
+                <a:shade val="15000"/>
+              </a:schemeClr>
+            </a:lnRef>
+            <a:fillRef idx="1">
+              <a:schemeClr val="accent1"/>
+            </a:fillRef>
+            <a:effectRef idx="0">
+              <a:schemeClr val="accent1"/>
+            </a:effectRef>
+            <a:fontRef idx="minor">
+              <a:schemeClr val="lt1"/>
+            </a:fontRef>
+          </p:style>
+          <p:txBody>
+            <a:bodyPr rtlCol="0" anchor="ctr"/>
+            <a:lstStyle/>
+            <a:p>
+              <a:pPr algn="ctr"/>
+              <a:endParaRPr lang="zh-CN" altLang="en-US"/>
+            </a:p>
+          </p:txBody>
+        </p:sp>
+        <p:sp>
+          <p:nvSpPr>
+            <p:cNvPr id="65" name="矩形 64">
+              <a:extLst>
+                <a:ext uri="{FF2B5EF4-FFF2-40B4-BE49-F238E27FC236}">
+                  <a16:creationId xmlns:a16="http://schemas.microsoft.com/office/drawing/2014/main" id="{464A480B-D748-888D-4F4F-B0D9BD471790}"/>
+                </a:ext>
+              </a:extLst>
+            </p:cNvPr>
+            <p:cNvSpPr/>
+            <p:nvPr/>
+          </p:nvSpPr>
+          <p:spPr>
+            <a:xfrm>
+              <a:off x="4965370" y="1909793"/>
+              <a:ext cx="184467" cy="198239"/>
+            </a:xfrm>
+            <a:prstGeom prst="rect">
+              <a:avLst/>
+            </a:prstGeom>
+          </p:spPr>
+          <p:style>
+            <a:lnRef idx="2">
+              <a:schemeClr val="accent1">
+                <a:shade val="15000"/>
+              </a:schemeClr>
+            </a:lnRef>
+            <a:fillRef idx="1">
+              <a:schemeClr val="accent1"/>
+            </a:fillRef>
+            <a:effectRef idx="0">
+              <a:schemeClr val="accent1"/>
+            </a:effectRef>
+            <a:fontRef idx="minor">
+              <a:schemeClr val="lt1"/>
+            </a:fontRef>
+          </p:style>
+          <p:txBody>
+            <a:bodyPr rtlCol="0" anchor="ctr"/>
+            <a:lstStyle/>
+            <a:p>
+              <a:pPr algn="ctr"/>
+              <a:endParaRPr lang="zh-CN" altLang="en-US"/>
+            </a:p>
+          </p:txBody>
+        </p:sp>
+        <p:sp>
+          <p:nvSpPr>
+            <p:cNvPr id="66" name="矩形 65">
+              <a:extLst>
+                <a:ext uri="{FF2B5EF4-FFF2-40B4-BE49-F238E27FC236}">
+                  <a16:creationId xmlns:a16="http://schemas.microsoft.com/office/drawing/2014/main" id="{DC1E72EB-3BE4-B468-1257-73D68DFFEB30}"/>
+                </a:ext>
+              </a:extLst>
+            </p:cNvPr>
+            <p:cNvSpPr/>
+            <p:nvPr/>
+          </p:nvSpPr>
+          <p:spPr>
+            <a:xfrm>
+              <a:off x="4249837" y="2170673"/>
+              <a:ext cx="184467" cy="198239"/>
+            </a:xfrm>
+            <a:prstGeom prst="rect">
+              <a:avLst/>
+            </a:prstGeom>
+          </p:spPr>
+          <p:style>
+            <a:lnRef idx="2">
+              <a:schemeClr val="accent1">
+                <a:shade val="15000"/>
+              </a:schemeClr>
+            </a:lnRef>
+            <a:fillRef idx="1">
+              <a:schemeClr val="accent1"/>
+            </a:fillRef>
+            <a:effectRef idx="0">
+              <a:schemeClr val="accent1"/>
+            </a:effectRef>
+            <a:fontRef idx="minor">
+              <a:schemeClr val="lt1"/>
+            </a:fontRef>
+          </p:style>
+          <p:txBody>
+            <a:bodyPr rtlCol="0" anchor="ctr"/>
+            <a:lstStyle/>
+            <a:p>
+              <a:pPr algn="ctr"/>
+              <a:endParaRPr lang="zh-CN" altLang="en-US"/>
+            </a:p>
+          </p:txBody>
+        </p:sp>
+        <p:sp>
+          <p:nvSpPr>
+            <p:cNvPr id="67" name="矩形 66">
+              <a:extLst>
+                <a:ext uri="{FF2B5EF4-FFF2-40B4-BE49-F238E27FC236}">
+                  <a16:creationId xmlns:a16="http://schemas.microsoft.com/office/drawing/2014/main" id="{B4156074-951E-0097-078F-575A6CE1C769}"/>
+                </a:ext>
+              </a:extLst>
+            </p:cNvPr>
+            <p:cNvSpPr/>
+            <p:nvPr/>
+          </p:nvSpPr>
+          <p:spPr>
+            <a:xfrm>
+              <a:off x="4488347" y="2170673"/>
+              <a:ext cx="184467" cy="198239"/>
+            </a:xfrm>
+            <a:prstGeom prst="rect">
+              <a:avLst/>
+            </a:prstGeom>
+          </p:spPr>
+          <p:style>
+            <a:lnRef idx="2">
+              <a:schemeClr val="accent1">
+                <a:shade val="15000"/>
+              </a:schemeClr>
+            </a:lnRef>
+            <a:fillRef idx="1">
+              <a:schemeClr val="accent1"/>
+            </a:fillRef>
+            <a:effectRef idx="0">
+              <a:schemeClr val="accent1"/>
+            </a:effectRef>
+            <a:fontRef idx="minor">
+              <a:schemeClr val="lt1"/>
+            </a:fontRef>
+          </p:style>
+          <p:txBody>
+            <a:bodyPr rtlCol="0" anchor="ctr"/>
+            <a:lstStyle/>
+            <a:p>
+              <a:pPr algn="ctr"/>
+              <a:endParaRPr lang="zh-CN" altLang="en-US"/>
+            </a:p>
+          </p:txBody>
+        </p:sp>
+        <p:sp>
+          <p:nvSpPr>
+            <p:cNvPr id="68" name="矩形 67">
+              <a:extLst>
+                <a:ext uri="{FF2B5EF4-FFF2-40B4-BE49-F238E27FC236}">
+                  <a16:creationId xmlns:a16="http://schemas.microsoft.com/office/drawing/2014/main" id="{89344154-8E3D-49E3-769F-02E23D36E8BD}"/>
+                </a:ext>
+              </a:extLst>
+            </p:cNvPr>
+            <p:cNvSpPr/>
+            <p:nvPr/>
+          </p:nvSpPr>
+          <p:spPr>
+            <a:xfrm>
+              <a:off x="4726858" y="2170672"/>
+              <a:ext cx="184467" cy="198239"/>
+            </a:xfrm>
+            <a:prstGeom prst="rect">
+              <a:avLst/>
+            </a:prstGeom>
+          </p:spPr>
+          <p:style>
+            <a:lnRef idx="2">
+              <a:schemeClr val="accent1">
+                <a:shade val="15000"/>
+              </a:schemeClr>
+            </a:lnRef>
+            <a:fillRef idx="1">
+              <a:schemeClr val="accent1"/>
+            </a:fillRef>
+            <a:effectRef idx="0">
+              <a:schemeClr val="accent1"/>
+            </a:effectRef>
+            <a:fontRef idx="minor">
+              <a:schemeClr val="lt1"/>
+            </a:fontRef>
+          </p:style>
+          <p:txBody>
+            <a:bodyPr rtlCol="0" anchor="ctr"/>
+            <a:lstStyle/>
+            <a:p>
+              <a:pPr algn="ctr"/>
+              <a:endParaRPr lang="zh-CN" altLang="en-US"/>
+            </a:p>
+          </p:txBody>
+        </p:sp>
+        <p:sp>
+          <p:nvSpPr>
+            <p:cNvPr id="69" name="矩形 68">
+              <a:extLst>
+                <a:ext uri="{FF2B5EF4-FFF2-40B4-BE49-F238E27FC236}">
+                  <a16:creationId xmlns:a16="http://schemas.microsoft.com/office/drawing/2014/main" id="{CB5B7100-12FF-F8F4-BBA7-830B02CE9695}"/>
+                </a:ext>
+              </a:extLst>
+            </p:cNvPr>
+            <p:cNvSpPr/>
+            <p:nvPr/>
+          </p:nvSpPr>
+          <p:spPr>
+            <a:xfrm>
+              <a:off x="4965369" y="2170674"/>
+              <a:ext cx="184467" cy="198239"/>
+            </a:xfrm>
+            <a:prstGeom prst="rect">
+              <a:avLst/>
+            </a:prstGeom>
+          </p:spPr>
+          <p:style>
+            <a:lnRef idx="2">
+              <a:schemeClr val="accent1">
+                <a:shade val="15000"/>
+              </a:schemeClr>
+            </a:lnRef>
+            <a:fillRef idx="1">
+              <a:schemeClr val="accent1"/>
+            </a:fillRef>
+            <a:effectRef idx="0">
+              <a:schemeClr val="accent1"/>
+            </a:effectRef>
+            <a:fontRef idx="minor">
+              <a:schemeClr val="lt1"/>
+            </a:fontRef>
+          </p:style>
+          <p:txBody>
+            <a:bodyPr rtlCol="0" anchor="ctr"/>
+            <a:lstStyle/>
+            <a:p>
+              <a:pPr algn="ctr"/>
+              <a:endParaRPr lang="zh-CN" altLang="en-US"/>
+            </a:p>
+          </p:txBody>
+        </p:sp>
+        <p:sp>
+          <p:nvSpPr>
+            <p:cNvPr id="70" name="矩形 69">
+              <a:extLst>
+                <a:ext uri="{FF2B5EF4-FFF2-40B4-BE49-F238E27FC236}">
+                  <a16:creationId xmlns:a16="http://schemas.microsoft.com/office/drawing/2014/main" id="{A1CD59A1-3233-679D-69D4-EC727972E6A5}"/>
+                </a:ext>
+              </a:extLst>
+            </p:cNvPr>
+            <p:cNvSpPr/>
+            <p:nvPr/>
+          </p:nvSpPr>
+          <p:spPr>
+            <a:xfrm>
+              <a:off x="4249837" y="2431552"/>
+              <a:ext cx="184467" cy="198239"/>
+            </a:xfrm>
+            <a:prstGeom prst="rect">
+              <a:avLst/>
+            </a:prstGeom>
+          </p:spPr>
+          <p:style>
+            <a:lnRef idx="2">
+              <a:schemeClr val="accent1">
+                <a:shade val="15000"/>
+              </a:schemeClr>
+            </a:lnRef>
+            <a:fillRef idx="1">
+              <a:schemeClr val="accent1"/>
+            </a:fillRef>
+            <a:effectRef idx="0">
+              <a:schemeClr val="accent1"/>
+            </a:effectRef>
+            <a:fontRef idx="minor">
+              <a:schemeClr val="lt1"/>
+            </a:fontRef>
+          </p:style>
+          <p:txBody>
+            <a:bodyPr rtlCol="0" anchor="ctr"/>
+            <a:lstStyle/>
+            <a:p>
+              <a:pPr algn="ctr"/>
+              <a:endParaRPr lang="zh-CN" altLang="en-US"/>
+            </a:p>
+          </p:txBody>
+        </p:sp>
+        <p:sp>
+          <p:nvSpPr>
+            <p:cNvPr id="71" name="矩形 70">
+              <a:extLst>
+                <a:ext uri="{FF2B5EF4-FFF2-40B4-BE49-F238E27FC236}">
+                  <a16:creationId xmlns:a16="http://schemas.microsoft.com/office/drawing/2014/main" id="{3B462B87-06D6-3D0C-56FA-567FA162D37C}"/>
+                </a:ext>
+              </a:extLst>
+            </p:cNvPr>
+            <p:cNvSpPr/>
+            <p:nvPr/>
+          </p:nvSpPr>
+          <p:spPr>
+            <a:xfrm>
+              <a:off x="4488348" y="2431550"/>
+              <a:ext cx="184467" cy="198239"/>
+            </a:xfrm>
+            <a:prstGeom prst="rect">
+              <a:avLst/>
+            </a:prstGeom>
+          </p:spPr>
+          <p:style>
+            <a:lnRef idx="2">
+              <a:schemeClr val="accent1">
+                <a:shade val="15000"/>
+              </a:schemeClr>
+            </a:lnRef>
+            <a:fillRef idx="1">
+              <a:schemeClr val="accent1"/>
+            </a:fillRef>
+            <a:effectRef idx="0">
+              <a:schemeClr val="accent1"/>
+            </a:effectRef>
+            <a:fontRef idx="minor">
+              <a:schemeClr val="lt1"/>
+            </a:fontRef>
+          </p:style>
+          <p:txBody>
+            <a:bodyPr rtlCol="0" anchor="ctr"/>
+            <a:lstStyle/>
+            <a:p>
+              <a:pPr algn="ctr"/>
+              <a:endParaRPr lang="zh-CN" altLang="en-US"/>
+            </a:p>
+          </p:txBody>
+        </p:sp>
+        <p:sp>
+          <p:nvSpPr>
+            <p:cNvPr id="72" name="矩形 71">
+              <a:extLst>
+                <a:ext uri="{FF2B5EF4-FFF2-40B4-BE49-F238E27FC236}">
+                  <a16:creationId xmlns:a16="http://schemas.microsoft.com/office/drawing/2014/main" id="{5E6924D3-4E71-6C94-616D-F90266CA041C}"/>
+                </a:ext>
+              </a:extLst>
+            </p:cNvPr>
+            <p:cNvSpPr/>
+            <p:nvPr/>
+          </p:nvSpPr>
+          <p:spPr>
+            <a:xfrm>
+              <a:off x="4726859" y="2431549"/>
+              <a:ext cx="184467" cy="198239"/>
+            </a:xfrm>
+            <a:prstGeom prst="rect">
+              <a:avLst/>
+            </a:prstGeom>
+          </p:spPr>
+          <p:style>
+            <a:lnRef idx="2">
+              <a:schemeClr val="accent1">
+                <a:shade val="15000"/>
+              </a:schemeClr>
+            </a:lnRef>
+            <a:fillRef idx="1">
+              <a:schemeClr val="accent1"/>
+            </a:fillRef>
+            <a:effectRef idx="0">
+              <a:schemeClr val="accent1"/>
+            </a:effectRef>
+            <a:fontRef idx="minor">
+              <a:schemeClr val="lt1"/>
+            </a:fontRef>
+          </p:style>
+          <p:txBody>
+            <a:bodyPr rtlCol="0" anchor="ctr"/>
+            <a:lstStyle/>
+            <a:p>
+              <a:pPr algn="ctr"/>
+              <a:endParaRPr lang="zh-CN" altLang="en-US"/>
+            </a:p>
+          </p:txBody>
+        </p:sp>
+        <p:sp>
+          <p:nvSpPr>
+            <p:cNvPr id="73" name="矩形 72">
+              <a:extLst>
+                <a:ext uri="{FF2B5EF4-FFF2-40B4-BE49-F238E27FC236}">
+                  <a16:creationId xmlns:a16="http://schemas.microsoft.com/office/drawing/2014/main" id="{7BB2B05C-1270-0B16-88BA-6659A908FE17}"/>
+                </a:ext>
+              </a:extLst>
+            </p:cNvPr>
+            <p:cNvSpPr/>
+            <p:nvPr/>
+          </p:nvSpPr>
+          <p:spPr>
+            <a:xfrm>
+              <a:off x="4965370" y="2431552"/>
+              <a:ext cx="184467" cy="198239"/>
+            </a:xfrm>
+            <a:prstGeom prst="rect">
+              <a:avLst/>
+            </a:prstGeom>
+          </p:spPr>
+          <p:style>
+            <a:lnRef idx="2">
+              <a:schemeClr val="accent1">
+                <a:shade val="15000"/>
+              </a:schemeClr>
+            </a:lnRef>
+            <a:fillRef idx="1">
+              <a:schemeClr val="accent1"/>
+            </a:fillRef>
+            <a:effectRef idx="0">
+              <a:schemeClr val="accent1"/>
+            </a:effectRef>
+            <a:fontRef idx="minor">
+              <a:schemeClr val="lt1"/>
+            </a:fontRef>
+          </p:style>
+          <p:txBody>
+            <a:bodyPr rtlCol="0" anchor="ctr"/>
+            <a:lstStyle/>
+            <a:p>
+              <a:pPr algn="ctr"/>
+              <a:endParaRPr lang="zh-CN" altLang="en-US"/>
+            </a:p>
+          </p:txBody>
+        </p:sp>
+        <p:sp>
+          <p:nvSpPr>
+            <p:cNvPr id="74" name="矩形 73">
+              <a:extLst>
+                <a:ext uri="{FF2B5EF4-FFF2-40B4-BE49-F238E27FC236}">
+                  <a16:creationId xmlns:a16="http://schemas.microsoft.com/office/drawing/2014/main" id="{98E9ED05-92A7-F478-7971-0AAD184FAD3D}"/>
+                </a:ext>
+              </a:extLst>
+            </p:cNvPr>
+            <p:cNvSpPr/>
+            <p:nvPr/>
+          </p:nvSpPr>
+          <p:spPr>
+            <a:xfrm>
+              <a:off x="5203879" y="1909791"/>
+              <a:ext cx="184467" cy="198239"/>
+            </a:xfrm>
+            <a:prstGeom prst="rect">
+              <a:avLst/>
+            </a:prstGeom>
+          </p:spPr>
+          <p:style>
+            <a:lnRef idx="2">
+              <a:schemeClr val="accent1">
+                <a:shade val="15000"/>
+              </a:schemeClr>
+            </a:lnRef>
+            <a:fillRef idx="1">
+              <a:schemeClr val="accent1"/>
+            </a:fillRef>
+            <a:effectRef idx="0">
+              <a:schemeClr val="accent1"/>
+            </a:effectRef>
+            <a:fontRef idx="minor">
+              <a:schemeClr val="lt1"/>
+            </a:fontRef>
+          </p:style>
+          <p:txBody>
+            <a:bodyPr rtlCol="0" anchor="ctr"/>
+            <a:lstStyle/>
+            <a:p>
+              <a:pPr algn="ctr"/>
+              <a:endParaRPr lang="zh-CN" altLang="en-US"/>
+            </a:p>
+          </p:txBody>
+        </p:sp>
+        <p:sp>
+          <p:nvSpPr>
+            <p:cNvPr id="75" name="矩形 74">
+              <a:extLst>
+                <a:ext uri="{FF2B5EF4-FFF2-40B4-BE49-F238E27FC236}">
+                  <a16:creationId xmlns:a16="http://schemas.microsoft.com/office/drawing/2014/main" id="{35100EBA-BD11-2098-470A-AA5D9A13352A}"/>
+                </a:ext>
+              </a:extLst>
+            </p:cNvPr>
+            <p:cNvSpPr/>
+            <p:nvPr/>
+          </p:nvSpPr>
+          <p:spPr>
+            <a:xfrm>
+              <a:off x="5203878" y="2170672"/>
+              <a:ext cx="184467" cy="198239"/>
+            </a:xfrm>
+            <a:prstGeom prst="rect">
+              <a:avLst/>
+            </a:prstGeom>
+          </p:spPr>
+          <p:style>
+            <a:lnRef idx="2">
+              <a:schemeClr val="accent1">
+                <a:shade val="15000"/>
+              </a:schemeClr>
+            </a:lnRef>
+            <a:fillRef idx="1">
+              <a:schemeClr val="accent1"/>
+            </a:fillRef>
+            <a:effectRef idx="0">
+              <a:schemeClr val="accent1"/>
+            </a:effectRef>
+            <a:fontRef idx="minor">
+              <a:schemeClr val="lt1"/>
+            </a:fontRef>
+          </p:style>
+          <p:txBody>
+            <a:bodyPr rtlCol="0" anchor="ctr"/>
+            <a:lstStyle/>
+            <a:p>
+              <a:pPr algn="ctr"/>
+              <a:endParaRPr lang="zh-CN" altLang="en-US"/>
+            </a:p>
+          </p:txBody>
+        </p:sp>
+        <p:sp>
+          <p:nvSpPr>
+            <p:cNvPr id="76" name="矩形 75">
+              <a:extLst>
+                <a:ext uri="{FF2B5EF4-FFF2-40B4-BE49-F238E27FC236}">
+                  <a16:creationId xmlns:a16="http://schemas.microsoft.com/office/drawing/2014/main" id="{0CE677E6-5EAC-35DA-D700-97C99F10004A}"/>
+                </a:ext>
+              </a:extLst>
+            </p:cNvPr>
+            <p:cNvSpPr/>
+            <p:nvPr/>
+          </p:nvSpPr>
+          <p:spPr>
+            <a:xfrm>
+              <a:off x="5203879" y="2431550"/>
+              <a:ext cx="184467" cy="198239"/>
+            </a:xfrm>
+            <a:prstGeom prst="rect">
+              <a:avLst/>
+            </a:prstGeom>
+          </p:spPr>
+          <p:style>
+            <a:lnRef idx="2">
+              <a:schemeClr val="accent1">
+                <a:shade val="15000"/>
+              </a:schemeClr>
+            </a:lnRef>
+            <a:fillRef idx="1">
+              <a:schemeClr val="accent1"/>
+            </a:fillRef>
+            <a:effectRef idx="0">
+              <a:schemeClr val="accent1"/>
+            </a:effectRef>
+            <a:fontRef idx="minor">
+              <a:schemeClr val="lt1"/>
+            </a:fontRef>
+          </p:style>
+          <p:txBody>
+            <a:bodyPr rtlCol="0" anchor="ctr"/>
+            <a:lstStyle/>
+            <a:p>
+              <a:pPr algn="ctr"/>
+              <a:endParaRPr lang="zh-CN" altLang="en-US"/>
+            </a:p>
+          </p:txBody>
+        </p:sp>
+      </p:grpSp>
+      <p:sp>
+        <p:nvSpPr>
+          <p:cNvPr id="77" name="矩形 76">
+            <a:extLst>
+              <a:ext uri="{FF2B5EF4-FFF2-40B4-BE49-F238E27FC236}">
+                <a16:creationId xmlns:a16="http://schemas.microsoft.com/office/drawing/2014/main" id="{6FB7D2C1-B934-791F-D020-96F84C5802A0}"/>
+              </a:ext>
+            </a:extLst>
+          </p:cNvPr>
+          <p:cNvSpPr/>
+          <p:nvPr/>
+        </p:nvSpPr>
+        <p:spPr>
+          <a:xfrm>
+            <a:off x="4696905" y="4765201"/>
+            <a:ext cx="1218036" cy="719997"/>
+          </a:xfrm>
+          <a:prstGeom prst="rect">
+            <a:avLst/>
+          </a:prstGeom>
+        </p:spPr>
+        <p:style>
+          <a:lnRef idx="2">
+            <a:schemeClr val="accent1">
+              <a:shade val="15000"/>
+            </a:schemeClr>
+          </a:lnRef>
+          <a:fillRef idx="1">
+            <a:schemeClr val="accent1"/>
+          </a:fillRef>
+          <a:effectRef idx="0">
+            <a:schemeClr val="accent1"/>
+          </a:effectRef>
+          <a:fontRef idx="minor">
+            <a:schemeClr val="lt1"/>
+          </a:fontRef>
+        </p:style>
+        <p:txBody>
+          <a:bodyPr rtlCol="0" anchor="ctr"/>
+          <a:lstStyle/>
+          <a:p>
+            <a:pPr algn="ctr"/>
+            <a:r>
+              <a:rPr lang="zh-CN" altLang="en-US" dirty="0"/>
+              <a:t>分类模块</a:t>
+            </a:r>
+            <a:br>
+              <a:rPr lang="en-US" altLang="zh-CN" dirty="0"/>
+            </a:br>
+            <a:r>
+              <a:rPr lang="zh-CN" altLang="en-US" dirty="0"/>
+              <a:t>标签为</a:t>
+            </a:r>
+            <a:r>
+              <a:rPr lang="en-US" altLang="zh-CN" dirty="0"/>
+              <a:t>1</a:t>
+            </a:r>
+            <a:endParaRPr lang="zh-CN" altLang="en-US" dirty="0"/>
+          </a:p>
+        </p:txBody>
+      </p:sp>
+      <p:cxnSp>
+        <p:nvCxnSpPr>
+          <p:cNvPr id="78" name="连接符: 肘形 77">
+            <a:extLst>
+              <a:ext uri="{FF2B5EF4-FFF2-40B4-BE49-F238E27FC236}">
+                <a16:creationId xmlns:a16="http://schemas.microsoft.com/office/drawing/2014/main" id="{3A8635A0-DE00-A310-5D8F-80D9710E255C}"/>
+              </a:ext>
+            </a:extLst>
+          </p:cNvPr>
+          <p:cNvCxnSpPr>
+            <a:cxnSpLocks/>
+            <a:stCxn id="75" idx="3"/>
+            <a:endCxn id="77" idx="1"/>
+          </p:cNvCxnSpPr>
+          <p:nvPr/>
+        </p:nvCxnSpPr>
+        <p:spPr>
+          <a:xfrm flipV="1">
+            <a:off x="4244724" y="5125200"/>
+            <a:ext cx="452181" cy="3"/>
+          </a:xfrm>
+          <a:prstGeom prst="bentConnector3">
+            <a:avLst>
+              <a:gd name="adj1" fmla="val 50000"/>
+            </a:avLst>
+          </a:prstGeom>
+          <a:ln>
+            <a:tailEnd type="triangle"/>
+          </a:ln>
+        </p:spPr>
+        <p:style>
+          <a:lnRef idx="1">
+            <a:schemeClr val="accent1"/>
+          </a:lnRef>
+          <a:fillRef idx="0">
+            <a:schemeClr val="accent1"/>
+          </a:fillRef>
+          <a:effectRef idx="0">
+            <a:schemeClr val="accent1"/>
+          </a:effectRef>
+          <a:fontRef idx="minor">
+            <a:schemeClr val="tx1"/>
+          </a:fontRef>
+        </p:style>
+      </p:cxnSp>
+      <p:sp>
+        <p:nvSpPr>
+          <p:cNvPr id="79" name="矩形 78">
+            <a:extLst>
+              <a:ext uri="{FF2B5EF4-FFF2-40B4-BE49-F238E27FC236}">
+                <a16:creationId xmlns:a16="http://schemas.microsoft.com/office/drawing/2014/main" id="{92C14C51-33A4-7AC0-7D61-C9D19CD12882}"/>
+              </a:ext>
+            </a:extLst>
+          </p:cNvPr>
+          <p:cNvSpPr/>
+          <p:nvPr/>
+        </p:nvSpPr>
+        <p:spPr>
+          <a:xfrm>
+            <a:off x="129716" y="5794556"/>
+            <a:ext cx="1306285" cy="870857"/>
+          </a:xfrm>
+          <a:prstGeom prst="rect">
+            <a:avLst/>
+          </a:prstGeom>
+        </p:spPr>
+        <p:style>
+          <a:lnRef idx="2">
+            <a:schemeClr val="accent1">
+              <a:shade val="15000"/>
+            </a:schemeClr>
+          </a:lnRef>
+          <a:fillRef idx="1">
+            <a:schemeClr val="accent1"/>
+          </a:fillRef>
+          <a:effectRef idx="0">
+            <a:schemeClr val="accent1"/>
+          </a:effectRef>
+          <a:fontRef idx="minor">
+            <a:schemeClr val="lt1"/>
+          </a:fontRef>
+        </p:style>
+        <p:txBody>
+          <a:bodyPr rtlCol="0" anchor="ctr"/>
+          <a:lstStyle/>
+          <a:p>
+            <a:pPr algn="ctr"/>
+            <a:r>
+              <a:rPr lang="zh-CN" altLang="en-US" dirty="0"/>
+              <a:t>异常测试图像</a:t>
+            </a:r>
+          </a:p>
+        </p:txBody>
+      </p:sp>
+      <p:sp>
+        <p:nvSpPr>
+          <p:cNvPr id="80" name="矩形: 圆角 79">
+            <a:extLst>
+              <a:ext uri="{FF2B5EF4-FFF2-40B4-BE49-F238E27FC236}">
+                <a16:creationId xmlns:a16="http://schemas.microsoft.com/office/drawing/2014/main" id="{1508FE32-C43D-3BD9-33CE-939D8C045FBE}"/>
+              </a:ext>
+            </a:extLst>
+          </p:cNvPr>
+          <p:cNvSpPr/>
+          <p:nvPr/>
+        </p:nvSpPr>
+        <p:spPr>
+          <a:xfrm>
+            <a:off x="1736901" y="6028298"/>
+            <a:ext cx="1031286" cy="403375"/>
+          </a:xfrm>
+          <a:prstGeom prst="roundRect">
+            <a:avLst>
+              <a:gd name="adj" fmla="val 50000"/>
+            </a:avLst>
+          </a:prstGeom>
+        </p:spPr>
+        <p:style>
+          <a:lnRef idx="2">
+            <a:schemeClr val="accent1">
+              <a:shade val="15000"/>
+            </a:schemeClr>
+          </a:lnRef>
+          <a:fillRef idx="1">
+            <a:schemeClr val="accent1"/>
+          </a:fillRef>
+          <a:effectRef idx="0">
+            <a:schemeClr val="accent1"/>
+          </a:effectRef>
+          <a:fontRef idx="minor">
+            <a:schemeClr val="lt1"/>
+          </a:fontRef>
+        </p:style>
+        <p:txBody>
+          <a:bodyPr rtlCol="0" anchor="ctr"/>
+          <a:lstStyle/>
+          <a:p>
+            <a:pPr algn="ctr"/>
+            <a:r>
+              <a:rPr lang="zh-CN" altLang="en-US" sz="1000" dirty="0"/>
+              <a:t>预训练特征提取器</a:t>
+            </a:r>
+          </a:p>
+        </p:txBody>
+      </p:sp>
+      <p:cxnSp>
+        <p:nvCxnSpPr>
+          <p:cNvPr id="81" name="连接符: 肘形 80">
+            <a:extLst>
+              <a:ext uri="{FF2B5EF4-FFF2-40B4-BE49-F238E27FC236}">
+                <a16:creationId xmlns:a16="http://schemas.microsoft.com/office/drawing/2014/main" id="{F3C30DA7-B090-8B8E-A712-A5CF05754E18}"/>
+              </a:ext>
+            </a:extLst>
+          </p:cNvPr>
+          <p:cNvCxnSpPr>
+            <a:stCxn id="79" idx="3"/>
+            <a:endCxn id="80" idx="1"/>
+          </p:cNvCxnSpPr>
+          <p:nvPr/>
+        </p:nvCxnSpPr>
+        <p:spPr>
+          <a:xfrm>
+            <a:off x="1436001" y="6229985"/>
+            <a:ext cx="300900" cy="1"/>
+          </a:xfrm>
+          <a:prstGeom prst="bentConnector3">
+            <a:avLst/>
+          </a:prstGeom>
+          <a:ln>
+            <a:tailEnd type="triangle"/>
+          </a:ln>
+        </p:spPr>
+        <p:style>
+          <a:lnRef idx="1">
+            <a:schemeClr val="accent1"/>
+          </a:lnRef>
+          <a:fillRef idx="0">
+            <a:schemeClr val="accent1"/>
+          </a:fillRef>
+          <a:effectRef idx="0">
+            <a:schemeClr val="accent1"/>
+          </a:effectRef>
+          <a:fontRef idx="minor">
+            <a:schemeClr val="tx1"/>
+          </a:fontRef>
+        </p:style>
+      </p:cxnSp>
+      <p:cxnSp>
+        <p:nvCxnSpPr>
+          <p:cNvPr id="82" name="直接箭头连接符 81">
+            <a:extLst>
+              <a:ext uri="{FF2B5EF4-FFF2-40B4-BE49-F238E27FC236}">
+                <a16:creationId xmlns:a16="http://schemas.microsoft.com/office/drawing/2014/main" id="{4138105A-9B69-72AA-276B-A4F92A087D62}"/>
+              </a:ext>
+            </a:extLst>
+          </p:cNvPr>
+          <p:cNvCxnSpPr>
+            <a:cxnSpLocks/>
+            <a:stCxn id="80" idx="3"/>
+            <a:endCxn id="88" idx="1"/>
+          </p:cNvCxnSpPr>
+          <p:nvPr/>
+        </p:nvCxnSpPr>
+        <p:spPr>
+          <a:xfrm>
+            <a:off x="2768187" y="6229986"/>
+            <a:ext cx="338029" cy="0"/>
+          </a:xfrm>
+          <a:prstGeom prst="straightConnector1">
+            <a:avLst/>
+          </a:prstGeom>
+          <a:ln>
+            <a:tailEnd type="triangle"/>
+          </a:ln>
+        </p:spPr>
+        <p:style>
+          <a:lnRef idx="1">
+            <a:schemeClr val="accent1"/>
+          </a:lnRef>
+          <a:fillRef idx="0">
+            <a:schemeClr val="accent1"/>
+          </a:fillRef>
+          <a:effectRef idx="0">
+            <a:schemeClr val="accent1"/>
+          </a:effectRef>
+          <a:fontRef idx="minor">
+            <a:schemeClr val="tx1"/>
+          </a:fontRef>
+        </p:style>
+      </p:cxnSp>
+      <p:grpSp>
+        <p:nvGrpSpPr>
+          <p:cNvPr id="83" name="组合 82">
+            <a:extLst>
+              <a:ext uri="{FF2B5EF4-FFF2-40B4-BE49-F238E27FC236}">
+                <a16:creationId xmlns:a16="http://schemas.microsoft.com/office/drawing/2014/main" id="{69927646-93BF-CD9F-7CB0-5562FB16F0B5}"/>
+              </a:ext>
+            </a:extLst>
+          </p:cNvPr>
+          <p:cNvGrpSpPr/>
+          <p:nvPr/>
+        </p:nvGrpSpPr>
+        <p:grpSpPr>
+          <a:xfrm>
+            <a:off x="3106216" y="5869984"/>
+            <a:ext cx="1138509" cy="720000"/>
+            <a:chOff x="4249837" y="1909791"/>
+            <a:chExt cx="1138509" cy="720000"/>
+          </a:xfrm>
+        </p:grpSpPr>
+        <p:sp>
+          <p:nvSpPr>
+            <p:cNvPr id="84" name="矩形 83">
+              <a:extLst>
+                <a:ext uri="{FF2B5EF4-FFF2-40B4-BE49-F238E27FC236}">
+                  <a16:creationId xmlns:a16="http://schemas.microsoft.com/office/drawing/2014/main" id="{5D3DCEA9-837C-BA6D-26A3-1D6DB8EDD761}"/>
+                </a:ext>
+              </a:extLst>
+            </p:cNvPr>
+            <p:cNvSpPr/>
+            <p:nvPr/>
+          </p:nvSpPr>
+          <p:spPr>
+            <a:xfrm>
+              <a:off x="4249837" y="1909793"/>
+              <a:ext cx="184467" cy="198239"/>
+            </a:xfrm>
+            <a:prstGeom prst="rect">
+              <a:avLst/>
+            </a:prstGeom>
+          </p:spPr>
+          <p:style>
+            <a:lnRef idx="2">
+              <a:schemeClr val="accent1">
+                <a:shade val="15000"/>
+              </a:schemeClr>
+            </a:lnRef>
+            <a:fillRef idx="1">
+              <a:schemeClr val="accent1"/>
+            </a:fillRef>
+            <a:effectRef idx="0">
+              <a:schemeClr val="accent1"/>
+            </a:effectRef>
+            <a:fontRef idx="minor">
+              <a:schemeClr val="lt1"/>
+            </a:fontRef>
+          </p:style>
+          <p:txBody>
+            <a:bodyPr rtlCol="0" anchor="ctr"/>
+            <a:lstStyle/>
+            <a:p>
+              <a:pPr algn="ctr"/>
+              <a:endParaRPr lang="zh-CN" altLang="en-US"/>
+            </a:p>
+          </p:txBody>
+        </p:sp>
+        <p:sp>
+          <p:nvSpPr>
+            <p:cNvPr id="85" name="矩形 84">
+              <a:extLst>
+                <a:ext uri="{FF2B5EF4-FFF2-40B4-BE49-F238E27FC236}">
+                  <a16:creationId xmlns:a16="http://schemas.microsoft.com/office/drawing/2014/main" id="{0FA6A4C8-6223-E4FD-4759-4ABC2142A968}"/>
+                </a:ext>
+              </a:extLst>
+            </p:cNvPr>
+            <p:cNvSpPr/>
+            <p:nvPr/>
+          </p:nvSpPr>
+          <p:spPr>
+            <a:xfrm>
+              <a:off x="4488348" y="1909792"/>
+              <a:ext cx="184467" cy="198239"/>
+            </a:xfrm>
+            <a:prstGeom prst="rect">
+              <a:avLst/>
+            </a:prstGeom>
+          </p:spPr>
+          <p:style>
+            <a:lnRef idx="2">
+              <a:schemeClr val="accent1">
+                <a:shade val="15000"/>
+              </a:schemeClr>
+            </a:lnRef>
+            <a:fillRef idx="1">
+              <a:schemeClr val="accent1"/>
+            </a:fillRef>
+            <a:effectRef idx="0">
+              <a:schemeClr val="accent1"/>
+            </a:effectRef>
+            <a:fontRef idx="minor">
+              <a:schemeClr val="lt1"/>
+            </a:fontRef>
+          </p:style>
+          <p:txBody>
+            <a:bodyPr rtlCol="0" anchor="ctr"/>
+            <a:lstStyle/>
+            <a:p>
+              <a:pPr algn="ctr"/>
+              <a:endParaRPr lang="zh-CN" altLang="en-US"/>
+            </a:p>
+          </p:txBody>
+        </p:sp>
+        <p:sp>
+          <p:nvSpPr>
+            <p:cNvPr id="86" name="矩形 85">
+              <a:extLst>
+                <a:ext uri="{FF2B5EF4-FFF2-40B4-BE49-F238E27FC236}">
+                  <a16:creationId xmlns:a16="http://schemas.microsoft.com/office/drawing/2014/main" id="{70A71411-CC2A-E454-5781-D84C16FDD9E7}"/>
+                </a:ext>
+              </a:extLst>
+            </p:cNvPr>
+            <p:cNvSpPr/>
+            <p:nvPr/>
+          </p:nvSpPr>
+          <p:spPr>
+            <a:xfrm>
+              <a:off x="4726859" y="1909791"/>
+              <a:ext cx="184467" cy="198239"/>
+            </a:xfrm>
+            <a:prstGeom prst="rect">
+              <a:avLst/>
+            </a:prstGeom>
+          </p:spPr>
+          <p:style>
+            <a:lnRef idx="2">
+              <a:schemeClr val="accent1">
+                <a:shade val="15000"/>
+              </a:schemeClr>
+            </a:lnRef>
+            <a:fillRef idx="1">
+              <a:schemeClr val="accent1"/>
+            </a:fillRef>
+            <a:effectRef idx="0">
+              <a:schemeClr val="accent1"/>
+            </a:effectRef>
+            <a:fontRef idx="minor">
+              <a:schemeClr val="lt1"/>
+            </a:fontRef>
+          </p:style>
+          <p:txBody>
+            <a:bodyPr rtlCol="0" anchor="ctr"/>
+            <a:lstStyle/>
+            <a:p>
+              <a:pPr algn="ctr"/>
+              <a:endParaRPr lang="zh-CN" altLang="en-US"/>
+            </a:p>
+          </p:txBody>
+        </p:sp>
+        <p:sp>
+          <p:nvSpPr>
+            <p:cNvPr id="87" name="矩形 86">
+              <a:extLst>
+                <a:ext uri="{FF2B5EF4-FFF2-40B4-BE49-F238E27FC236}">
+                  <a16:creationId xmlns:a16="http://schemas.microsoft.com/office/drawing/2014/main" id="{D7B503C4-A56E-80C0-1E7C-5A75BF280016}"/>
+                </a:ext>
+              </a:extLst>
+            </p:cNvPr>
+            <p:cNvSpPr/>
+            <p:nvPr/>
+          </p:nvSpPr>
+          <p:spPr>
+            <a:xfrm>
+              <a:off x="4965370" y="1909793"/>
+              <a:ext cx="184467" cy="198239"/>
+            </a:xfrm>
+            <a:prstGeom prst="rect">
+              <a:avLst/>
+            </a:prstGeom>
+          </p:spPr>
+          <p:style>
+            <a:lnRef idx="2">
+              <a:schemeClr val="accent1">
+                <a:shade val="15000"/>
+              </a:schemeClr>
+            </a:lnRef>
+            <a:fillRef idx="1">
+              <a:schemeClr val="accent1"/>
+            </a:fillRef>
+            <a:effectRef idx="0">
+              <a:schemeClr val="accent1"/>
+            </a:effectRef>
+            <a:fontRef idx="minor">
+              <a:schemeClr val="lt1"/>
+            </a:fontRef>
+          </p:style>
+          <p:txBody>
+            <a:bodyPr rtlCol="0" anchor="ctr"/>
+            <a:lstStyle/>
+            <a:p>
+              <a:pPr algn="ctr"/>
+              <a:endParaRPr lang="zh-CN" altLang="en-US"/>
+            </a:p>
+          </p:txBody>
+        </p:sp>
+        <p:sp>
+          <p:nvSpPr>
+            <p:cNvPr id="88" name="矩形 87">
+              <a:extLst>
+                <a:ext uri="{FF2B5EF4-FFF2-40B4-BE49-F238E27FC236}">
+                  <a16:creationId xmlns:a16="http://schemas.microsoft.com/office/drawing/2014/main" id="{6E04E497-C340-321E-0744-A1F7C9AFC955}"/>
+                </a:ext>
+              </a:extLst>
+            </p:cNvPr>
+            <p:cNvSpPr/>
+            <p:nvPr/>
+          </p:nvSpPr>
+          <p:spPr>
+            <a:xfrm>
+              <a:off x="4249837" y="2170673"/>
+              <a:ext cx="184467" cy="198239"/>
+            </a:xfrm>
+            <a:prstGeom prst="rect">
+              <a:avLst/>
+            </a:prstGeom>
+          </p:spPr>
+          <p:style>
+            <a:lnRef idx="2">
+              <a:schemeClr val="accent1">
+                <a:shade val="15000"/>
+              </a:schemeClr>
+            </a:lnRef>
+            <a:fillRef idx="1">
+              <a:schemeClr val="accent1"/>
+            </a:fillRef>
+            <a:effectRef idx="0">
+              <a:schemeClr val="accent1"/>
+            </a:effectRef>
+            <a:fontRef idx="minor">
+              <a:schemeClr val="lt1"/>
+            </a:fontRef>
+          </p:style>
+          <p:txBody>
+            <a:bodyPr rtlCol="0" anchor="ctr"/>
+            <a:lstStyle/>
+            <a:p>
+              <a:pPr algn="ctr"/>
+              <a:endParaRPr lang="zh-CN" altLang="en-US"/>
+            </a:p>
+          </p:txBody>
+        </p:sp>
+        <p:sp>
+          <p:nvSpPr>
+            <p:cNvPr id="89" name="矩形 88">
+              <a:extLst>
+                <a:ext uri="{FF2B5EF4-FFF2-40B4-BE49-F238E27FC236}">
+                  <a16:creationId xmlns:a16="http://schemas.microsoft.com/office/drawing/2014/main" id="{BE4BA99E-92CB-8267-508C-71921453B20D}"/>
+                </a:ext>
+              </a:extLst>
+            </p:cNvPr>
+            <p:cNvSpPr/>
+            <p:nvPr/>
+          </p:nvSpPr>
+          <p:spPr>
+            <a:xfrm>
+              <a:off x="4488347" y="2170673"/>
+              <a:ext cx="184467" cy="198239"/>
+            </a:xfrm>
+            <a:prstGeom prst="rect">
+              <a:avLst/>
+            </a:prstGeom>
+          </p:spPr>
+          <p:style>
+            <a:lnRef idx="2">
+              <a:schemeClr val="accent1">
+                <a:shade val="15000"/>
+              </a:schemeClr>
+            </a:lnRef>
+            <a:fillRef idx="1">
+              <a:schemeClr val="accent1"/>
+            </a:fillRef>
+            <a:effectRef idx="0">
+              <a:schemeClr val="accent1"/>
+            </a:effectRef>
+            <a:fontRef idx="minor">
+              <a:schemeClr val="lt1"/>
+            </a:fontRef>
+          </p:style>
+          <p:txBody>
+            <a:bodyPr rtlCol="0" anchor="ctr"/>
+            <a:lstStyle/>
+            <a:p>
+              <a:pPr algn="ctr"/>
+              <a:endParaRPr lang="zh-CN" altLang="en-US"/>
+            </a:p>
+          </p:txBody>
+        </p:sp>
+        <p:sp>
+          <p:nvSpPr>
+            <p:cNvPr id="90" name="矩形 89">
+              <a:extLst>
+                <a:ext uri="{FF2B5EF4-FFF2-40B4-BE49-F238E27FC236}">
+                  <a16:creationId xmlns:a16="http://schemas.microsoft.com/office/drawing/2014/main" id="{ABA08A0C-699F-1E67-13BA-5A4342D38DEE}"/>
+                </a:ext>
+              </a:extLst>
+            </p:cNvPr>
+            <p:cNvSpPr/>
+            <p:nvPr/>
+          </p:nvSpPr>
+          <p:spPr>
+            <a:xfrm>
+              <a:off x="4726858" y="2170672"/>
+              <a:ext cx="184467" cy="198239"/>
+            </a:xfrm>
+            <a:prstGeom prst="rect">
+              <a:avLst/>
+            </a:prstGeom>
+          </p:spPr>
+          <p:style>
+            <a:lnRef idx="2">
+              <a:schemeClr val="accent1">
+                <a:shade val="15000"/>
+              </a:schemeClr>
+            </a:lnRef>
+            <a:fillRef idx="1">
+              <a:schemeClr val="accent1"/>
+            </a:fillRef>
+            <a:effectRef idx="0">
+              <a:schemeClr val="accent1"/>
+            </a:effectRef>
+            <a:fontRef idx="minor">
+              <a:schemeClr val="lt1"/>
+            </a:fontRef>
+          </p:style>
+          <p:txBody>
+            <a:bodyPr rtlCol="0" anchor="ctr"/>
+            <a:lstStyle/>
+            <a:p>
+              <a:pPr algn="ctr"/>
+              <a:endParaRPr lang="zh-CN" altLang="en-US"/>
+            </a:p>
+          </p:txBody>
+        </p:sp>
+        <p:sp>
+          <p:nvSpPr>
+            <p:cNvPr id="91" name="矩形 90">
+              <a:extLst>
+                <a:ext uri="{FF2B5EF4-FFF2-40B4-BE49-F238E27FC236}">
+                  <a16:creationId xmlns:a16="http://schemas.microsoft.com/office/drawing/2014/main" id="{66988DE6-0121-AE2B-EFD9-88800B909EB2}"/>
+                </a:ext>
+              </a:extLst>
+            </p:cNvPr>
+            <p:cNvSpPr/>
+            <p:nvPr/>
+          </p:nvSpPr>
+          <p:spPr>
+            <a:xfrm>
+              <a:off x="4965369" y="2170674"/>
+              <a:ext cx="184467" cy="198239"/>
+            </a:xfrm>
+            <a:prstGeom prst="rect">
+              <a:avLst/>
+            </a:prstGeom>
+          </p:spPr>
+          <p:style>
+            <a:lnRef idx="2">
+              <a:schemeClr val="accent1">
+                <a:shade val="15000"/>
+              </a:schemeClr>
+            </a:lnRef>
+            <a:fillRef idx="1">
+              <a:schemeClr val="accent1"/>
+            </a:fillRef>
+            <a:effectRef idx="0">
+              <a:schemeClr val="accent1"/>
+            </a:effectRef>
+            <a:fontRef idx="minor">
+              <a:schemeClr val="lt1"/>
+            </a:fontRef>
+          </p:style>
+          <p:txBody>
+            <a:bodyPr rtlCol="0" anchor="ctr"/>
+            <a:lstStyle/>
+            <a:p>
+              <a:pPr algn="ctr"/>
+              <a:endParaRPr lang="zh-CN" altLang="en-US"/>
+            </a:p>
+          </p:txBody>
+        </p:sp>
+        <p:sp>
+          <p:nvSpPr>
+            <p:cNvPr id="92" name="矩形 91">
+              <a:extLst>
+                <a:ext uri="{FF2B5EF4-FFF2-40B4-BE49-F238E27FC236}">
+                  <a16:creationId xmlns:a16="http://schemas.microsoft.com/office/drawing/2014/main" id="{4B4E1AF6-D615-E057-107F-5B3E75F11A42}"/>
+                </a:ext>
+              </a:extLst>
+            </p:cNvPr>
+            <p:cNvSpPr/>
+            <p:nvPr/>
+          </p:nvSpPr>
+          <p:spPr>
+            <a:xfrm>
+              <a:off x="4249837" y="2431552"/>
+              <a:ext cx="184467" cy="198239"/>
+            </a:xfrm>
+            <a:prstGeom prst="rect">
+              <a:avLst/>
+            </a:prstGeom>
+          </p:spPr>
+          <p:style>
+            <a:lnRef idx="2">
+              <a:schemeClr val="accent1">
+                <a:shade val="15000"/>
+              </a:schemeClr>
+            </a:lnRef>
+            <a:fillRef idx="1">
+              <a:schemeClr val="accent1"/>
+            </a:fillRef>
+            <a:effectRef idx="0">
+              <a:schemeClr val="accent1"/>
+            </a:effectRef>
+            <a:fontRef idx="minor">
+              <a:schemeClr val="lt1"/>
+            </a:fontRef>
+          </p:style>
+          <p:txBody>
+            <a:bodyPr rtlCol="0" anchor="ctr"/>
+            <a:lstStyle/>
+            <a:p>
+              <a:pPr algn="ctr"/>
+              <a:endParaRPr lang="zh-CN" altLang="en-US"/>
+            </a:p>
+          </p:txBody>
+        </p:sp>
+        <p:sp>
+          <p:nvSpPr>
+            <p:cNvPr id="93" name="矩形 92">
+              <a:extLst>
+                <a:ext uri="{FF2B5EF4-FFF2-40B4-BE49-F238E27FC236}">
+                  <a16:creationId xmlns:a16="http://schemas.microsoft.com/office/drawing/2014/main" id="{914B1275-72F7-1F25-B948-2276D25BAC35}"/>
+                </a:ext>
+              </a:extLst>
+            </p:cNvPr>
+            <p:cNvSpPr/>
+            <p:nvPr/>
+          </p:nvSpPr>
+          <p:spPr>
+            <a:xfrm>
+              <a:off x="4488348" y="2431550"/>
+              <a:ext cx="184467" cy="198239"/>
+            </a:xfrm>
+            <a:prstGeom prst="rect">
+              <a:avLst/>
+            </a:prstGeom>
+          </p:spPr>
+          <p:style>
+            <a:lnRef idx="2">
+              <a:schemeClr val="accent1">
+                <a:shade val="15000"/>
+              </a:schemeClr>
+            </a:lnRef>
+            <a:fillRef idx="1">
+              <a:schemeClr val="accent1"/>
+            </a:fillRef>
+            <a:effectRef idx="0">
+              <a:schemeClr val="accent1"/>
+            </a:effectRef>
+            <a:fontRef idx="minor">
+              <a:schemeClr val="lt1"/>
+            </a:fontRef>
+          </p:style>
+          <p:txBody>
+            <a:bodyPr rtlCol="0" anchor="ctr"/>
+            <a:lstStyle/>
+            <a:p>
+              <a:pPr algn="ctr"/>
+              <a:endParaRPr lang="zh-CN" altLang="en-US"/>
+            </a:p>
+          </p:txBody>
+        </p:sp>
+        <p:sp>
+          <p:nvSpPr>
+            <p:cNvPr id="94" name="矩形 93">
+              <a:extLst>
+                <a:ext uri="{FF2B5EF4-FFF2-40B4-BE49-F238E27FC236}">
+                  <a16:creationId xmlns:a16="http://schemas.microsoft.com/office/drawing/2014/main" id="{58320C81-E659-3A44-222C-882B19613E4D}"/>
+                </a:ext>
+              </a:extLst>
+            </p:cNvPr>
+            <p:cNvSpPr/>
+            <p:nvPr/>
+          </p:nvSpPr>
+          <p:spPr>
+            <a:xfrm>
+              <a:off x="4726859" y="2431549"/>
+              <a:ext cx="184467" cy="198239"/>
+            </a:xfrm>
+            <a:prstGeom prst="rect">
+              <a:avLst/>
+            </a:prstGeom>
+          </p:spPr>
+          <p:style>
+            <a:lnRef idx="2">
+              <a:schemeClr val="accent1">
+                <a:shade val="15000"/>
+              </a:schemeClr>
+            </a:lnRef>
+            <a:fillRef idx="1">
+              <a:schemeClr val="accent1"/>
+            </a:fillRef>
+            <a:effectRef idx="0">
+              <a:schemeClr val="accent1"/>
+            </a:effectRef>
+            <a:fontRef idx="minor">
+              <a:schemeClr val="lt1"/>
+            </a:fontRef>
+          </p:style>
+          <p:txBody>
+            <a:bodyPr rtlCol="0" anchor="ctr"/>
+            <a:lstStyle/>
+            <a:p>
+              <a:pPr algn="ctr"/>
+              <a:endParaRPr lang="zh-CN" altLang="en-US"/>
+            </a:p>
+          </p:txBody>
+        </p:sp>
+        <p:sp>
+          <p:nvSpPr>
+            <p:cNvPr id="95" name="矩形 94">
+              <a:extLst>
+                <a:ext uri="{FF2B5EF4-FFF2-40B4-BE49-F238E27FC236}">
+                  <a16:creationId xmlns:a16="http://schemas.microsoft.com/office/drawing/2014/main" id="{5F82AA64-6E1D-98D1-F6B7-436BE88E21CB}"/>
+                </a:ext>
+              </a:extLst>
+            </p:cNvPr>
+            <p:cNvSpPr/>
+            <p:nvPr/>
+          </p:nvSpPr>
+          <p:spPr>
+            <a:xfrm>
+              <a:off x="4965370" y="2431552"/>
+              <a:ext cx="184467" cy="198239"/>
+            </a:xfrm>
+            <a:prstGeom prst="rect">
+              <a:avLst/>
+            </a:prstGeom>
+          </p:spPr>
+          <p:style>
+            <a:lnRef idx="2">
+              <a:schemeClr val="accent1">
+                <a:shade val="15000"/>
+              </a:schemeClr>
+            </a:lnRef>
+            <a:fillRef idx="1">
+              <a:schemeClr val="accent1"/>
+            </a:fillRef>
+            <a:effectRef idx="0">
+              <a:schemeClr val="accent1"/>
+            </a:effectRef>
+            <a:fontRef idx="minor">
+              <a:schemeClr val="lt1"/>
+            </a:fontRef>
+          </p:style>
+          <p:txBody>
+            <a:bodyPr rtlCol="0" anchor="ctr"/>
+            <a:lstStyle/>
+            <a:p>
+              <a:pPr algn="ctr"/>
+              <a:endParaRPr lang="zh-CN" altLang="en-US"/>
+            </a:p>
+          </p:txBody>
+        </p:sp>
+        <p:sp>
+          <p:nvSpPr>
+            <p:cNvPr id="96" name="矩形 95">
+              <a:extLst>
+                <a:ext uri="{FF2B5EF4-FFF2-40B4-BE49-F238E27FC236}">
+                  <a16:creationId xmlns:a16="http://schemas.microsoft.com/office/drawing/2014/main" id="{4B513F2A-B8B2-FCB3-9AA2-5DF971C99529}"/>
+                </a:ext>
+              </a:extLst>
+            </p:cNvPr>
+            <p:cNvSpPr/>
+            <p:nvPr/>
+          </p:nvSpPr>
+          <p:spPr>
+            <a:xfrm>
+              <a:off x="5203879" y="1909791"/>
+              <a:ext cx="184467" cy="198239"/>
+            </a:xfrm>
+            <a:prstGeom prst="rect">
+              <a:avLst/>
+            </a:prstGeom>
+          </p:spPr>
+          <p:style>
+            <a:lnRef idx="2">
+              <a:schemeClr val="accent1">
+                <a:shade val="15000"/>
+              </a:schemeClr>
+            </a:lnRef>
+            <a:fillRef idx="1">
+              <a:schemeClr val="accent1"/>
+            </a:fillRef>
+            <a:effectRef idx="0">
+              <a:schemeClr val="accent1"/>
+            </a:effectRef>
+            <a:fontRef idx="minor">
+              <a:schemeClr val="lt1"/>
+            </a:fontRef>
+          </p:style>
+          <p:txBody>
+            <a:bodyPr rtlCol="0" anchor="ctr"/>
+            <a:lstStyle/>
+            <a:p>
+              <a:pPr algn="ctr"/>
+              <a:endParaRPr lang="zh-CN" altLang="en-US"/>
+            </a:p>
+          </p:txBody>
+        </p:sp>
+        <p:sp>
+          <p:nvSpPr>
+            <p:cNvPr id="97" name="矩形 96">
+              <a:extLst>
+                <a:ext uri="{FF2B5EF4-FFF2-40B4-BE49-F238E27FC236}">
+                  <a16:creationId xmlns:a16="http://schemas.microsoft.com/office/drawing/2014/main" id="{CFA472CD-CC98-44BB-2DDD-09F226A0AD6D}"/>
+                </a:ext>
+              </a:extLst>
+            </p:cNvPr>
+            <p:cNvSpPr/>
+            <p:nvPr/>
+          </p:nvSpPr>
+          <p:spPr>
+            <a:xfrm>
+              <a:off x="5203878" y="2170672"/>
+              <a:ext cx="184467" cy="198239"/>
+            </a:xfrm>
+            <a:prstGeom prst="rect">
+              <a:avLst/>
+            </a:prstGeom>
+          </p:spPr>
+          <p:style>
+            <a:lnRef idx="2">
+              <a:schemeClr val="accent1">
+                <a:shade val="15000"/>
+              </a:schemeClr>
+            </a:lnRef>
+            <a:fillRef idx="1">
+              <a:schemeClr val="accent1"/>
+            </a:fillRef>
+            <a:effectRef idx="0">
+              <a:schemeClr val="accent1"/>
+            </a:effectRef>
+            <a:fontRef idx="minor">
+              <a:schemeClr val="lt1"/>
+            </a:fontRef>
+          </p:style>
+          <p:txBody>
+            <a:bodyPr rtlCol="0" anchor="ctr"/>
+            <a:lstStyle/>
+            <a:p>
+              <a:pPr algn="ctr"/>
+              <a:endParaRPr lang="zh-CN" altLang="en-US"/>
+            </a:p>
+          </p:txBody>
+        </p:sp>
+        <p:sp>
+          <p:nvSpPr>
+            <p:cNvPr id="98" name="矩形 97">
+              <a:extLst>
+                <a:ext uri="{FF2B5EF4-FFF2-40B4-BE49-F238E27FC236}">
+                  <a16:creationId xmlns:a16="http://schemas.microsoft.com/office/drawing/2014/main" id="{6AC394FA-4B35-9069-D20A-24FF572CE9B2}"/>
+                </a:ext>
+              </a:extLst>
+            </p:cNvPr>
+            <p:cNvSpPr/>
+            <p:nvPr/>
+          </p:nvSpPr>
+          <p:spPr>
+            <a:xfrm>
+              <a:off x="5203879" y="2431550"/>
+              <a:ext cx="184467" cy="198239"/>
+            </a:xfrm>
+            <a:prstGeom prst="rect">
+              <a:avLst/>
+            </a:prstGeom>
+          </p:spPr>
+          <p:style>
+            <a:lnRef idx="2">
+              <a:schemeClr val="accent1">
+                <a:shade val="15000"/>
+              </a:schemeClr>
+            </a:lnRef>
+            <a:fillRef idx="1">
+              <a:schemeClr val="accent1"/>
+            </a:fillRef>
+            <a:effectRef idx="0">
+              <a:schemeClr val="accent1"/>
+            </a:effectRef>
+            <a:fontRef idx="minor">
+              <a:schemeClr val="lt1"/>
+            </a:fontRef>
+          </p:style>
+          <p:txBody>
+            <a:bodyPr rtlCol="0" anchor="ctr"/>
+            <a:lstStyle/>
+            <a:p>
+              <a:pPr algn="ctr"/>
+              <a:endParaRPr lang="zh-CN" altLang="en-US"/>
+            </a:p>
+          </p:txBody>
+        </p:sp>
+      </p:grpSp>
+      <p:cxnSp>
+        <p:nvCxnSpPr>
+          <p:cNvPr id="99" name="连接符: 肘形 98">
+            <a:extLst>
+              <a:ext uri="{FF2B5EF4-FFF2-40B4-BE49-F238E27FC236}">
+                <a16:creationId xmlns:a16="http://schemas.microsoft.com/office/drawing/2014/main" id="{0CAC8448-7994-BE28-8ECB-F0DA77FA8F6A}"/>
+              </a:ext>
+            </a:extLst>
+          </p:cNvPr>
+          <p:cNvCxnSpPr>
+            <a:cxnSpLocks/>
+            <a:stCxn id="97" idx="3"/>
+            <a:endCxn id="77" idx="1"/>
+          </p:cNvCxnSpPr>
+          <p:nvPr/>
+        </p:nvCxnSpPr>
+        <p:spPr>
+          <a:xfrm flipV="1">
+            <a:off x="4244724" y="5125200"/>
+            <a:ext cx="452181" cy="1104785"/>
+          </a:xfrm>
+          <a:prstGeom prst="bentConnector3">
+            <a:avLst/>
+          </a:prstGeom>
+          <a:ln>
+            <a:tailEnd type="triangle"/>
+          </a:ln>
+        </p:spPr>
+        <p:style>
+          <a:lnRef idx="1">
+            <a:schemeClr val="accent1"/>
+          </a:lnRef>
+          <a:fillRef idx="0">
+            <a:schemeClr val="accent1"/>
+          </a:fillRef>
+          <a:effectRef idx="0">
+            <a:schemeClr val="accent1"/>
+          </a:effectRef>
+          <a:fontRef idx="minor">
+            <a:schemeClr val="tx1"/>
+          </a:fontRef>
+        </p:style>
+      </p:cxnSp>
+      <p:sp>
+        <p:nvSpPr>
+          <p:cNvPr id="100" name="矩形 99">
+            <a:extLst>
+              <a:ext uri="{FF2B5EF4-FFF2-40B4-BE49-F238E27FC236}">
+                <a16:creationId xmlns:a16="http://schemas.microsoft.com/office/drawing/2014/main" id="{1706F3C7-11AD-E644-2CA2-95EBCD26FA56}"/>
+              </a:ext>
+            </a:extLst>
+          </p:cNvPr>
+          <p:cNvSpPr/>
+          <p:nvPr/>
+        </p:nvSpPr>
+        <p:spPr>
+          <a:xfrm>
+            <a:off x="6337916" y="1784941"/>
+            <a:ext cx="1306285" cy="870857"/>
+          </a:xfrm>
+          <a:prstGeom prst="rect">
+            <a:avLst/>
+          </a:prstGeom>
+        </p:spPr>
+        <p:style>
+          <a:lnRef idx="2">
+            <a:schemeClr val="accent1">
+              <a:shade val="15000"/>
+            </a:schemeClr>
+          </a:lnRef>
+          <a:fillRef idx="1">
+            <a:schemeClr val="accent1"/>
+          </a:fillRef>
+          <a:effectRef idx="0">
+            <a:schemeClr val="accent1"/>
+          </a:effectRef>
+          <a:fontRef idx="minor">
+            <a:schemeClr val="lt1"/>
+          </a:fontRef>
+        </p:style>
+        <p:txBody>
+          <a:bodyPr rtlCol="0" anchor="ctr"/>
+          <a:lstStyle/>
+          <a:p>
+            <a:pPr algn="ctr"/>
+            <a:r>
+              <a:rPr lang="zh-CN" altLang="en-US" dirty="0"/>
+              <a:t>正常训练图像</a:t>
+            </a:r>
+          </a:p>
+        </p:txBody>
+      </p:sp>
+      <p:sp>
+        <p:nvSpPr>
+          <p:cNvPr id="101" name="矩形: 圆角 100">
+            <a:extLst>
+              <a:ext uri="{FF2B5EF4-FFF2-40B4-BE49-F238E27FC236}">
+                <a16:creationId xmlns:a16="http://schemas.microsoft.com/office/drawing/2014/main" id="{624BF9D1-42AC-4EBB-372E-8FD01C183536}"/>
+              </a:ext>
+            </a:extLst>
+          </p:cNvPr>
+          <p:cNvSpPr/>
+          <p:nvPr/>
+        </p:nvSpPr>
+        <p:spPr>
+          <a:xfrm>
+            <a:off x="7945101" y="2018683"/>
+            <a:ext cx="1031286" cy="403375"/>
+          </a:xfrm>
+          <a:prstGeom prst="roundRect">
+            <a:avLst>
+              <a:gd name="adj" fmla="val 50000"/>
+            </a:avLst>
+          </a:prstGeom>
+        </p:spPr>
+        <p:style>
+          <a:lnRef idx="2">
+            <a:schemeClr val="accent1">
+              <a:shade val="15000"/>
+            </a:schemeClr>
+          </a:lnRef>
+          <a:fillRef idx="1">
+            <a:schemeClr val="accent1"/>
+          </a:fillRef>
+          <a:effectRef idx="0">
+            <a:schemeClr val="accent1"/>
+          </a:effectRef>
+          <a:fontRef idx="minor">
+            <a:schemeClr val="lt1"/>
+          </a:fontRef>
+        </p:style>
+        <p:txBody>
+          <a:bodyPr rtlCol="0" anchor="ctr"/>
+          <a:lstStyle/>
+          <a:p>
+            <a:pPr algn="ctr"/>
+            <a:r>
+              <a:rPr lang="zh-CN" altLang="en-US" sz="1000" dirty="0"/>
+              <a:t>预训练特征提取器</a:t>
+            </a:r>
+          </a:p>
+        </p:txBody>
+      </p:sp>
+      <p:cxnSp>
+        <p:nvCxnSpPr>
+          <p:cNvPr id="102" name="连接符: 肘形 101">
+            <a:extLst>
+              <a:ext uri="{FF2B5EF4-FFF2-40B4-BE49-F238E27FC236}">
+                <a16:creationId xmlns:a16="http://schemas.microsoft.com/office/drawing/2014/main" id="{361D34CC-D8C0-8F59-2EB5-BC42FDFD17B9}"/>
+              </a:ext>
+            </a:extLst>
+          </p:cNvPr>
+          <p:cNvCxnSpPr>
+            <a:stCxn id="100" idx="3"/>
+            <a:endCxn id="101" idx="1"/>
+          </p:cNvCxnSpPr>
+          <p:nvPr/>
+        </p:nvCxnSpPr>
+        <p:spPr>
+          <a:xfrm>
+            <a:off x="7644201" y="2220370"/>
+            <a:ext cx="300900" cy="1"/>
+          </a:xfrm>
+          <a:prstGeom prst="bentConnector3">
+            <a:avLst/>
+          </a:prstGeom>
+          <a:ln>
+            <a:tailEnd type="triangle"/>
+          </a:ln>
+        </p:spPr>
+        <p:style>
+          <a:lnRef idx="1">
+            <a:schemeClr val="accent1"/>
+          </a:lnRef>
+          <a:fillRef idx="0">
+            <a:schemeClr val="accent1"/>
+          </a:fillRef>
+          <a:effectRef idx="0">
+            <a:schemeClr val="accent1"/>
+          </a:effectRef>
+          <a:fontRef idx="minor">
+            <a:schemeClr val="tx1"/>
+          </a:fontRef>
+        </p:style>
+      </p:cxnSp>
+      <p:cxnSp>
+        <p:nvCxnSpPr>
+          <p:cNvPr id="103" name="直接箭头连接符 102">
+            <a:extLst>
+              <a:ext uri="{FF2B5EF4-FFF2-40B4-BE49-F238E27FC236}">
+                <a16:creationId xmlns:a16="http://schemas.microsoft.com/office/drawing/2014/main" id="{4CFD71B3-F9A5-3926-2B04-3D4C3B0F0742}"/>
+              </a:ext>
+            </a:extLst>
+          </p:cNvPr>
+          <p:cNvCxnSpPr>
+            <a:cxnSpLocks/>
+            <a:stCxn id="101" idx="3"/>
+            <a:endCxn id="109" idx="1"/>
+          </p:cNvCxnSpPr>
+          <p:nvPr/>
+        </p:nvCxnSpPr>
+        <p:spPr>
+          <a:xfrm>
+            <a:off x="8976387" y="2220371"/>
+            <a:ext cx="338029" cy="0"/>
+          </a:xfrm>
+          <a:prstGeom prst="straightConnector1">
+            <a:avLst/>
+          </a:prstGeom>
+          <a:ln>
+            <a:tailEnd type="triangle"/>
+          </a:ln>
+        </p:spPr>
+        <p:style>
+          <a:lnRef idx="1">
+            <a:schemeClr val="accent1"/>
+          </a:lnRef>
+          <a:fillRef idx="0">
+            <a:schemeClr val="accent1"/>
+          </a:fillRef>
+          <a:effectRef idx="0">
+            <a:schemeClr val="accent1"/>
+          </a:effectRef>
+          <a:fontRef idx="minor">
+            <a:schemeClr val="tx1"/>
+          </a:fontRef>
+        </p:style>
+      </p:cxnSp>
+      <p:grpSp>
+        <p:nvGrpSpPr>
+          <p:cNvPr id="104" name="组合 103">
+            <a:extLst>
+              <a:ext uri="{FF2B5EF4-FFF2-40B4-BE49-F238E27FC236}">
+                <a16:creationId xmlns:a16="http://schemas.microsoft.com/office/drawing/2014/main" id="{7CFBCC9C-5701-0AB0-0D14-658FBDCFFC85}"/>
+              </a:ext>
+            </a:extLst>
+          </p:cNvPr>
+          <p:cNvGrpSpPr/>
+          <p:nvPr/>
+        </p:nvGrpSpPr>
+        <p:grpSpPr>
+          <a:xfrm>
+            <a:off x="9314416" y="1860369"/>
+            <a:ext cx="1138509" cy="720000"/>
+            <a:chOff x="4249837" y="1909791"/>
+            <a:chExt cx="1138509" cy="720000"/>
+          </a:xfrm>
+        </p:grpSpPr>
+        <p:sp>
+          <p:nvSpPr>
+            <p:cNvPr id="105" name="矩形 104">
+              <a:extLst>
+                <a:ext uri="{FF2B5EF4-FFF2-40B4-BE49-F238E27FC236}">
+                  <a16:creationId xmlns:a16="http://schemas.microsoft.com/office/drawing/2014/main" id="{F75342D3-DF98-52F2-0396-50FB2921A6F9}"/>
+                </a:ext>
+              </a:extLst>
+            </p:cNvPr>
+            <p:cNvSpPr/>
+            <p:nvPr/>
+          </p:nvSpPr>
+          <p:spPr>
+            <a:xfrm>
+              <a:off x="4249837" y="1909793"/>
+              <a:ext cx="184467" cy="198239"/>
+            </a:xfrm>
+            <a:prstGeom prst="rect">
+              <a:avLst/>
+            </a:prstGeom>
+          </p:spPr>
+          <p:style>
+            <a:lnRef idx="2">
+              <a:schemeClr val="accent1">
+                <a:shade val="15000"/>
+              </a:schemeClr>
+            </a:lnRef>
+            <a:fillRef idx="1">
+              <a:schemeClr val="accent1"/>
+            </a:fillRef>
+            <a:effectRef idx="0">
+              <a:schemeClr val="accent1"/>
+            </a:effectRef>
+            <a:fontRef idx="minor">
+              <a:schemeClr val="lt1"/>
+            </a:fontRef>
+          </p:style>
+          <p:txBody>
+            <a:bodyPr rtlCol="0" anchor="ctr"/>
+            <a:lstStyle/>
+            <a:p>
+              <a:pPr algn="ctr"/>
+              <a:endParaRPr lang="zh-CN" altLang="en-US"/>
+            </a:p>
+          </p:txBody>
+        </p:sp>
+        <p:sp>
+          <p:nvSpPr>
+            <p:cNvPr id="106" name="矩形 105">
+              <a:extLst>
+                <a:ext uri="{FF2B5EF4-FFF2-40B4-BE49-F238E27FC236}">
+                  <a16:creationId xmlns:a16="http://schemas.microsoft.com/office/drawing/2014/main" id="{DCC7876B-151D-3735-397C-AAAC35F22AB4}"/>
+                </a:ext>
+              </a:extLst>
+            </p:cNvPr>
+            <p:cNvSpPr/>
+            <p:nvPr/>
+          </p:nvSpPr>
+          <p:spPr>
+            <a:xfrm>
+              <a:off x="4488348" y="1909792"/>
+              <a:ext cx="184467" cy="198239"/>
+            </a:xfrm>
+            <a:prstGeom prst="rect">
+              <a:avLst/>
+            </a:prstGeom>
+          </p:spPr>
+          <p:style>
+            <a:lnRef idx="2">
+              <a:schemeClr val="accent1">
+                <a:shade val="15000"/>
+              </a:schemeClr>
+            </a:lnRef>
+            <a:fillRef idx="1">
+              <a:schemeClr val="accent1"/>
+            </a:fillRef>
+            <a:effectRef idx="0">
+              <a:schemeClr val="accent1"/>
+            </a:effectRef>
+            <a:fontRef idx="minor">
+              <a:schemeClr val="lt1"/>
+            </a:fontRef>
+          </p:style>
+          <p:txBody>
+            <a:bodyPr rtlCol="0" anchor="ctr"/>
+            <a:lstStyle/>
+            <a:p>
+              <a:pPr algn="ctr"/>
+              <a:endParaRPr lang="zh-CN" altLang="en-US"/>
+            </a:p>
+          </p:txBody>
+        </p:sp>
+        <p:sp>
+          <p:nvSpPr>
+            <p:cNvPr id="107" name="矩形 106">
+              <a:extLst>
+                <a:ext uri="{FF2B5EF4-FFF2-40B4-BE49-F238E27FC236}">
+                  <a16:creationId xmlns:a16="http://schemas.microsoft.com/office/drawing/2014/main" id="{B9CB639C-C9DD-DB4D-256E-4936194CE612}"/>
+                </a:ext>
+              </a:extLst>
+            </p:cNvPr>
+            <p:cNvSpPr/>
+            <p:nvPr/>
+          </p:nvSpPr>
+          <p:spPr>
+            <a:xfrm>
+              <a:off x="4726859" y="1909791"/>
+              <a:ext cx="184467" cy="198239"/>
+            </a:xfrm>
+            <a:prstGeom prst="rect">
+              <a:avLst/>
+            </a:prstGeom>
+          </p:spPr>
+          <p:style>
+            <a:lnRef idx="2">
+              <a:schemeClr val="accent1">
+                <a:shade val="15000"/>
+              </a:schemeClr>
+            </a:lnRef>
+            <a:fillRef idx="1">
+              <a:schemeClr val="accent1"/>
+            </a:fillRef>
+            <a:effectRef idx="0">
+              <a:schemeClr val="accent1"/>
+            </a:effectRef>
+            <a:fontRef idx="minor">
+              <a:schemeClr val="lt1"/>
+            </a:fontRef>
+          </p:style>
+          <p:txBody>
+            <a:bodyPr rtlCol="0" anchor="ctr"/>
+            <a:lstStyle/>
+            <a:p>
+              <a:pPr algn="ctr"/>
+              <a:endParaRPr lang="zh-CN" altLang="en-US"/>
+            </a:p>
+          </p:txBody>
+        </p:sp>
+        <p:sp>
+          <p:nvSpPr>
+            <p:cNvPr id="108" name="矩形 107">
+              <a:extLst>
+                <a:ext uri="{FF2B5EF4-FFF2-40B4-BE49-F238E27FC236}">
+                  <a16:creationId xmlns:a16="http://schemas.microsoft.com/office/drawing/2014/main" id="{BEA671CB-E223-C096-0A14-9CD9B7F5D007}"/>
+                </a:ext>
+              </a:extLst>
+            </p:cNvPr>
+            <p:cNvSpPr/>
+            <p:nvPr/>
+          </p:nvSpPr>
+          <p:spPr>
+            <a:xfrm>
+              <a:off x="4965370" y="1909793"/>
+              <a:ext cx="184467" cy="198239"/>
+            </a:xfrm>
+            <a:prstGeom prst="rect">
+              <a:avLst/>
+            </a:prstGeom>
+          </p:spPr>
+          <p:style>
+            <a:lnRef idx="2">
+              <a:schemeClr val="accent1">
+                <a:shade val="15000"/>
+              </a:schemeClr>
+            </a:lnRef>
+            <a:fillRef idx="1">
+              <a:schemeClr val="accent1"/>
+            </a:fillRef>
+            <a:effectRef idx="0">
+              <a:schemeClr val="accent1"/>
+            </a:effectRef>
+            <a:fontRef idx="minor">
+              <a:schemeClr val="lt1"/>
+            </a:fontRef>
+          </p:style>
+          <p:txBody>
+            <a:bodyPr rtlCol="0" anchor="ctr"/>
+            <a:lstStyle/>
+            <a:p>
+              <a:pPr algn="ctr"/>
+              <a:endParaRPr lang="zh-CN" altLang="en-US"/>
+            </a:p>
+          </p:txBody>
+        </p:sp>
+        <p:sp>
+          <p:nvSpPr>
+            <p:cNvPr id="109" name="矩形 108">
+              <a:extLst>
+                <a:ext uri="{FF2B5EF4-FFF2-40B4-BE49-F238E27FC236}">
+                  <a16:creationId xmlns:a16="http://schemas.microsoft.com/office/drawing/2014/main" id="{DDF7A4E9-A162-772E-6AE0-07E514E9A8A2}"/>
+                </a:ext>
+              </a:extLst>
+            </p:cNvPr>
+            <p:cNvSpPr/>
+            <p:nvPr/>
+          </p:nvSpPr>
+          <p:spPr>
+            <a:xfrm>
+              <a:off x="4249837" y="2170673"/>
+              <a:ext cx="184467" cy="198239"/>
+            </a:xfrm>
+            <a:prstGeom prst="rect">
+              <a:avLst/>
+            </a:prstGeom>
+          </p:spPr>
+          <p:style>
+            <a:lnRef idx="2">
+              <a:schemeClr val="accent1">
+                <a:shade val="15000"/>
+              </a:schemeClr>
+            </a:lnRef>
+            <a:fillRef idx="1">
+              <a:schemeClr val="accent1"/>
+            </a:fillRef>
+            <a:effectRef idx="0">
+              <a:schemeClr val="accent1"/>
+            </a:effectRef>
+            <a:fontRef idx="minor">
+              <a:schemeClr val="lt1"/>
+            </a:fontRef>
+          </p:style>
+          <p:txBody>
+            <a:bodyPr rtlCol="0" anchor="ctr"/>
+            <a:lstStyle/>
+            <a:p>
+              <a:pPr algn="ctr"/>
+              <a:endParaRPr lang="zh-CN" altLang="en-US"/>
+            </a:p>
+          </p:txBody>
+        </p:sp>
+        <p:sp>
+          <p:nvSpPr>
+            <p:cNvPr id="110" name="矩形 109">
+              <a:extLst>
+                <a:ext uri="{FF2B5EF4-FFF2-40B4-BE49-F238E27FC236}">
+                  <a16:creationId xmlns:a16="http://schemas.microsoft.com/office/drawing/2014/main" id="{DA7D690E-5EE9-22FB-44EA-3BC7A5BAF1FE}"/>
+                </a:ext>
+              </a:extLst>
+            </p:cNvPr>
+            <p:cNvSpPr/>
+            <p:nvPr/>
+          </p:nvSpPr>
+          <p:spPr>
+            <a:xfrm>
+              <a:off x="4488347" y="2170673"/>
+              <a:ext cx="184467" cy="198239"/>
+            </a:xfrm>
+            <a:prstGeom prst="rect">
+              <a:avLst/>
+            </a:prstGeom>
+          </p:spPr>
+          <p:style>
+            <a:lnRef idx="2">
+              <a:schemeClr val="accent1">
+                <a:shade val="15000"/>
+              </a:schemeClr>
+            </a:lnRef>
+            <a:fillRef idx="1">
+              <a:schemeClr val="accent1"/>
+            </a:fillRef>
+            <a:effectRef idx="0">
+              <a:schemeClr val="accent1"/>
+            </a:effectRef>
+            <a:fontRef idx="minor">
+              <a:schemeClr val="lt1"/>
+            </a:fontRef>
+          </p:style>
+          <p:txBody>
+            <a:bodyPr rtlCol="0" anchor="ctr"/>
+            <a:lstStyle/>
+            <a:p>
+              <a:pPr algn="ctr"/>
+              <a:endParaRPr lang="zh-CN" altLang="en-US"/>
+            </a:p>
+          </p:txBody>
+        </p:sp>
+        <p:sp>
+          <p:nvSpPr>
+            <p:cNvPr id="111" name="矩形 110">
+              <a:extLst>
+                <a:ext uri="{FF2B5EF4-FFF2-40B4-BE49-F238E27FC236}">
+                  <a16:creationId xmlns:a16="http://schemas.microsoft.com/office/drawing/2014/main" id="{0D31A8FD-ABCF-9598-5872-05F6BF599577}"/>
+                </a:ext>
+              </a:extLst>
+            </p:cNvPr>
+            <p:cNvSpPr/>
+            <p:nvPr/>
+          </p:nvSpPr>
+          <p:spPr>
+            <a:xfrm>
+              <a:off x="4726858" y="2170672"/>
+              <a:ext cx="184467" cy="198239"/>
+            </a:xfrm>
+            <a:prstGeom prst="rect">
+              <a:avLst/>
+            </a:prstGeom>
+          </p:spPr>
+          <p:style>
+            <a:lnRef idx="2">
+              <a:schemeClr val="accent1">
+                <a:shade val="15000"/>
+              </a:schemeClr>
+            </a:lnRef>
+            <a:fillRef idx="1">
+              <a:schemeClr val="accent1"/>
+            </a:fillRef>
+            <a:effectRef idx="0">
+              <a:schemeClr val="accent1"/>
+            </a:effectRef>
+            <a:fontRef idx="minor">
+              <a:schemeClr val="lt1"/>
+            </a:fontRef>
+          </p:style>
+          <p:txBody>
+            <a:bodyPr rtlCol="0" anchor="ctr"/>
+            <a:lstStyle/>
+            <a:p>
+              <a:pPr algn="ctr"/>
+              <a:endParaRPr lang="zh-CN" altLang="en-US"/>
+            </a:p>
+          </p:txBody>
+        </p:sp>
+        <p:sp>
+          <p:nvSpPr>
+            <p:cNvPr id="112" name="矩形 111">
+              <a:extLst>
+                <a:ext uri="{FF2B5EF4-FFF2-40B4-BE49-F238E27FC236}">
+                  <a16:creationId xmlns:a16="http://schemas.microsoft.com/office/drawing/2014/main" id="{B44640FF-AB77-DC7A-7E29-171ECFFA001A}"/>
+                </a:ext>
+              </a:extLst>
+            </p:cNvPr>
+            <p:cNvSpPr/>
+            <p:nvPr/>
+          </p:nvSpPr>
+          <p:spPr>
+            <a:xfrm>
+              <a:off x="4965369" y="2170674"/>
+              <a:ext cx="184467" cy="198239"/>
+            </a:xfrm>
+            <a:prstGeom prst="rect">
+              <a:avLst/>
+            </a:prstGeom>
+          </p:spPr>
+          <p:style>
+            <a:lnRef idx="2">
+              <a:schemeClr val="accent1">
+                <a:shade val="15000"/>
+              </a:schemeClr>
+            </a:lnRef>
+            <a:fillRef idx="1">
+              <a:schemeClr val="accent1"/>
+            </a:fillRef>
+            <a:effectRef idx="0">
+              <a:schemeClr val="accent1"/>
+            </a:effectRef>
+            <a:fontRef idx="minor">
+              <a:schemeClr val="lt1"/>
+            </a:fontRef>
+          </p:style>
+          <p:txBody>
+            <a:bodyPr rtlCol="0" anchor="ctr"/>
+            <a:lstStyle/>
+            <a:p>
+              <a:pPr algn="ctr"/>
+              <a:endParaRPr lang="zh-CN" altLang="en-US"/>
+            </a:p>
+          </p:txBody>
+        </p:sp>
+        <p:sp>
+          <p:nvSpPr>
+            <p:cNvPr id="113" name="矩形 112">
+              <a:extLst>
+                <a:ext uri="{FF2B5EF4-FFF2-40B4-BE49-F238E27FC236}">
+                  <a16:creationId xmlns:a16="http://schemas.microsoft.com/office/drawing/2014/main" id="{CE25E13F-33EA-5941-4365-F8FDFB0C1885}"/>
+                </a:ext>
+              </a:extLst>
+            </p:cNvPr>
+            <p:cNvSpPr/>
+            <p:nvPr/>
+          </p:nvSpPr>
+          <p:spPr>
+            <a:xfrm>
+              <a:off x="4249837" y="2431552"/>
+              <a:ext cx="184467" cy="198239"/>
+            </a:xfrm>
+            <a:prstGeom prst="rect">
+              <a:avLst/>
+            </a:prstGeom>
+          </p:spPr>
+          <p:style>
+            <a:lnRef idx="2">
+              <a:schemeClr val="accent1">
+                <a:shade val="15000"/>
+              </a:schemeClr>
+            </a:lnRef>
+            <a:fillRef idx="1">
+              <a:schemeClr val="accent1"/>
+            </a:fillRef>
+            <a:effectRef idx="0">
+              <a:schemeClr val="accent1"/>
+            </a:effectRef>
+            <a:fontRef idx="minor">
+              <a:schemeClr val="lt1"/>
+            </a:fontRef>
+          </p:style>
+          <p:txBody>
+            <a:bodyPr rtlCol="0" anchor="ctr"/>
+            <a:lstStyle/>
+            <a:p>
+              <a:pPr algn="ctr"/>
+              <a:endParaRPr lang="zh-CN" altLang="en-US"/>
+            </a:p>
+          </p:txBody>
+        </p:sp>
+        <p:sp>
+          <p:nvSpPr>
+            <p:cNvPr id="114" name="矩形 113">
+              <a:extLst>
+                <a:ext uri="{FF2B5EF4-FFF2-40B4-BE49-F238E27FC236}">
+                  <a16:creationId xmlns:a16="http://schemas.microsoft.com/office/drawing/2014/main" id="{651B49D3-CE76-3E48-703B-1FBE0F4C83DF}"/>
+                </a:ext>
+              </a:extLst>
+            </p:cNvPr>
+            <p:cNvSpPr/>
+            <p:nvPr/>
+          </p:nvSpPr>
+          <p:spPr>
+            <a:xfrm>
+              <a:off x="4488348" y="2431550"/>
+              <a:ext cx="184467" cy="198239"/>
+            </a:xfrm>
+            <a:prstGeom prst="rect">
+              <a:avLst/>
+            </a:prstGeom>
+          </p:spPr>
+          <p:style>
+            <a:lnRef idx="2">
+              <a:schemeClr val="accent1">
+                <a:shade val="15000"/>
+              </a:schemeClr>
+            </a:lnRef>
+            <a:fillRef idx="1">
+              <a:schemeClr val="accent1"/>
+            </a:fillRef>
+            <a:effectRef idx="0">
+              <a:schemeClr val="accent1"/>
+            </a:effectRef>
+            <a:fontRef idx="minor">
+              <a:schemeClr val="lt1"/>
+            </a:fontRef>
+          </p:style>
+          <p:txBody>
+            <a:bodyPr rtlCol="0" anchor="ctr"/>
+            <a:lstStyle/>
+            <a:p>
+              <a:pPr algn="ctr"/>
+              <a:endParaRPr lang="zh-CN" altLang="en-US"/>
+            </a:p>
+          </p:txBody>
+        </p:sp>
+        <p:sp>
+          <p:nvSpPr>
+            <p:cNvPr id="115" name="矩形 114">
+              <a:extLst>
+                <a:ext uri="{FF2B5EF4-FFF2-40B4-BE49-F238E27FC236}">
+                  <a16:creationId xmlns:a16="http://schemas.microsoft.com/office/drawing/2014/main" id="{C5832CC6-8D86-A1CA-C7AC-30BCC976606D}"/>
+                </a:ext>
+              </a:extLst>
+            </p:cNvPr>
+            <p:cNvSpPr/>
+            <p:nvPr/>
+          </p:nvSpPr>
+          <p:spPr>
+            <a:xfrm>
+              <a:off x="4726859" y="2431549"/>
+              <a:ext cx="184467" cy="198239"/>
+            </a:xfrm>
+            <a:prstGeom prst="rect">
+              <a:avLst/>
+            </a:prstGeom>
+          </p:spPr>
+          <p:style>
+            <a:lnRef idx="2">
+              <a:schemeClr val="accent1">
+                <a:shade val="15000"/>
+              </a:schemeClr>
+            </a:lnRef>
+            <a:fillRef idx="1">
+              <a:schemeClr val="accent1"/>
+            </a:fillRef>
+            <a:effectRef idx="0">
+              <a:schemeClr val="accent1"/>
+            </a:effectRef>
+            <a:fontRef idx="minor">
+              <a:schemeClr val="lt1"/>
+            </a:fontRef>
+          </p:style>
+          <p:txBody>
+            <a:bodyPr rtlCol="0" anchor="ctr"/>
+            <a:lstStyle/>
+            <a:p>
+              <a:pPr algn="ctr"/>
+              <a:endParaRPr lang="zh-CN" altLang="en-US"/>
+            </a:p>
+          </p:txBody>
+        </p:sp>
+        <p:sp>
+          <p:nvSpPr>
+            <p:cNvPr id="116" name="矩形 115">
+              <a:extLst>
+                <a:ext uri="{FF2B5EF4-FFF2-40B4-BE49-F238E27FC236}">
+                  <a16:creationId xmlns:a16="http://schemas.microsoft.com/office/drawing/2014/main" id="{F8D68E36-D4E0-79B1-309E-D03702D4AC02}"/>
+                </a:ext>
+              </a:extLst>
+            </p:cNvPr>
+            <p:cNvSpPr/>
+            <p:nvPr/>
+          </p:nvSpPr>
+          <p:spPr>
+            <a:xfrm>
+              <a:off x="4965370" y="2431552"/>
+              <a:ext cx="184467" cy="198239"/>
+            </a:xfrm>
+            <a:prstGeom prst="rect">
+              <a:avLst/>
+            </a:prstGeom>
+          </p:spPr>
+          <p:style>
+            <a:lnRef idx="2">
+              <a:schemeClr val="accent1">
+                <a:shade val="15000"/>
+              </a:schemeClr>
+            </a:lnRef>
+            <a:fillRef idx="1">
+              <a:schemeClr val="accent1"/>
+            </a:fillRef>
+            <a:effectRef idx="0">
+              <a:schemeClr val="accent1"/>
+            </a:effectRef>
+            <a:fontRef idx="minor">
+              <a:schemeClr val="lt1"/>
+            </a:fontRef>
+          </p:style>
+          <p:txBody>
+            <a:bodyPr rtlCol="0" anchor="ctr"/>
+            <a:lstStyle/>
+            <a:p>
+              <a:pPr algn="ctr"/>
+              <a:endParaRPr lang="zh-CN" altLang="en-US"/>
+            </a:p>
+          </p:txBody>
+        </p:sp>
+        <p:sp>
+          <p:nvSpPr>
+            <p:cNvPr id="117" name="矩形 116">
+              <a:extLst>
+                <a:ext uri="{FF2B5EF4-FFF2-40B4-BE49-F238E27FC236}">
+                  <a16:creationId xmlns:a16="http://schemas.microsoft.com/office/drawing/2014/main" id="{BE0F16AF-F653-31CD-B1A0-F3DE3C222D34}"/>
+                </a:ext>
+              </a:extLst>
+            </p:cNvPr>
+            <p:cNvSpPr/>
+            <p:nvPr/>
+          </p:nvSpPr>
+          <p:spPr>
+            <a:xfrm>
+              <a:off x="5203879" y="1909791"/>
+              <a:ext cx="184467" cy="198239"/>
+            </a:xfrm>
+            <a:prstGeom prst="rect">
+              <a:avLst/>
+            </a:prstGeom>
+          </p:spPr>
+          <p:style>
+            <a:lnRef idx="2">
+              <a:schemeClr val="accent1">
+                <a:shade val="15000"/>
+              </a:schemeClr>
+            </a:lnRef>
+            <a:fillRef idx="1">
+              <a:schemeClr val="accent1"/>
+            </a:fillRef>
+            <a:effectRef idx="0">
+              <a:schemeClr val="accent1"/>
+            </a:effectRef>
+            <a:fontRef idx="minor">
+              <a:schemeClr val="lt1"/>
+            </a:fontRef>
+          </p:style>
+          <p:txBody>
+            <a:bodyPr rtlCol="0" anchor="ctr"/>
+            <a:lstStyle/>
+            <a:p>
+              <a:pPr algn="ctr"/>
+              <a:endParaRPr lang="zh-CN" altLang="en-US"/>
+            </a:p>
+          </p:txBody>
+        </p:sp>
+        <p:sp>
+          <p:nvSpPr>
+            <p:cNvPr id="118" name="矩形 117">
+              <a:extLst>
+                <a:ext uri="{FF2B5EF4-FFF2-40B4-BE49-F238E27FC236}">
+                  <a16:creationId xmlns:a16="http://schemas.microsoft.com/office/drawing/2014/main" id="{C272D7CA-FA39-408B-BF78-F9AD04BC3BB6}"/>
+                </a:ext>
+              </a:extLst>
+            </p:cNvPr>
+            <p:cNvSpPr/>
+            <p:nvPr/>
+          </p:nvSpPr>
+          <p:spPr>
+            <a:xfrm>
+              <a:off x="5203878" y="2170672"/>
+              <a:ext cx="184467" cy="198239"/>
+            </a:xfrm>
+            <a:prstGeom prst="rect">
+              <a:avLst/>
+            </a:prstGeom>
+          </p:spPr>
+          <p:style>
+            <a:lnRef idx="2">
+              <a:schemeClr val="accent1">
+                <a:shade val="15000"/>
+              </a:schemeClr>
+            </a:lnRef>
+            <a:fillRef idx="1">
+              <a:schemeClr val="accent1"/>
+            </a:fillRef>
+            <a:effectRef idx="0">
+              <a:schemeClr val="accent1"/>
+            </a:effectRef>
+            <a:fontRef idx="minor">
+              <a:schemeClr val="lt1"/>
+            </a:fontRef>
+          </p:style>
+          <p:txBody>
+            <a:bodyPr rtlCol="0" anchor="ctr"/>
+            <a:lstStyle/>
+            <a:p>
+              <a:pPr algn="ctr"/>
+              <a:endParaRPr lang="zh-CN" altLang="en-US"/>
+            </a:p>
+          </p:txBody>
+        </p:sp>
+        <p:sp>
+          <p:nvSpPr>
+            <p:cNvPr id="119" name="矩形 118">
+              <a:extLst>
+                <a:ext uri="{FF2B5EF4-FFF2-40B4-BE49-F238E27FC236}">
+                  <a16:creationId xmlns:a16="http://schemas.microsoft.com/office/drawing/2014/main" id="{1C8D821A-779E-12F2-0B16-D318EE6D6E37}"/>
+                </a:ext>
+              </a:extLst>
+            </p:cNvPr>
+            <p:cNvSpPr/>
+            <p:nvPr/>
+          </p:nvSpPr>
+          <p:spPr>
+            <a:xfrm>
+              <a:off x="5203879" y="2431550"/>
+              <a:ext cx="184467" cy="198239"/>
+            </a:xfrm>
+            <a:prstGeom prst="rect">
+              <a:avLst/>
+            </a:prstGeom>
+          </p:spPr>
+          <p:style>
+            <a:lnRef idx="2">
+              <a:schemeClr val="accent1">
+                <a:shade val="15000"/>
+              </a:schemeClr>
+            </a:lnRef>
+            <a:fillRef idx="1">
+              <a:schemeClr val="accent1"/>
+            </a:fillRef>
+            <a:effectRef idx="0">
+              <a:schemeClr val="accent1"/>
+            </a:effectRef>
+            <a:fontRef idx="minor">
+              <a:schemeClr val="lt1"/>
+            </a:fontRef>
+          </p:style>
+          <p:txBody>
+            <a:bodyPr rtlCol="0" anchor="ctr"/>
+            <a:lstStyle/>
+            <a:p>
+              <a:pPr algn="ctr"/>
+              <a:endParaRPr lang="zh-CN" altLang="en-US"/>
+            </a:p>
+          </p:txBody>
+        </p:sp>
+      </p:grpSp>
+      <p:sp>
+        <p:nvSpPr>
+          <p:cNvPr id="120" name="矩形 119">
+            <a:extLst>
+              <a:ext uri="{FF2B5EF4-FFF2-40B4-BE49-F238E27FC236}">
+                <a16:creationId xmlns:a16="http://schemas.microsoft.com/office/drawing/2014/main" id="{46F7F045-950A-9CE7-AE47-19A185DD6C2C}"/>
+              </a:ext>
+            </a:extLst>
+          </p:cNvPr>
+          <p:cNvSpPr/>
+          <p:nvPr/>
+        </p:nvSpPr>
+        <p:spPr>
+          <a:xfrm>
+            <a:off x="10905105" y="1860368"/>
+            <a:ext cx="1218036" cy="719997"/>
+          </a:xfrm>
+          <a:prstGeom prst="rect">
+            <a:avLst/>
+          </a:prstGeom>
+        </p:spPr>
+        <p:style>
+          <a:lnRef idx="2">
+            <a:schemeClr val="accent1">
+              <a:shade val="15000"/>
+            </a:schemeClr>
+          </a:lnRef>
+          <a:fillRef idx="1">
+            <a:schemeClr val="accent1"/>
+          </a:fillRef>
+          <a:effectRef idx="0">
+            <a:schemeClr val="accent1"/>
+          </a:effectRef>
+          <a:fontRef idx="minor">
+            <a:schemeClr val="lt1"/>
+          </a:fontRef>
+        </p:style>
+        <p:txBody>
+          <a:bodyPr rtlCol="0" anchor="ctr"/>
+          <a:lstStyle/>
+          <a:p>
+            <a:pPr algn="ctr"/>
+            <a:r>
+              <a:rPr lang="zh-CN" altLang="en-US" dirty="0"/>
+              <a:t>分类模块</a:t>
+            </a:r>
+            <a:br>
+              <a:rPr lang="en-US" altLang="zh-CN" dirty="0"/>
+            </a:br>
+            <a:r>
+              <a:rPr lang="zh-CN" altLang="en-US" dirty="0"/>
+              <a:t>标签为</a:t>
+            </a:r>
+            <a:r>
+              <a:rPr lang="en-US" altLang="zh-CN" dirty="0"/>
+              <a:t>1</a:t>
+            </a:r>
+            <a:endParaRPr lang="zh-CN" altLang="en-US" dirty="0"/>
+          </a:p>
+        </p:txBody>
+      </p:sp>
+      <p:cxnSp>
+        <p:nvCxnSpPr>
+          <p:cNvPr id="121" name="连接符: 肘形 120">
+            <a:extLst>
+              <a:ext uri="{FF2B5EF4-FFF2-40B4-BE49-F238E27FC236}">
+                <a16:creationId xmlns:a16="http://schemas.microsoft.com/office/drawing/2014/main" id="{CDAFBF21-8C4A-2807-8780-345ED6CBBC84}"/>
+              </a:ext>
+            </a:extLst>
+          </p:cNvPr>
+          <p:cNvCxnSpPr>
+            <a:cxnSpLocks/>
+            <a:stCxn id="118" idx="3"/>
+            <a:endCxn id="120" idx="1"/>
+          </p:cNvCxnSpPr>
+          <p:nvPr/>
+        </p:nvCxnSpPr>
+        <p:spPr>
+          <a:xfrm flipV="1">
+            <a:off x="10452924" y="2220367"/>
+            <a:ext cx="452181" cy="3"/>
+          </a:xfrm>
+          <a:prstGeom prst="bentConnector3">
+            <a:avLst>
+              <a:gd name="adj1" fmla="val 50000"/>
+            </a:avLst>
+          </a:prstGeom>
+          <a:ln>
+            <a:tailEnd type="triangle"/>
+          </a:ln>
+        </p:spPr>
+        <p:style>
+          <a:lnRef idx="1">
+            <a:schemeClr val="accent1"/>
+          </a:lnRef>
+          <a:fillRef idx="0">
+            <a:schemeClr val="accent1"/>
+          </a:fillRef>
+          <a:effectRef idx="0">
+            <a:schemeClr val="accent1"/>
+          </a:effectRef>
+          <a:fontRef idx="minor">
+            <a:schemeClr val="tx1"/>
+          </a:fontRef>
+        </p:style>
+      </p:cxnSp>
+      <p:sp>
+        <p:nvSpPr>
+          <p:cNvPr id="122" name="矩形 121">
+            <a:extLst>
+              <a:ext uri="{FF2B5EF4-FFF2-40B4-BE49-F238E27FC236}">
+                <a16:creationId xmlns:a16="http://schemas.microsoft.com/office/drawing/2014/main" id="{559BD96B-1F3D-38AB-1BBE-6F78C9E1DFEA}"/>
+              </a:ext>
+            </a:extLst>
+          </p:cNvPr>
+          <p:cNvSpPr/>
+          <p:nvPr/>
+        </p:nvSpPr>
+        <p:spPr>
+          <a:xfrm>
+            <a:off x="6337916" y="2889723"/>
+            <a:ext cx="1306285" cy="870857"/>
+          </a:xfrm>
+          <a:prstGeom prst="rect">
+            <a:avLst/>
+          </a:prstGeom>
+        </p:spPr>
+        <p:style>
+          <a:lnRef idx="2">
+            <a:schemeClr val="accent1">
+              <a:shade val="15000"/>
+            </a:schemeClr>
+          </a:lnRef>
+          <a:fillRef idx="1">
+            <a:schemeClr val="accent1"/>
+          </a:fillRef>
+          <a:effectRef idx="0">
+            <a:schemeClr val="accent1"/>
+          </a:effectRef>
+          <a:fontRef idx="minor">
+            <a:schemeClr val="lt1"/>
+          </a:fontRef>
+        </p:style>
+        <p:txBody>
+          <a:bodyPr rtlCol="0" anchor="ctr"/>
+          <a:lstStyle/>
+          <a:p>
+            <a:pPr algn="ctr"/>
+            <a:r>
+              <a:rPr lang="zh-CN" altLang="en-US" dirty="0"/>
+              <a:t>异常训练图像</a:t>
+            </a:r>
+          </a:p>
+        </p:txBody>
+      </p:sp>
+      <p:sp>
+        <p:nvSpPr>
+          <p:cNvPr id="123" name="矩形: 圆角 122">
+            <a:extLst>
+              <a:ext uri="{FF2B5EF4-FFF2-40B4-BE49-F238E27FC236}">
+                <a16:creationId xmlns:a16="http://schemas.microsoft.com/office/drawing/2014/main" id="{845B2036-2E3C-A8C2-EB7D-1E66340BB448}"/>
+              </a:ext>
+            </a:extLst>
+          </p:cNvPr>
+          <p:cNvSpPr/>
+          <p:nvPr/>
+        </p:nvSpPr>
+        <p:spPr>
+          <a:xfrm>
+            <a:off x="7945101" y="3123465"/>
+            <a:ext cx="1031286" cy="403375"/>
+          </a:xfrm>
+          <a:prstGeom prst="roundRect">
+            <a:avLst>
+              <a:gd name="adj" fmla="val 50000"/>
+            </a:avLst>
+          </a:prstGeom>
+        </p:spPr>
+        <p:style>
+          <a:lnRef idx="2">
+            <a:schemeClr val="accent1">
+              <a:shade val="15000"/>
+            </a:schemeClr>
+          </a:lnRef>
+          <a:fillRef idx="1">
+            <a:schemeClr val="accent1"/>
+          </a:fillRef>
+          <a:effectRef idx="0">
+            <a:schemeClr val="accent1"/>
+          </a:effectRef>
+          <a:fontRef idx="minor">
+            <a:schemeClr val="lt1"/>
+          </a:fontRef>
+        </p:style>
+        <p:txBody>
+          <a:bodyPr rtlCol="0" anchor="ctr"/>
+          <a:lstStyle/>
+          <a:p>
+            <a:pPr algn="ctr"/>
+            <a:r>
+              <a:rPr lang="zh-CN" altLang="en-US" sz="1000" dirty="0"/>
+              <a:t>预训练特征提取器</a:t>
+            </a:r>
+          </a:p>
+        </p:txBody>
+      </p:sp>
+      <p:cxnSp>
+        <p:nvCxnSpPr>
+          <p:cNvPr id="124" name="连接符: 肘形 123">
+            <a:extLst>
+              <a:ext uri="{FF2B5EF4-FFF2-40B4-BE49-F238E27FC236}">
+                <a16:creationId xmlns:a16="http://schemas.microsoft.com/office/drawing/2014/main" id="{93049F0D-F79B-3470-9A3A-95D4CA10DAFB}"/>
+              </a:ext>
+            </a:extLst>
+          </p:cNvPr>
+          <p:cNvCxnSpPr>
+            <a:stCxn id="122" idx="3"/>
+            <a:endCxn id="123" idx="1"/>
+          </p:cNvCxnSpPr>
+          <p:nvPr/>
+        </p:nvCxnSpPr>
+        <p:spPr>
+          <a:xfrm>
+            <a:off x="7644201" y="3325152"/>
+            <a:ext cx="300900" cy="1"/>
+          </a:xfrm>
+          <a:prstGeom prst="bentConnector3">
+            <a:avLst/>
+          </a:prstGeom>
+          <a:ln>
+            <a:tailEnd type="triangle"/>
+          </a:ln>
+        </p:spPr>
+        <p:style>
+          <a:lnRef idx="1">
+            <a:schemeClr val="accent1"/>
+          </a:lnRef>
+          <a:fillRef idx="0">
+            <a:schemeClr val="accent1"/>
+          </a:fillRef>
+          <a:effectRef idx="0">
+            <a:schemeClr val="accent1"/>
+          </a:effectRef>
+          <a:fontRef idx="minor">
+            <a:schemeClr val="tx1"/>
+          </a:fontRef>
+        </p:style>
+      </p:cxnSp>
+      <p:cxnSp>
+        <p:nvCxnSpPr>
+          <p:cNvPr id="125" name="直接箭头连接符 124">
+            <a:extLst>
+              <a:ext uri="{FF2B5EF4-FFF2-40B4-BE49-F238E27FC236}">
+                <a16:creationId xmlns:a16="http://schemas.microsoft.com/office/drawing/2014/main" id="{D56B10B5-958E-29E9-52F3-9AA843512769}"/>
+              </a:ext>
+            </a:extLst>
+          </p:cNvPr>
+          <p:cNvCxnSpPr>
+            <a:cxnSpLocks/>
+            <a:stCxn id="123" idx="3"/>
+            <a:endCxn id="131" idx="1"/>
+          </p:cNvCxnSpPr>
+          <p:nvPr/>
+        </p:nvCxnSpPr>
+        <p:spPr>
+          <a:xfrm>
+            <a:off x="8976387" y="3325153"/>
+            <a:ext cx="338029" cy="0"/>
+          </a:xfrm>
+          <a:prstGeom prst="straightConnector1">
+            <a:avLst/>
+          </a:prstGeom>
+          <a:ln>
+            <a:tailEnd type="triangle"/>
+          </a:ln>
+        </p:spPr>
+        <p:style>
+          <a:lnRef idx="1">
+            <a:schemeClr val="accent1"/>
+          </a:lnRef>
+          <a:fillRef idx="0">
+            <a:schemeClr val="accent1"/>
+          </a:fillRef>
+          <a:effectRef idx="0">
+            <a:schemeClr val="accent1"/>
+          </a:effectRef>
+          <a:fontRef idx="minor">
+            <a:schemeClr val="tx1"/>
+          </a:fontRef>
+        </p:style>
+      </p:cxnSp>
+      <p:grpSp>
+        <p:nvGrpSpPr>
+          <p:cNvPr id="126" name="组合 125">
+            <a:extLst>
+              <a:ext uri="{FF2B5EF4-FFF2-40B4-BE49-F238E27FC236}">
+                <a16:creationId xmlns:a16="http://schemas.microsoft.com/office/drawing/2014/main" id="{6E317093-30C3-9E50-155C-D2290ADB12FC}"/>
+              </a:ext>
+            </a:extLst>
+          </p:cNvPr>
+          <p:cNvGrpSpPr/>
+          <p:nvPr/>
+        </p:nvGrpSpPr>
+        <p:grpSpPr>
+          <a:xfrm>
+            <a:off x="9314416" y="2965151"/>
+            <a:ext cx="1138509" cy="720000"/>
+            <a:chOff x="4249837" y="1909791"/>
+            <a:chExt cx="1138509" cy="720000"/>
+          </a:xfrm>
+        </p:grpSpPr>
+        <p:sp>
+          <p:nvSpPr>
+            <p:cNvPr id="127" name="矩形 126">
+              <a:extLst>
+                <a:ext uri="{FF2B5EF4-FFF2-40B4-BE49-F238E27FC236}">
+                  <a16:creationId xmlns:a16="http://schemas.microsoft.com/office/drawing/2014/main" id="{0A294EE7-2EAC-06EB-D255-E2379DC9FCD6}"/>
+                </a:ext>
+              </a:extLst>
+            </p:cNvPr>
+            <p:cNvSpPr/>
+            <p:nvPr/>
+          </p:nvSpPr>
+          <p:spPr>
+            <a:xfrm>
+              <a:off x="4249837" y="1909793"/>
+              <a:ext cx="184467" cy="198239"/>
+            </a:xfrm>
+            <a:prstGeom prst="rect">
+              <a:avLst/>
+            </a:prstGeom>
+          </p:spPr>
+          <p:style>
+            <a:lnRef idx="2">
+              <a:schemeClr val="accent1">
+                <a:shade val="15000"/>
+              </a:schemeClr>
+            </a:lnRef>
+            <a:fillRef idx="1">
+              <a:schemeClr val="accent1"/>
+            </a:fillRef>
+            <a:effectRef idx="0">
+              <a:schemeClr val="accent1"/>
+            </a:effectRef>
+            <a:fontRef idx="minor">
+              <a:schemeClr val="lt1"/>
+            </a:fontRef>
+          </p:style>
+          <p:txBody>
+            <a:bodyPr rtlCol="0" anchor="ctr"/>
+            <a:lstStyle/>
+            <a:p>
+              <a:pPr algn="ctr"/>
+              <a:endParaRPr lang="zh-CN" altLang="en-US"/>
+            </a:p>
+          </p:txBody>
+        </p:sp>
+        <p:sp>
+          <p:nvSpPr>
+            <p:cNvPr id="128" name="矩形 127">
+              <a:extLst>
+                <a:ext uri="{FF2B5EF4-FFF2-40B4-BE49-F238E27FC236}">
+                  <a16:creationId xmlns:a16="http://schemas.microsoft.com/office/drawing/2014/main" id="{FC2759F5-D942-FC42-006E-B5F77A3857C0}"/>
+                </a:ext>
+              </a:extLst>
+            </p:cNvPr>
+            <p:cNvSpPr/>
+            <p:nvPr/>
+          </p:nvSpPr>
+          <p:spPr>
+            <a:xfrm>
+              <a:off x="4488348" y="1909792"/>
+              <a:ext cx="184467" cy="198239"/>
+            </a:xfrm>
+            <a:prstGeom prst="rect">
+              <a:avLst/>
+            </a:prstGeom>
+          </p:spPr>
+          <p:style>
+            <a:lnRef idx="2">
+              <a:schemeClr val="accent1">
+                <a:shade val="15000"/>
+              </a:schemeClr>
+            </a:lnRef>
+            <a:fillRef idx="1">
+              <a:schemeClr val="accent1"/>
+            </a:fillRef>
+            <a:effectRef idx="0">
+              <a:schemeClr val="accent1"/>
+            </a:effectRef>
+            <a:fontRef idx="minor">
+              <a:schemeClr val="lt1"/>
+            </a:fontRef>
+          </p:style>
+          <p:txBody>
+            <a:bodyPr rtlCol="0" anchor="ctr"/>
+            <a:lstStyle/>
+            <a:p>
+              <a:pPr algn="ctr"/>
+              <a:endParaRPr lang="zh-CN" altLang="en-US"/>
+            </a:p>
+          </p:txBody>
+        </p:sp>
+        <p:sp>
+          <p:nvSpPr>
+            <p:cNvPr id="129" name="矩形 128">
+              <a:extLst>
+                <a:ext uri="{FF2B5EF4-FFF2-40B4-BE49-F238E27FC236}">
+                  <a16:creationId xmlns:a16="http://schemas.microsoft.com/office/drawing/2014/main" id="{5F68FB47-ABF7-A428-026A-74E14677C515}"/>
+                </a:ext>
+              </a:extLst>
+            </p:cNvPr>
+            <p:cNvSpPr/>
+            <p:nvPr/>
+          </p:nvSpPr>
+          <p:spPr>
+            <a:xfrm>
+              <a:off x="4726859" y="1909791"/>
+              <a:ext cx="184467" cy="198239"/>
+            </a:xfrm>
+            <a:prstGeom prst="rect">
+              <a:avLst/>
+            </a:prstGeom>
+          </p:spPr>
+          <p:style>
+            <a:lnRef idx="2">
+              <a:schemeClr val="accent1">
+                <a:shade val="15000"/>
+              </a:schemeClr>
+            </a:lnRef>
+            <a:fillRef idx="1">
+              <a:schemeClr val="accent1"/>
+            </a:fillRef>
+            <a:effectRef idx="0">
+              <a:schemeClr val="accent1"/>
+            </a:effectRef>
+            <a:fontRef idx="minor">
+              <a:schemeClr val="lt1"/>
+            </a:fontRef>
+          </p:style>
+          <p:txBody>
+            <a:bodyPr rtlCol="0" anchor="ctr"/>
+            <a:lstStyle/>
+            <a:p>
+              <a:pPr algn="ctr"/>
+              <a:endParaRPr lang="zh-CN" altLang="en-US"/>
+            </a:p>
+          </p:txBody>
+        </p:sp>
+        <p:sp>
+          <p:nvSpPr>
+            <p:cNvPr id="130" name="矩形 129">
+              <a:extLst>
+                <a:ext uri="{FF2B5EF4-FFF2-40B4-BE49-F238E27FC236}">
+                  <a16:creationId xmlns:a16="http://schemas.microsoft.com/office/drawing/2014/main" id="{4A8222AE-2D97-C36C-5290-8F8486722851}"/>
+                </a:ext>
+              </a:extLst>
+            </p:cNvPr>
+            <p:cNvSpPr/>
+            <p:nvPr/>
+          </p:nvSpPr>
+          <p:spPr>
+            <a:xfrm>
+              <a:off x="4965370" y="1909793"/>
+              <a:ext cx="184467" cy="198239"/>
+            </a:xfrm>
+            <a:prstGeom prst="rect">
+              <a:avLst/>
+            </a:prstGeom>
+          </p:spPr>
+          <p:style>
+            <a:lnRef idx="2">
+              <a:schemeClr val="accent1">
+                <a:shade val="15000"/>
+              </a:schemeClr>
+            </a:lnRef>
+            <a:fillRef idx="1">
+              <a:schemeClr val="accent1"/>
+            </a:fillRef>
+            <a:effectRef idx="0">
+              <a:schemeClr val="accent1"/>
+            </a:effectRef>
+            <a:fontRef idx="minor">
+              <a:schemeClr val="lt1"/>
+            </a:fontRef>
+          </p:style>
+          <p:txBody>
+            <a:bodyPr rtlCol="0" anchor="ctr"/>
+            <a:lstStyle/>
+            <a:p>
+              <a:pPr algn="ctr"/>
+              <a:endParaRPr lang="zh-CN" altLang="en-US"/>
+            </a:p>
+          </p:txBody>
+        </p:sp>
+        <p:sp>
+          <p:nvSpPr>
+            <p:cNvPr id="131" name="矩形 130">
+              <a:extLst>
+                <a:ext uri="{FF2B5EF4-FFF2-40B4-BE49-F238E27FC236}">
+                  <a16:creationId xmlns:a16="http://schemas.microsoft.com/office/drawing/2014/main" id="{23FB0DD2-1FC2-A340-0BC9-D63F6FA006C8}"/>
+                </a:ext>
+              </a:extLst>
+            </p:cNvPr>
+            <p:cNvSpPr/>
+            <p:nvPr/>
+          </p:nvSpPr>
+          <p:spPr>
+            <a:xfrm>
+              <a:off x="4249837" y="2170673"/>
+              <a:ext cx="184467" cy="198239"/>
+            </a:xfrm>
+            <a:prstGeom prst="rect">
+              <a:avLst/>
+            </a:prstGeom>
+          </p:spPr>
+          <p:style>
+            <a:lnRef idx="2">
+              <a:schemeClr val="accent1">
+                <a:shade val="15000"/>
+              </a:schemeClr>
+            </a:lnRef>
+            <a:fillRef idx="1">
+              <a:schemeClr val="accent1"/>
+            </a:fillRef>
+            <a:effectRef idx="0">
+              <a:schemeClr val="accent1"/>
+            </a:effectRef>
+            <a:fontRef idx="minor">
+              <a:schemeClr val="lt1"/>
+            </a:fontRef>
+          </p:style>
+          <p:txBody>
+            <a:bodyPr rtlCol="0" anchor="ctr"/>
+            <a:lstStyle/>
+            <a:p>
+              <a:pPr algn="ctr"/>
+              <a:endParaRPr lang="zh-CN" altLang="en-US"/>
+            </a:p>
+          </p:txBody>
+        </p:sp>
+        <p:sp>
+          <p:nvSpPr>
+            <p:cNvPr id="132" name="矩形 131">
+              <a:extLst>
+                <a:ext uri="{FF2B5EF4-FFF2-40B4-BE49-F238E27FC236}">
+                  <a16:creationId xmlns:a16="http://schemas.microsoft.com/office/drawing/2014/main" id="{AF017AFB-B34B-0EB0-FB6C-3D34AB407B6B}"/>
+                </a:ext>
+              </a:extLst>
+            </p:cNvPr>
+            <p:cNvSpPr/>
+            <p:nvPr/>
+          </p:nvSpPr>
+          <p:spPr>
+            <a:xfrm>
+              <a:off x="4488347" y="2170673"/>
+              <a:ext cx="184467" cy="198239"/>
+            </a:xfrm>
+            <a:prstGeom prst="rect">
+              <a:avLst/>
+            </a:prstGeom>
+          </p:spPr>
+          <p:style>
+            <a:lnRef idx="2">
+              <a:schemeClr val="accent1">
+                <a:shade val="15000"/>
+              </a:schemeClr>
+            </a:lnRef>
+            <a:fillRef idx="1">
+              <a:schemeClr val="accent1"/>
+            </a:fillRef>
+            <a:effectRef idx="0">
+              <a:schemeClr val="accent1"/>
+            </a:effectRef>
+            <a:fontRef idx="minor">
+              <a:schemeClr val="lt1"/>
+            </a:fontRef>
+          </p:style>
+          <p:txBody>
+            <a:bodyPr rtlCol="0" anchor="ctr"/>
+            <a:lstStyle/>
+            <a:p>
+              <a:pPr algn="ctr"/>
+              <a:endParaRPr lang="zh-CN" altLang="en-US"/>
+            </a:p>
+          </p:txBody>
+        </p:sp>
+        <p:sp>
+          <p:nvSpPr>
+            <p:cNvPr id="133" name="矩形 132">
+              <a:extLst>
+                <a:ext uri="{FF2B5EF4-FFF2-40B4-BE49-F238E27FC236}">
+                  <a16:creationId xmlns:a16="http://schemas.microsoft.com/office/drawing/2014/main" id="{704FA8E7-EB72-60E9-62BE-23C9BE43F3B0}"/>
+                </a:ext>
+              </a:extLst>
+            </p:cNvPr>
+            <p:cNvSpPr/>
+            <p:nvPr/>
+          </p:nvSpPr>
+          <p:spPr>
+            <a:xfrm>
+              <a:off x="4726858" y="2170672"/>
+              <a:ext cx="184467" cy="198239"/>
+            </a:xfrm>
+            <a:prstGeom prst="rect">
+              <a:avLst/>
+            </a:prstGeom>
+          </p:spPr>
+          <p:style>
+            <a:lnRef idx="2">
+              <a:schemeClr val="accent1">
+                <a:shade val="15000"/>
+              </a:schemeClr>
+            </a:lnRef>
+            <a:fillRef idx="1">
+              <a:schemeClr val="accent1"/>
+            </a:fillRef>
+            <a:effectRef idx="0">
+              <a:schemeClr val="accent1"/>
+            </a:effectRef>
+            <a:fontRef idx="minor">
+              <a:schemeClr val="lt1"/>
+            </a:fontRef>
+          </p:style>
+          <p:txBody>
+            <a:bodyPr rtlCol="0" anchor="ctr"/>
+            <a:lstStyle/>
+            <a:p>
+              <a:pPr algn="ctr"/>
+              <a:endParaRPr lang="zh-CN" altLang="en-US"/>
+            </a:p>
+          </p:txBody>
+        </p:sp>
+        <p:sp>
+          <p:nvSpPr>
+            <p:cNvPr id="134" name="矩形 133">
+              <a:extLst>
+                <a:ext uri="{FF2B5EF4-FFF2-40B4-BE49-F238E27FC236}">
+                  <a16:creationId xmlns:a16="http://schemas.microsoft.com/office/drawing/2014/main" id="{8A98E6F7-A5DE-306E-2A51-3D0060AD5E0F}"/>
+                </a:ext>
+              </a:extLst>
+            </p:cNvPr>
+            <p:cNvSpPr/>
+            <p:nvPr/>
+          </p:nvSpPr>
+          <p:spPr>
+            <a:xfrm>
+              <a:off x="4965369" y="2170674"/>
+              <a:ext cx="184467" cy="198239"/>
+            </a:xfrm>
+            <a:prstGeom prst="rect">
+              <a:avLst/>
+            </a:prstGeom>
+          </p:spPr>
+          <p:style>
+            <a:lnRef idx="2">
+              <a:schemeClr val="accent1">
+                <a:shade val="15000"/>
+              </a:schemeClr>
+            </a:lnRef>
+            <a:fillRef idx="1">
+              <a:schemeClr val="accent1"/>
+            </a:fillRef>
+            <a:effectRef idx="0">
+              <a:schemeClr val="accent1"/>
+            </a:effectRef>
+            <a:fontRef idx="minor">
+              <a:schemeClr val="lt1"/>
+            </a:fontRef>
+          </p:style>
+          <p:txBody>
+            <a:bodyPr rtlCol="0" anchor="ctr"/>
+            <a:lstStyle/>
+            <a:p>
+              <a:pPr algn="ctr"/>
+              <a:endParaRPr lang="zh-CN" altLang="en-US"/>
+            </a:p>
+          </p:txBody>
+        </p:sp>
+        <p:sp>
+          <p:nvSpPr>
+            <p:cNvPr id="135" name="矩形 134">
+              <a:extLst>
+                <a:ext uri="{FF2B5EF4-FFF2-40B4-BE49-F238E27FC236}">
+                  <a16:creationId xmlns:a16="http://schemas.microsoft.com/office/drawing/2014/main" id="{C133E9C4-EF4E-6873-0D17-3DEA8C2A9F85}"/>
+                </a:ext>
+              </a:extLst>
+            </p:cNvPr>
+            <p:cNvSpPr/>
+            <p:nvPr/>
+          </p:nvSpPr>
+          <p:spPr>
+            <a:xfrm>
+              <a:off x="4249837" y="2431552"/>
+              <a:ext cx="184467" cy="198239"/>
+            </a:xfrm>
+            <a:prstGeom prst="rect">
+              <a:avLst/>
+            </a:prstGeom>
+          </p:spPr>
+          <p:style>
+            <a:lnRef idx="2">
+              <a:schemeClr val="accent1">
+                <a:shade val="15000"/>
+              </a:schemeClr>
+            </a:lnRef>
+            <a:fillRef idx="1">
+              <a:schemeClr val="accent1"/>
+            </a:fillRef>
+            <a:effectRef idx="0">
+              <a:schemeClr val="accent1"/>
+            </a:effectRef>
+            <a:fontRef idx="minor">
+              <a:schemeClr val="lt1"/>
+            </a:fontRef>
+          </p:style>
+          <p:txBody>
+            <a:bodyPr rtlCol="0" anchor="ctr"/>
+            <a:lstStyle/>
+            <a:p>
+              <a:pPr algn="ctr"/>
+              <a:endParaRPr lang="zh-CN" altLang="en-US"/>
+            </a:p>
+          </p:txBody>
+        </p:sp>
+        <p:sp>
+          <p:nvSpPr>
+            <p:cNvPr id="136" name="矩形 135">
+              <a:extLst>
+                <a:ext uri="{FF2B5EF4-FFF2-40B4-BE49-F238E27FC236}">
+                  <a16:creationId xmlns:a16="http://schemas.microsoft.com/office/drawing/2014/main" id="{06FF6001-1BE9-50F7-FAA8-15EEC9DC84DC}"/>
+                </a:ext>
+              </a:extLst>
+            </p:cNvPr>
+            <p:cNvSpPr/>
+            <p:nvPr/>
+          </p:nvSpPr>
+          <p:spPr>
+            <a:xfrm>
+              <a:off x="4488348" y="2431550"/>
+              <a:ext cx="184467" cy="198239"/>
+            </a:xfrm>
+            <a:prstGeom prst="rect">
+              <a:avLst/>
+            </a:prstGeom>
+          </p:spPr>
+          <p:style>
+            <a:lnRef idx="2">
+              <a:schemeClr val="accent1">
+                <a:shade val="15000"/>
+              </a:schemeClr>
+            </a:lnRef>
+            <a:fillRef idx="1">
+              <a:schemeClr val="accent1"/>
+            </a:fillRef>
+            <a:effectRef idx="0">
+              <a:schemeClr val="accent1"/>
+            </a:effectRef>
+            <a:fontRef idx="minor">
+              <a:schemeClr val="lt1"/>
+            </a:fontRef>
+          </p:style>
+          <p:txBody>
+            <a:bodyPr rtlCol="0" anchor="ctr"/>
+            <a:lstStyle/>
+            <a:p>
+              <a:pPr algn="ctr"/>
+              <a:endParaRPr lang="zh-CN" altLang="en-US"/>
+            </a:p>
+          </p:txBody>
+        </p:sp>
+        <p:sp>
+          <p:nvSpPr>
+            <p:cNvPr id="137" name="矩形 136">
+              <a:extLst>
+                <a:ext uri="{FF2B5EF4-FFF2-40B4-BE49-F238E27FC236}">
+                  <a16:creationId xmlns:a16="http://schemas.microsoft.com/office/drawing/2014/main" id="{CD9BB5AA-B0C8-EF3E-6DB3-35E32038133E}"/>
+                </a:ext>
+              </a:extLst>
+            </p:cNvPr>
+            <p:cNvSpPr/>
+            <p:nvPr/>
+          </p:nvSpPr>
+          <p:spPr>
+            <a:xfrm>
+              <a:off x="4726859" y="2431549"/>
+              <a:ext cx="184467" cy="198239"/>
+            </a:xfrm>
+            <a:prstGeom prst="rect">
+              <a:avLst/>
+            </a:prstGeom>
+          </p:spPr>
+          <p:style>
+            <a:lnRef idx="2">
+              <a:schemeClr val="accent1">
+                <a:shade val="15000"/>
+              </a:schemeClr>
+            </a:lnRef>
+            <a:fillRef idx="1">
+              <a:schemeClr val="accent1"/>
+            </a:fillRef>
+            <a:effectRef idx="0">
+              <a:schemeClr val="accent1"/>
+            </a:effectRef>
+            <a:fontRef idx="minor">
+              <a:schemeClr val="lt1"/>
+            </a:fontRef>
+          </p:style>
+          <p:txBody>
+            <a:bodyPr rtlCol="0" anchor="ctr"/>
+            <a:lstStyle/>
+            <a:p>
+              <a:pPr algn="ctr"/>
+              <a:endParaRPr lang="zh-CN" altLang="en-US"/>
+            </a:p>
+          </p:txBody>
+        </p:sp>
+        <p:sp>
+          <p:nvSpPr>
+            <p:cNvPr id="138" name="矩形 137">
+              <a:extLst>
+                <a:ext uri="{FF2B5EF4-FFF2-40B4-BE49-F238E27FC236}">
+                  <a16:creationId xmlns:a16="http://schemas.microsoft.com/office/drawing/2014/main" id="{67A0AE45-4AF1-5326-139F-2E2BA45846EE}"/>
+                </a:ext>
+              </a:extLst>
+            </p:cNvPr>
+            <p:cNvSpPr/>
+            <p:nvPr/>
+          </p:nvSpPr>
+          <p:spPr>
+            <a:xfrm>
+              <a:off x="4965370" y="2431552"/>
+              <a:ext cx="184467" cy="198239"/>
+            </a:xfrm>
+            <a:prstGeom prst="rect">
+              <a:avLst/>
+            </a:prstGeom>
+          </p:spPr>
+          <p:style>
+            <a:lnRef idx="2">
+              <a:schemeClr val="accent1">
+                <a:shade val="15000"/>
+              </a:schemeClr>
+            </a:lnRef>
+            <a:fillRef idx="1">
+              <a:schemeClr val="accent1"/>
+            </a:fillRef>
+            <a:effectRef idx="0">
+              <a:schemeClr val="accent1"/>
+            </a:effectRef>
+            <a:fontRef idx="minor">
+              <a:schemeClr val="lt1"/>
+            </a:fontRef>
+          </p:style>
+          <p:txBody>
+            <a:bodyPr rtlCol="0" anchor="ctr"/>
+            <a:lstStyle/>
+            <a:p>
+              <a:pPr algn="ctr"/>
+              <a:endParaRPr lang="zh-CN" altLang="en-US"/>
+            </a:p>
+          </p:txBody>
+        </p:sp>
+        <p:sp>
+          <p:nvSpPr>
+            <p:cNvPr id="139" name="矩形 138">
+              <a:extLst>
+                <a:ext uri="{FF2B5EF4-FFF2-40B4-BE49-F238E27FC236}">
+                  <a16:creationId xmlns:a16="http://schemas.microsoft.com/office/drawing/2014/main" id="{737E06E6-5758-2B5C-BF4A-F3BA11242BEE}"/>
+                </a:ext>
+              </a:extLst>
+            </p:cNvPr>
+            <p:cNvSpPr/>
+            <p:nvPr/>
+          </p:nvSpPr>
+          <p:spPr>
+            <a:xfrm>
+              <a:off x="5203879" y="1909791"/>
+              <a:ext cx="184467" cy="198239"/>
+            </a:xfrm>
+            <a:prstGeom prst="rect">
+              <a:avLst/>
+            </a:prstGeom>
+          </p:spPr>
+          <p:style>
+            <a:lnRef idx="2">
+              <a:schemeClr val="accent1">
+                <a:shade val="15000"/>
+              </a:schemeClr>
+            </a:lnRef>
+            <a:fillRef idx="1">
+              <a:schemeClr val="accent1"/>
+            </a:fillRef>
+            <a:effectRef idx="0">
+              <a:schemeClr val="accent1"/>
+            </a:effectRef>
+            <a:fontRef idx="minor">
+              <a:schemeClr val="lt1"/>
+            </a:fontRef>
+          </p:style>
+          <p:txBody>
+            <a:bodyPr rtlCol="0" anchor="ctr"/>
+            <a:lstStyle/>
+            <a:p>
+              <a:pPr algn="ctr"/>
+              <a:endParaRPr lang="zh-CN" altLang="en-US"/>
+            </a:p>
+          </p:txBody>
+        </p:sp>
+        <p:sp>
+          <p:nvSpPr>
+            <p:cNvPr id="140" name="矩形 139">
+              <a:extLst>
+                <a:ext uri="{FF2B5EF4-FFF2-40B4-BE49-F238E27FC236}">
+                  <a16:creationId xmlns:a16="http://schemas.microsoft.com/office/drawing/2014/main" id="{667B7EDF-D354-E35B-CFE5-2FDE59C6A2E2}"/>
+                </a:ext>
+              </a:extLst>
+            </p:cNvPr>
+            <p:cNvSpPr/>
+            <p:nvPr/>
+          </p:nvSpPr>
+          <p:spPr>
+            <a:xfrm>
+              <a:off x="5203878" y="2170672"/>
+              <a:ext cx="184467" cy="198239"/>
+            </a:xfrm>
+            <a:prstGeom prst="rect">
+              <a:avLst/>
+            </a:prstGeom>
+          </p:spPr>
+          <p:style>
+            <a:lnRef idx="2">
+              <a:schemeClr val="accent1">
+                <a:shade val="15000"/>
+              </a:schemeClr>
+            </a:lnRef>
+            <a:fillRef idx="1">
+              <a:schemeClr val="accent1"/>
+            </a:fillRef>
+            <a:effectRef idx="0">
+              <a:schemeClr val="accent1"/>
+            </a:effectRef>
+            <a:fontRef idx="minor">
+              <a:schemeClr val="lt1"/>
+            </a:fontRef>
+          </p:style>
+          <p:txBody>
+            <a:bodyPr rtlCol="0" anchor="ctr"/>
+            <a:lstStyle/>
+            <a:p>
+              <a:pPr algn="ctr"/>
+              <a:endParaRPr lang="zh-CN" altLang="en-US"/>
+            </a:p>
+          </p:txBody>
+        </p:sp>
+        <p:sp>
+          <p:nvSpPr>
+            <p:cNvPr id="141" name="矩形 140">
+              <a:extLst>
+                <a:ext uri="{FF2B5EF4-FFF2-40B4-BE49-F238E27FC236}">
+                  <a16:creationId xmlns:a16="http://schemas.microsoft.com/office/drawing/2014/main" id="{1C140841-44DE-922B-8492-CF5C6AD86B8D}"/>
+                </a:ext>
+              </a:extLst>
+            </p:cNvPr>
+            <p:cNvSpPr/>
+            <p:nvPr/>
+          </p:nvSpPr>
+          <p:spPr>
+            <a:xfrm>
+              <a:off x="5203879" y="2431550"/>
+              <a:ext cx="184467" cy="198239"/>
+            </a:xfrm>
+            <a:prstGeom prst="rect">
+              <a:avLst/>
+            </a:prstGeom>
+          </p:spPr>
+          <p:style>
+            <a:lnRef idx="2">
+              <a:schemeClr val="accent1">
+                <a:shade val="15000"/>
+              </a:schemeClr>
+            </a:lnRef>
+            <a:fillRef idx="1">
+              <a:schemeClr val="accent1"/>
+            </a:fillRef>
+            <a:effectRef idx="0">
+              <a:schemeClr val="accent1"/>
+            </a:effectRef>
+            <a:fontRef idx="minor">
+              <a:schemeClr val="lt1"/>
+            </a:fontRef>
+          </p:style>
+          <p:txBody>
+            <a:bodyPr rtlCol="0" anchor="ctr"/>
+            <a:lstStyle/>
+            <a:p>
+              <a:pPr algn="ctr"/>
+              <a:endParaRPr lang="zh-CN" altLang="en-US"/>
+            </a:p>
+          </p:txBody>
+        </p:sp>
+      </p:grpSp>
+      <p:cxnSp>
+        <p:nvCxnSpPr>
+          <p:cNvPr id="142" name="连接符: 肘形 141">
+            <a:extLst>
+              <a:ext uri="{FF2B5EF4-FFF2-40B4-BE49-F238E27FC236}">
+                <a16:creationId xmlns:a16="http://schemas.microsoft.com/office/drawing/2014/main" id="{A94D0FCE-6C40-2E1E-290E-DA5C70D0A72D}"/>
+              </a:ext>
+            </a:extLst>
+          </p:cNvPr>
+          <p:cNvCxnSpPr>
+            <a:cxnSpLocks/>
+            <a:stCxn id="140" idx="3"/>
+            <a:endCxn id="120" idx="1"/>
+          </p:cNvCxnSpPr>
+          <p:nvPr/>
+        </p:nvCxnSpPr>
+        <p:spPr>
+          <a:xfrm flipV="1">
+            <a:off x="10452924" y="2220367"/>
+            <a:ext cx="452181" cy="1104785"/>
+          </a:xfrm>
+          <a:prstGeom prst="bentConnector3">
+            <a:avLst/>
+          </a:prstGeom>
+          <a:ln>
+            <a:tailEnd type="triangle"/>
+          </a:ln>
+        </p:spPr>
+        <p:style>
+          <a:lnRef idx="1">
+            <a:schemeClr val="accent1"/>
+          </a:lnRef>
+          <a:fillRef idx="0">
+            <a:schemeClr val="accent1"/>
+          </a:fillRef>
+          <a:effectRef idx="0">
+            <a:schemeClr val="accent1"/>
+          </a:effectRef>
+          <a:fontRef idx="minor">
+            <a:schemeClr val="tx1"/>
+          </a:fontRef>
+        </p:style>
+      </p:cxnSp>
     </p:spTree>
     <p:extLst>
       <p:ext uri="{BB962C8B-B14F-4D97-AF65-F5344CB8AC3E}">
-        <p14:creationId xmlns:p14="http://schemas.microsoft.com/office/powerpoint/2010/main" val="1231908530"/>
+        <p14:creationId xmlns:p14="http://schemas.microsoft.com/office/powerpoint/2010/main" val="3346910178"/>
+      </p:ext>
+    </p:extLst>
+  </p:cSld>
+  <p:clrMapOvr>
+    <a:masterClrMapping/>
+  </p:clrMapOvr>
+</p:sld>
+</file>
+
+<file path=ppt/slides/slide17.xml><?xml version="1.0" encoding="utf-8"?>
+<p:sld xmlns:a="http://schemas.openxmlformats.org/drawingml/2006/main" xmlns:r="http://schemas.openxmlformats.org/officeDocument/2006/relationships" xmlns:p="http://schemas.openxmlformats.org/presentationml/2006/main">
+  <p:cSld>
+    <p:spTree>
+      <p:nvGrpSpPr>
+        <p:cNvPr id="1" name=""/>
+        <p:cNvGrpSpPr/>
+        <p:nvPr/>
+      </p:nvGrpSpPr>
+      <p:grpSpPr>
+        <a:xfrm>
+          <a:off x="0" y="0"/>
+          <a:ext cx="0" cy="0"/>
+          <a:chOff x="0" y="0"/>
+          <a:chExt cx="0" cy="0"/>
+        </a:xfrm>
+      </p:grpSpPr>
+      <p:sp>
+        <p:nvSpPr>
+          <p:cNvPr id="2" name="标题 1">
+            <a:extLst>
+              <a:ext uri="{FF2B5EF4-FFF2-40B4-BE49-F238E27FC236}">
+                <a16:creationId xmlns:a16="http://schemas.microsoft.com/office/drawing/2014/main" id="{6106243C-D641-758E-76C4-43DE50BE8BD0}"/>
+              </a:ext>
+            </a:extLst>
+          </p:cNvPr>
+          <p:cNvSpPr>
+            <a:spLocks noGrp="1"/>
+          </p:cNvSpPr>
+          <p:nvPr>
+            <p:ph type="title"/>
+          </p:nvPr>
+        </p:nvSpPr>
+        <p:spPr/>
+        <p:txBody>
+          <a:bodyPr>
+            <a:normAutofit fontScale="90000"/>
+          </a:bodyPr>
+          <a:lstStyle/>
+          <a:p>
+            <a:r>
+              <a:rPr lang="en-US" altLang="zh-CN" dirty="0"/>
+              <a:t>Text-Guided Variational Image Generation for Industrial Anomaly Detection </a:t>
+            </a:r>
+            <a:r>
+              <a:rPr lang="en-US" altLang="zh-CN"/>
+              <a:t>and Segmentation, CVPR2024</a:t>
+            </a:r>
+            <a:endParaRPr lang="zh-CN" altLang="en-US" dirty="0"/>
+          </a:p>
+        </p:txBody>
+      </p:sp>
+      <p:sp>
+        <p:nvSpPr>
+          <p:cNvPr id="4" name="矩形 3">
+            <a:extLst>
+              <a:ext uri="{FF2B5EF4-FFF2-40B4-BE49-F238E27FC236}">
+                <a16:creationId xmlns:a16="http://schemas.microsoft.com/office/drawing/2014/main" id="{070C407A-C345-69DD-8096-21749DD1AE00}"/>
+              </a:ext>
+            </a:extLst>
+          </p:cNvPr>
+          <p:cNvSpPr/>
+          <p:nvPr/>
+        </p:nvSpPr>
+        <p:spPr>
+          <a:xfrm>
+            <a:off x="3457529" y="2889127"/>
+            <a:ext cx="1306285" cy="870857"/>
+          </a:xfrm>
+          <a:prstGeom prst="rect">
+            <a:avLst/>
+          </a:prstGeom>
+        </p:spPr>
+        <p:style>
+          <a:lnRef idx="2">
+            <a:schemeClr val="accent1">
+              <a:shade val="15000"/>
+            </a:schemeClr>
+          </a:lnRef>
+          <a:fillRef idx="1">
+            <a:schemeClr val="accent1"/>
+          </a:fillRef>
+          <a:effectRef idx="0">
+            <a:schemeClr val="accent1"/>
+          </a:effectRef>
+          <a:fontRef idx="minor">
+            <a:schemeClr val="lt1"/>
+          </a:fontRef>
+        </p:style>
+        <p:txBody>
+          <a:bodyPr rtlCol="0" anchor="ctr"/>
+          <a:lstStyle/>
+          <a:p>
+            <a:pPr algn="ctr"/>
+            <a:r>
+              <a:rPr lang="zh-CN" altLang="en-US" dirty="0"/>
+              <a:t>正常训练图像</a:t>
+            </a:r>
+          </a:p>
+        </p:txBody>
+      </p:sp>
+      <p:sp>
+        <p:nvSpPr>
+          <p:cNvPr id="5" name="矩形: 圆角 4">
+            <a:extLst>
+              <a:ext uri="{FF2B5EF4-FFF2-40B4-BE49-F238E27FC236}">
+                <a16:creationId xmlns:a16="http://schemas.microsoft.com/office/drawing/2014/main" id="{C1ABFFF1-BEA4-8F45-FC2D-031690ED23DD}"/>
+              </a:ext>
+            </a:extLst>
+          </p:cNvPr>
+          <p:cNvSpPr/>
+          <p:nvPr/>
+        </p:nvSpPr>
+        <p:spPr>
+          <a:xfrm>
+            <a:off x="5064714" y="3122869"/>
+            <a:ext cx="1031286" cy="403375"/>
+          </a:xfrm>
+          <a:prstGeom prst="roundRect">
+            <a:avLst>
+              <a:gd name="adj" fmla="val 50000"/>
+            </a:avLst>
+          </a:prstGeom>
+        </p:spPr>
+        <p:style>
+          <a:lnRef idx="2">
+            <a:schemeClr val="accent1">
+              <a:shade val="15000"/>
+            </a:schemeClr>
+          </a:lnRef>
+          <a:fillRef idx="1">
+            <a:schemeClr val="accent1"/>
+          </a:fillRef>
+          <a:effectRef idx="0">
+            <a:schemeClr val="accent1"/>
+          </a:effectRef>
+          <a:fontRef idx="minor">
+            <a:schemeClr val="lt1"/>
+          </a:fontRef>
+        </p:style>
+        <p:txBody>
+          <a:bodyPr rtlCol="0" anchor="ctr"/>
+          <a:lstStyle/>
+          <a:p>
+            <a:pPr algn="ctr"/>
+            <a:r>
+              <a:rPr lang="zh-CN" altLang="en-US" sz="1000" dirty="0"/>
+              <a:t>图像生成</a:t>
+            </a:r>
+          </a:p>
+        </p:txBody>
+      </p:sp>
+      <p:cxnSp>
+        <p:nvCxnSpPr>
+          <p:cNvPr id="6" name="连接符: 肘形 5">
+            <a:extLst>
+              <a:ext uri="{FF2B5EF4-FFF2-40B4-BE49-F238E27FC236}">
+                <a16:creationId xmlns:a16="http://schemas.microsoft.com/office/drawing/2014/main" id="{EDD817AB-0E40-E9AF-047C-805E72CE248B}"/>
+              </a:ext>
+            </a:extLst>
+          </p:cNvPr>
+          <p:cNvCxnSpPr>
+            <a:stCxn id="4" idx="3"/>
+            <a:endCxn id="5" idx="1"/>
+          </p:cNvCxnSpPr>
+          <p:nvPr/>
+        </p:nvCxnSpPr>
+        <p:spPr>
+          <a:xfrm>
+            <a:off x="4763814" y="3324556"/>
+            <a:ext cx="300900" cy="1"/>
+          </a:xfrm>
+          <a:prstGeom prst="bentConnector3">
+            <a:avLst/>
+          </a:prstGeom>
+          <a:ln>
+            <a:tailEnd type="triangle"/>
+          </a:ln>
+        </p:spPr>
+        <p:style>
+          <a:lnRef idx="1">
+            <a:schemeClr val="accent1"/>
+          </a:lnRef>
+          <a:fillRef idx="0">
+            <a:schemeClr val="accent1"/>
+          </a:fillRef>
+          <a:effectRef idx="0">
+            <a:schemeClr val="accent1"/>
+          </a:effectRef>
+          <a:fontRef idx="minor">
+            <a:schemeClr val="tx1"/>
+          </a:fontRef>
+        </p:style>
+      </p:cxnSp>
+      <p:cxnSp>
+        <p:nvCxnSpPr>
+          <p:cNvPr id="7" name="直接箭头连接符 6">
+            <a:extLst>
+              <a:ext uri="{FF2B5EF4-FFF2-40B4-BE49-F238E27FC236}">
+                <a16:creationId xmlns:a16="http://schemas.microsoft.com/office/drawing/2014/main" id="{1911D360-EC25-E626-5AE9-4A8350B6B698}"/>
+              </a:ext>
+            </a:extLst>
+          </p:cNvPr>
+          <p:cNvCxnSpPr>
+            <a:cxnSpLocks/>
+            <a:stCxn id="5" idx="3"/>
+            <a:endCxn id="8" idx="1"/>
+          </p:cNvCxnSpPr>
+          <p:nvPr/>
+        </p:nvCxnSpPr>
+        <p:spPr>
+          <a:xfrm flipV="1">
+            <a:off x="6096000" y="2687441"/>
+            <a:ext cx="938241" cy="637116"/>
+          </a:xfrm>
+          <a:prstGeom prst="bentConnector3">
+            <a:avLst>
+              <a:gd name="adj1" fmla="val 50000"/>
+            </a:avLst>
+          </a:prstGeom>
+          <a:ln>
+            <a:tailEnd type="triangle"/>
+          </a:ln>
+        </p:spPr>
+        <p:style>
+          <a:lnRef idx="1">
+            <a:schemeClr val="accent1"/>
+          </a:lnRef>
+          <a:fillRef idx="0">
+            <a:schemeClr val="accent1"/>
+          </a:fillRef>
+          <a:effectRef idx="0">
+            <a:schemeClr val="accent1"/>
+          </a:effectRef>
+          <a:fontRef idx="minor">
+            <a:schemeClr val="tx1"/>
+          </a:fontRef>
+        </p:style>
+      </p:cxnSp>
+      <p:sp>
+        <p:nvSpPr>
+          <p:cNvPr id="8" name="矩形 7">
+            <a:extLst>
+              <a:ext uri="{FF2B5EF4-FFF2-40B4-BE49-F238E27FC236}">
+                <a16:creationId xmlns:a16="http://schemas.microsoft.com/office/drawing/2014/main" id="{D8ABBD53-DE2D-E2E2-51D1-C067B65110E8}"/>
+              </a:ext>
+            </a:extLst>
+          </p:cNvPr>
+          <p:cNvSpPr/>
+          <p:nvPr/>
+        </p:nvSpPr>
+        <p:spPr>
+          <a:xfrm>
+            <a:off x="7034241" y="2252012"/>
+            <a:ext cx="1306285" cy="870857"/>
+          </a:xfrm>
+          <a:prstGeom prst="rect">
+            <a:avLst/>
+          </a:prstGeom>
+        </p:spPr>
+        <p:style>
+          <a:lnRef idx="2">
+            <a:schemeClr val="accent1">
+              <a:shade val="15000"/>
+            </a:schemeClr>
+          </a:lnRef>
+          <a:fillRef idx="1">
+            <a:schemeClr val="accent1"/>
+          </a:fillRef>
+          <a:effectRef idx="0">
+            <a:schemeClr val="accent1"/>
+          </a:effectRef>
+          <a:fontRef idx="minor">
+            <a:schemeClr val="lt1"/>
+          </a:fontRef>
+        </p:style>
+        <p:txBody>
+          <a:bodyPr rtlCol="0" anchor="ctr"/>
+          <a:lstStyle/>
+          <a:p>
+            <a:pPr algn="ctr"/>
+            <a:r>
+              <a:rPr lang="zh-CN" altLang="en-US" dirty="0"/>
+              <a:t>正常训练图像</a:t>
+            </a:r>
+          </a:p>
+        </p:txBody>
+      </p:sp>
+      <p:sp>
+        <p:nvSpPr>
+          <p:cNvPr id="9" name="矩形 8">
+            <a:extLst>
+              <a:ext uri="{FF2B5EF4-FFF2-40B4-BE49-F238E27FC236}">
+                <a16:creationId xmlns:a16="http://schemas.microsoft.com/office/drawing/2014/main" id="{0E71ED80-7050-57D3-E403-F33BF397EC69}"/>
+              </a:ext>
+            </a:extLst>
+          </p:cNvPr>
+          <p:cNvSpPr/>
+          <p:nvPr/>
+        </p:nvSpPr>
+        <p:spPr>
+          <a:xfrm>
+            <a:off x="7034241" y="3735132"/>
+            <a:ext cx="1306285" cy="870857"/>
+          </a:xfrm>
+          <a:prstGeom prst="rect">
+            <a:avLst/>
+          </a:prstGeom>
+        </p:spPr>
+        <p:style>
+          <a:lnRef idx="2">
+            <a:schemeClr val="accent1">
+              <a:shade val="15000"/>
+            </a:schemeClr>
+          </a:lnRef>
+          <a:fillRef idx="1">
+            <a:schemeClr val="accent1"/>
+          </a:fillRef>
+          <a:effectRef idx="0">
+            <a:schemeClr val="accent1"/>
+          </a:effectRef>
+          <a:fontRef idx="minor">
+            <a:schemeClr val="lt1"/>
+          </a:fontRef>
+        </p:style>
+        <p:txBody>
+          <a:bodyPr rtlCol="0" anchor="ctr"/>
+          <a:lstStyle/>
+          <a:p>
+            <a:pPr algn="ctr"/>
+            <a:r>
+              <a:rPr lang="zh-CN" altLang="en-US" dirty="0"/>
+              <a:t>正常训练图像</a:t>
+            </a:r>
+          </a:p>
+        </p:txBody>
+      </p:sp>
+      <p:cxnSp>
+        <p:nvCxnSpPr>
+          <p:cNvPr id="11" name="直接箭头连接符 6">
+            <a:extLst>
+              <a:ext uri="{FF2B5EF4-FFF2-40B4-BE49-F238E27FC236}">
+                <a16:creationId xmlns:a16="http://schemas.microsoft.com/office/drawing/2014/main" id="{620DB47E-266B-01D2-CE16-9356FFD832D8}"/>
+              </a:ext>
+            </a:extLst>
+          </p:cNvPr>
+          <p:cNvCxnSpPr>
+            <a:cxnSpLocks/>
+            <a:stCxn id="5" idx="3"/>
+            <a:endCxn id="9" idx="1"/>
+          </p:cNvCxnSpPr>
+          <p:nvPr/>
+        </p:nvCxnSpPr>
+        <p:spPr>
+          <a:xfrm>
+            <a:off x="6096000" y="3324557"/>
+            <a:ext cx="938241" cy="846004"/>
+          </a:xfrm>
+          <a:prstGeom prst="bentConnector3">
+            <a:avLst>
+              <a:gd name="adj1" fmla="val 50000"/>
+            </a:avLst>
+          </a:prstGeom>
+          <a:ln>
+            <a:tailEnd type="triangle"/>
+          </a:ln>
+        </p:spPr>
+        <p:style>
+          <a:lnRef idx="1">
+            <a:schemeClr val="accent1"/>
+          </a:lnRef>
+          <a:fillRef idx="0">
+            <a:schemeClr val="accent1"/>
+          </a:fillRef>
+          <a:effectRef idx="0">
+            <a:schemeClr val="accent1"/>
+          </a:effectRef>
+          <a:fontRef idx="minor">
+            <a:schemeClr val="tx1"/>
+          </a:fontRef>
+        </p:style>
+      </p:cxnSp>
+    </p:spTree>
+    <p:extLst>
+      <p:ext uri="{BB962C8B-B14F-4D97-AF65-F5344CB8AC3E}">
+        <p14:creationId xmlns:p14="http://schemas.microsoft.com/office/powerpoint/2010/main" val="126326823"/>
       </p:ext>
     </p:extLst>
   </p:cSld>

--- a/papers/车底检测/车底爆炸物检测.pptx
+++ b/papers/车底检测/车底爆炸物检测.pptx
@@ -320,7 +320,7 @@
           <a:p>
             <a:fld id="{B4CEA30E-BA51-4FA5-A9FF-C68150A3CF03}" type="datetimeFigureOut">
               <a:rPr lang="zh-CN" altLang="en-US" smtClean="0"/>
-              <a:t>2024/4/19</a:t>
+              <a:t>2024/4/23</a:t>
             </a:fld>
             <a:endParaRPr lang="zh-CN" altLang="en-US"/>
           </a:p>
@@ -518,7 +518,7 @@
           <a:p>
             <a:fld id="{B4CEA30E-BA51-4FA5-A9FF-C68150A3CF03}" type="datetimeFigureOut">
               <a:rPr lang="zh-CN" altLang="en-US" smtClean="0"/>
-              <a:t>2024/4/19</a:t>
+              <a:t>2024/4/23</a:t>
             </a:fld>
             <a:endParaRPr lang="zh-CN" altLang="en-US"/>
           </a:p>
@@ -726,7 +726,7 @@
           <a:p>
             <a:fld id="{B4CEA30E-BA51-4FA5-A9FF-C68150A3CF03}" type="datetimeFigureOut">
               <a:rPr lang="zh-CN" altLang="en-US" smtClean="0"/>
-              <a:t>2024/4/19</a:t>
+              <a:t>2024/4/23</a:t>
             </a:fld>
             <a:endParaRPr lang="zh-CN" altLang="en-US"/>
           </a:p>
@@ -924,7 +924,7 @@
           <a:p>
             <a:fld id="{B4CEA30E-BA51-4FA5-A9FF-C68150A3CF03}" type="datetimeFigureOut">
               <a:rPr lang="zh-CN" altLang="en-US" smtClean="0"/>
-              <a:t>2024/4/19</a:t>
+              <a:t>2024/4/23</a:t>
             </a:fld>
             <a:endParaRPr lang="zh-CN" altLang="en-US"/>
           </a:p>
@@ -1199,7 +1199,7 @@
           <a:p>
             <a:fld id="{B4CEA30E-BA51-4FA5-A9FF-C68150A3CF03}" type="datetimeFigureOut">
               <a:rPr lang="zh-CN" altLang="en-US" smtClean="0"/>
-              <a:t>2024/4/19</a:t>
+              <a:t>2024/4/23</a:t>
             </a:fld>
             <a:endParaRPr lang="zh-CN" altLang="en-US"/>
           </a:p>
@@ -1464,7 +1464,7 @@
           <a:p>
             <a:fld id="{B4CEA30E-BA51-4FA5-A9FF-C68150A3CF03}" type="datetimeFigureOut">
               <a:rPr lang="zh-CN" altLang="en-US" smtClean="0"/>
-              <a:t>2024/4/19</a:t>
+              <a:t>2024/4/23</a:t>
             </a:fld>
             <a:endParaRPr lang="zh-CN" altLang="en-US"/>
           </a:p>
@@ -1876,7 +1876,7 @@
           <a:p>
             <a:fld id="{B4CEA30E-BA51-4FA5-A9FF-C68150A3CF03}" type="datetimeFigureOut">
               <a:rPr lang="zh-CN" altLang="en-US" smtClean="0"/>
-              <a:t>2024/4/19</a:t>
+              <a:t>2024/4/23</a:t>
             </a:fld>
             <a:endParaRPr lang="zh-CN" altLang="en-US"/>
           </a:p>
@@ -2017,7 +2017,7 @@
           <a:p>
             <a:fld id="{B4CEA30E-BA51-4FA5-A9FF-C68150A3CF03}" type="datetimeFigureOut">
               <a:rPr lang="zh-CN" altLang="en-US" smtClean="0"/>
-              <a:t>2024/4/19</a:t>
+              <a:t>2024/4/23</a:t>
             </a:fld>
             <a:endParaRPr lang="zh-CN" altLang="en-US"/>
           </a:p>
@@ -2130,7 +2130,7 @@
           <a:p>
             <a:fld id="{B4CEA30E-BA51-4FA5-A9FF-C68150A3CF03}" type="datetimeFigureOut">
               <a:rPr lang="zh-CN" altLang="en-US" smtClean="0"/>
-              <a:t>2024/4/19</a:t>
+              <a:t>2024/4/23</a:t>
             </a:fld>
             <a:endParaRPr lang="zh-CN" altLang="en-US"/>
           </a:p>
@@ -2441,7 +2441,7 @@
           <a:p>
             <a:fld id="{B4CEA30E-BA51-4FA5-A9FF-C68150A3CF03}" type="datetimeFigureOut">
               <a:rPr lang="zh-CN" altLang="en-US" smtClean="0"/>
-              <a:t>2024/4/19</a:t>
+              <a:t>2024/4/23</a:t>
             </a:fld>
             <a:endParaRPr lang="zh-CN" altLang="en-US"/>
           </a:p>
@@ -2729,7 +2729,7 @@
           <a:p>
             <a:fld id="{B4CEA30E-BA51-4FA5-A9FF-C68150A3CF03}" type="datetimeFigureOut">
               <a:rPr lang="zh-CN" altLang="en-US" smtClean="0"/>
-              <a:t>2024/4/19</a:t>
+              <a:t>2024/4/23</a:t>
             </a:fld>
             <a:endParaRPr lang="zh-CN" altLang="en-US"/>
           </a:p>
@@ -2970,7 +2970,7 @@
           <a:p>
             <a:fld id="{B4CEA30E-BA51-4FA5-A9FF-C68150A3CF03}" type="datetimeFigureOut">
               <a:rPr lang="zh-CN" altLang="en-US" smtClean="0"/>
-              <a:t>2024/4/19</a:t>
+              <a:t>2024/4/23</a:t>
             </a:fld>
             <a:endParaRPr lang="zh-CN" altLang="en-US"/>
           </a:p>
@@ -25261,7 +25261,7 @@
         </p:nvSpPr>
         <p:spPr>
           <a:xfrm>
-            <a:off x="444830" y="1957324"/>
+            <a:off x="444830" y="1789900"/>
             <a:ext cx="991171" cy="403375"/>
           </a:xfrm>
           <a:prstGeom prst="rect">
@@ -25310,7 +25310,7 @@
         </p:nvSpPr>
         <p:spPr>
           <a:xfrm>
-            <a:off x="1736901" y="1957331"/>
+            <a:off x="1736901" y="1789907"/>
             <a:ext cx="1031286" cy="403375"/>
           </a:xfrm>
           <a:prstGeom prst="roundRect">
@@ -25365,7 +25365,7 @@
         </p:nvCxnSpPr>
         <p:spPr>
           <a:xfrm>
-            <a:off x="1436001" y="2159012"/>
+            <a:off x="1436001" y="1991588"/>
             <a:ext cx="300900" cy="7"/>
           </a:xfrm>
           <a:prstGeom prst="bentConnector3">
@@ -25408,7 +25408,7 @@
         </p:nvCxnSpPr>
         <p:spPr>
           <a:xfrm>
-            <a:off x="2768187" y="2159019"/>
+            <a:off x="2768187" y="1991595"/>
             <a:ext cx="338029" cy="0"/>
           </a:xfrm>
           <a:prstGeom prst="straightConnector1">
@@ -25447,7 +25447,7 @@
         </p:nvGrpSpPr>
         <p:grpSpPr>
           <a:xfrm>
-            <a:off x="3106216" y="1799017"/>
+            <a:off x="3106216" y="1631593"/>
             <a:ext cx="1138509" cy="720000"/>
             <a:chOff x="4249837" y="1909791"/>
             <a:chExt cx="1138509" cy="720000"/>
@@ -26158,7 +26158,7 @@
         </p:nvSpPr>
         <p:spPr>
           <a:xfrm>
-            <a:off x="4696905" y="1957324"/>
+            <a:off x="4696905" y="1789900"/>
             <a:ext cx="854104" cy="403382"/>
           </a:xfrm>
           <a:prstGeom prst="rect">
@@ -26223,7 +26223,7 @@
         </p:nvCxnSpPr>
         <p:spPr>
           <a:xfrm flipV="1">
-            <a:off x="4244724" y="2159015"/>
+            <a:off x="4244724" y="1991591"/>
             <a:ext cx="452181" cy="3"/>
           </a:xfrm>
           <a:prstGeom prst="bentConnector3">
@@ -26264,7 +26264,7 @@
         </p:nvSpPr>
         <p:spPr>
           <a:xfrm>
-            <a:off x="444830" y="3062113"/>
+            <a:off x="444830" y="2894689"/>
             <a:ext cx="991171" cy="403374"/>
           </a:xfrm>
           <a:prstGeom prst="rect">
@@ -26313,7 +26313,7 @@
         </p:nvSpPr>
         <p:spPr>
           <a:xfrm>
-            <a:off x="1736901" y="3062113"/>
+            <a:off x="1736901" y="2894689"/>
             <a:ext cx="1031286" cy="403375"/>
           </a:xfrm>
           <a:prstGeom prst="roundRect">
@@ -26368,7 +26368,7 @@
         </p:nvCxnSpPr>
         <p:spPr>
           <a:xfrm>
-            <a:off x="1436001" y="3263800"/>
+            <a:off x="1436001" y="3096376"/>
             <a:ext cx="300900" cy="1"/>
           </a:xfrm>
           <a:prstGeom prst="bentConnector3">
@@ -26411,7 +26411,7 @@
         </p:nvCxnSpPr>
         <p:spPr>
           <a:xfrm>
-            <a:off x="2768187" y="3263801"/>
+            <a:off x="2768187" y="3096377"/>
             <a:ext cx="338029" cy="0"/>
           </a:xfrm>
           <a:prstGeom prst="straightConnector1">
@@ -26450,7 +26450,7 @@
         </p:nvGrpSpPr>
         <p:grpSpPr>
           <a:xfrm>
-            <a:off x="3106216" y="2903799"/>
+            <a:off x="3106216" y="2736375"/>
             <a:ext cx="1138509" cy="720000"/>
             <a:chOff x="4249837" y="1909791"/>
             <a:chExt cx="1138509" cy="720000"/>
@@ -27165,7 +27165,7 @@
         </p:nvCxnSpPr>
         <p:spPr>
           <a:xfrm flipV="1">
-            <a:off x="4244724" y="2159015"/>
+            <a:off x="4244724" y="1991591"/>
             <a:ext cx="452181" cy="1104785"/>
           </a:xfrm>
           <a:prstGeom prst="bentConnector3">
@@ -27204,7 +27204,7 @@
         </p:nvSpPr>
         <p:spPr>
           <a:xfrm>
-            <a:off x="6267101" y="1799016"/>
+            <a:off x="6267101" y="1631592"/>
             <a:ext cx="1306285" cy="870857"/>
           </a:xfrm>
           <a:prstGeom prst="rect">
@@ -27253,7 +27253,7 @@
         </p:nvSpPr>
         <p:spPr>
           <a:xfrm>
-            <a:off x="7874286" y="2032758"/>
+            <a:off x="7874286" y="1865334"/>
             <a:ext cx="1031286" cy="403375"/>
           </a:xfrm>
           <a:prstGeom prst="roundRect">
@@ -27307,7 +27307,7 @@
         </p:nvCxnSpPr>
         <p:spPr>
           <a:xfrm>
-            <a:off x="7573386" y="2234445"/>
+            <a:off x="7573386" y="2067021"/>
             <a:ext cx="300900" cy="1"/>
           </a:xfrm>
           <a:prstGeom prst="bentConnector3">
@@ -27350,7 +27350,7 @@
         </p:nvCxnSpPr>
         <p:spPr>
           <a:xfrm>
-            <a:off x="8905572" y="2234446"/>
+            <a:off x="8905572" y="2067022"/>
             <a:ext cx="338029" cy="0"/>
           </a:xfrm>
           <a:prstGeom prst="straightConnector1">
@@ -27389,7 +27389,7 @@
         </p:nvGrpSpPr>
         <p:grpSpPr>
           <a:xfrm>
-            <a:off x="9243601" y="1874444"/>
+            <a:off x="9243601" y="1707020"/>
             <a:ext cx="1138509" cy="720000"/>
             <a:chOff x="4249837" y="1909791"/>
             <a:chExt cx="1138509" cy="720000"/>
@@ -28100,7 +28100,7 @@
         </p:nvSpPr>
         <p:spPr>
           <a:xfrm>
-            <a:off x="10834290" y="1874443"/>
+            <a:off x="10834290" y="1707019"/>
             <a:ext cx="1218036" cy="719997"/>
           </a:xfrm>
           <a:prstGeom prst="rect">
@@ -28165,7 +28165,7 @@
         </p:nvCxnSpPr>
         <p:spPr>
           <a:xfrm flipV="1">
-            <a:off x="10382109" y="2234442"/>
+            <a:off x="10382109" y="2067018"/>
             <a:ext cx="452181" cy="3"/>
           </a:xfrm>
           <a:prstGeom prst="bentConnector3">
@@ -28206,7 +28206,7 @@
         </p:nvSpPr>
         <p:spPr>
           <a:xfrm>
-            <a:off x="6267101" y="2903798"/>
+            <a:off x="6267101" y="2736374"/>
             <a:ext cx="1306285" cy="870857"/>
           </a:xfrm>
           <a:prstGeom prst="rect">
@@ -28255,7 +28255,7 @@
         </p:nvSpPr>
         <p:spPr>
           <a:xfrm>
-            <a:off x="7874286" y="3137540"/>
+            <a:off x="7874286" y="2970116"/>
             <a:ext cx="1031286" cy="403375"/>
           </a:xfrm>
           <a:prstGeom prst="roundRect">
@@ -28309,7 +28309,7 @@
         </p:nvCxnSpPr>
         <p:spPr>
           <a:xfrm>
-            <a:off x="7573386" y="3339227"/>
+            <a:off x="7573386" y="3171803"/>
             <a:ext cx="300900" cy="1"/>
           </a:xfrm>
           <a:prstGeom prst="bentConnector3">
@@ -28352,7 +28352,7 @@
         </p:nvCxnSpPr>
         <p:spPr>
           <a:xfrm>
-            <a:off x="8905572" y="3339228"/>
+            <a:off x="8905572" y="3171804"/>
             <a:ext cx="338029" cy="0"/>
           </a:xfrm>
           <a:prstGeom prst="straightConnector1">
@@ -28391,7 +28391,7 @@
         </p:nvGrpSpPr>
         <p:grpSpPr>
           <a:xfrm>
-            <a:off x="9243601" y="2979226"/>
+            <a:off x="9243601" y="2811802"/>
             <a:ext cx="1138509" cy="720000"/>
             <a:chOff x="4249837" y="1909791"/>
             <a:chExt cx="1138509" cy="720000"/>
@@ -29106,7 +29106,7 @@
         </p:nvCxnSpPr>
         <p:spPr>
           <a:xfrm flipV="1">
-            <a:off x="10382109" y="2234442"/>
+            <a:off x="10382109" y="2067018"/>
             <a:ext cx="452181" cy="1104785"/>
           </a:xfrm>
           <a:prstGeom prst="bentConnector3">
@@ -29145,7 +29145,7 @@
         </p:nvSpPr>
         <p:spPr>
           <a:xfrm>
-            <a:off x="164461" y="4723959"/>
+            <a:off x="164461" y="4556535"/>
             <a:ext cx="1306285" cy="870857"/>
           </a:xfrm>
           <a:prstGeom prst="rect">
@@ -29194,7 +29194,7 @@
         </p:nvSpPr>
         <p:spPr>
           <a:xfrm>
-            <a:off x="1771646" y="4957701"/>
+            <a:off x="1771646" y="4790277"/>
             <a:ext cx="1031286" cy="403375"/>
           </a:xfrm>
           <a:prstGeom prst="roundRect">
@@ -29248,7 +29248,7 @@
         </p:nvCxnSpPr>
         <p:spPr>
           <a:xfrm>
-            <a:off x="1470746" y="5159388"/>
+            <a:off x="1470746" y="4991964"/>
             <a:ext cx="300900" cy="1"/>
           </a:xfrm>
           <a:prstGeom prst="bentConnector3">
@@ -29291,7 +29291,7 @@
         </p:nvCxnSpPr>
         <p:spPr>
           <a:xfrm>
-            <a:off x="2802932" y="5159389"/>
+            <a:off x="2802932" y="4991965"/>
             <a:ext cx="338029" cy="0"/>
           </a:xfrm>
           <a:prstGeom prst="straightConnector1">
@@ -29330,7 +29330,7 @@
         </p:nvGrpSpPr>
         <p:grpSpPr>
           <a:xfrm>
-            <a:off x="3140961" y="4799387"/>
+            <a:off x="3140961" y="4631963"/>
             <a:ext cx="1138509" cy="720000"/>
             <a:chOff x="4249837" y="1909791"/>
             <a:chExt cx="1138509" cy="720000"/>
@@ -30041,7 +30041,7 @@
         </p:nvSpPr>
         <p:spPr>
           <a:xfrm>
-            <a:off x="4731650" y="4799386"/>
+            <a:off x="4731650" y="4631962"/>
             <a:ext cx="1218036" cy="719997"/>
           </a:xfrm>
           <a:prstGeom prst="rect">
@@ -30106,7 +30106,7 @@
         </p:nvCxnSpPr>
         <p:spPr>
           <a:xfrm flipV="1">
-            <a:off x="4279469" y="5159385"/>
+            <a:off x="4279469" y="4991961"/>
             <a:ext cx="452181" cy="3"/>
           </a:xfrm>
           <a:prstGeom prst="bentConnector3">
@@ -30147,7 +30147,7 @@
         </p:nvSpPr>
         <p:spPr>
           <a:xfrm>
-            <a:off x="164461" y="5828741"/>
+            <a:off x="164461" y="5661317"/>
             <a:ext cx="1306285" cy="870857"/>
           </a:xfrm>
           <a:prstGeom prst="rect">
@@ -30196,7 +30196,7 @@
         </p:nvSpPr>
         <p:spPr>
           <a:xfrm>
-            <a:off x="1771646" y="6062483"/>
+            <a:off x="1771646" y="5895059"/>
             <a:ext cx="1031286" cy="403375"/>
           </a:xfrm>
           <a:prstGeom prst="roundRect">
@@ -30250,7 +30250,7 @@
         </p:nvCxnSpPr>
         <p:spPr>
           <a:xfrm>
-            <a:off x="1470746" y="6264170"/>
+            <a:off x="1470746" y="6096746"/>
             <a:ext cx="300900" cy="1"/>
           </a:xfrm>
           <a:prstGeom prst="bentConnector3">
@@ -30293,7 +30293,7 @@
         </p:nvCxnSpPr>
         <p:spPr>
           <a:xfrm>
-            <a:off x="2802932" y="6264171"/>
+            <a:off x="2802932" y="6096747"/>
             <a:ext cx="338029" cy="0"/>
           </a:xfrm>
           <a:prstGeom prst="straightConnector1">
@@ -30332,7 +30332,7 @@
         </p:nvGrpSpPr>
         <p:grpSpPr>
           <a:xfrm>
-            <a:off x="3140961" y="5904169"/>
+            <a:off x="3140961" y="5736745"/>
             <a:ext cx="1138509" cy="720000"/>
             <a:chOff x="4249837" y="1909791"/>
             <a:chExt cx="1138509" cy="720000"/>
@@ -31047,7 +31047,7 @@
         </p:nvCxnSpPr>
         <p:spPr>
           <a:xfrm flipV="1">
-            <a:off x="4279469" y="5159385"/>
+            <a:off x="4279469" y="4991961"/>
             <a:ext cx="452181" cy="1104785"/>
           </a:xfrm>
           <a:prstGeom prst="bentConnector3">
@@ -31086,7 +31086,7 @@
         </p:nvSpPr>
         <p:spPr>
           <a:xfrm>
-            <a:off x="1436000" y="1027611"/>
+            <a:off x="1436000" y="860187"/>
             <a:ext cx="2659001" cy="369332"/>
           </a:xfrm>
           <a:prstGeom prst="rect">
@@ -31122,7 +31122,7 @@
         </p:nvSpPr>
         <p:spPr>
           <a:xfrm>
-            <a:off x="7723836" y="1094703"/>
+            <a:off x="7723836" y="927279"/>
             <a:ext cx="2659001" cy="369332"/>
           </a:xfrm>
           <a:prstGeom prst="rect">
